--- a/docs/diagrams/DisplaySalesSequenceDiagram.pptx
+++ b/docs/diagrams/DisplaySalesSequenceDiagram.pptx
@@ -2,12 +2,12 @@
 <file path=ppt/presentation.xml><?xml version="1.0" encoding="utf-8"?>
 <p:presentation xmlns:a="http://schemas.openxmlformats.org/drawingml/2006/main" xmlns:r="http://schemas.openxmlformats.org/officeDocument/2006/relationships" xmlns:p="http://schemas.openxmlformats.org/presentationml/2006/main" saveSubsetFonts="1">
   <p:sldMasterIdLst>
-    <p:sldMasterId id="2147483708" r:id="rId1"/>
+    <p:sldMasterId id="2147483720" r:id="rId1"/>
   </p:sldMasterIdLst>
   <p:sldIdLst>
     <p:sldId id="256" r:id="rId2"/>
   </p:sldIdLst>
-  <p:sldSz cx="51206400" cy="21945600"/>
+  <p:sldSz cx="36576000" cy="21945600"/>
   <p:notesSz cx="6858000" cy="9144000"/>
   <p:defaultTextStyle>
     <a:defPPr>
@@ -141,15 +141,15 @@
         </p:nvSpPr>
         <p:spPr>
           <a:xfrm>
-            <a:off x="6400800" y="3591562"/>
-            <a:ext cx="38404800" cy="7640320"/>
+            <a:off x="4572000" y="3591562"/>
+            <a:ext cx="27432000" cy="7640320"/>
           </a:xfrm>
         </p:spPr>
         <p:txBody>
           <a:bodyPr anchor="b"/>
           <a:lstStyle>
             <a:lvl1pPr algn="ctr">
-              <a:defRPr sz="19200"/>
+              <a:defRPr sz="18000"/>
             </a:lvl1pPr>
           </a:lstStyle>
           <a:p>
@@ -173,8 +173,8 @@
         </p:nvSpPr>
         <p:spPr>
           <a:xfrm>
-            <a:off x="6400800" y="11526522"/>
-            <a:ext cx="38404800" cy="5298438"/>
+            <a:off x="4572000" y="11526522"/>
+            <a:ext cx="27432000" cy="5298438"/>
           </a:xfrm>
         </p:spPr>
         <p:txBody>
@@ -182,39 +182,39 @@
           <a:lstStyle>
             <a:lvl1pPr marL="0" indent="0" algn="ctr">
               <a:buNone/>
-              <a:defRPr sz="7680"/>
+              <a:defRPr sz="7200"/>
             </a:lvl1pPr>
-            <a:lvl2pPr marL="1463040" indent="0" algn="ctr">
+            <a:lvl2pPr marL="1371600" indent="0" algn="ctr">
               <a:buNone/>
-              <a:defRPr sz="6400"/>
+              <a:defRPr sz="6000"/>
             </a:lvl2pPr>
-            <a:lvl3pPr marL="2926080" indent="0" algn="ctr">
+            <a:lvl3pPr marL="2743200" indent="0" algn="ctr">
               <a:buNone/>
-              <a:defRPr sz="5760"/>
+              <a:defRPr sz="5400"/>
             </a:lvl3pPr>
-            <a:lvl4pPr marL="4389120" indent="0" algn="ctr">
+            <a:lvl4pPr marL="4114800" indent="0" algn="ctr">
               <a:buNone/>
-              <a:defRPr sz="5120"/>
+              <a:defRPr sz="4800"/>
             </a:lvl4pPr>
-            <a:lvl5pPr marL="5852160" indent="0" algn="ctr">
+            <a:lvl5pPr marL="5486400" indent="0" algn="ctr">
               <a:buNone/>
-              <a:defRPr sz="5120"/>
+              <a:defRPr sz="4800"/>
             </a:lvl5pPr>
-            <a:lvl6pPr marL="7315200" indent="0" algn="ctr">
+            <a:lvl6pPr marL="6858000" indent="0" algn="ctr">
               <a:buNone/>
-              <a:defRPr sz="5120"/>
+              <a:defRPr sz="4800"/>
             </a:lvl6pPr>
-            <a:lvl7pPr marL="8778240" indent="0" algn="ctr">
+            <a:lvl7pPr marL="8229600" indent="0" algn="ctr">
               <a:buNone/>
-              <a:defRPr sz="5120"/>
+              <a:defRPr sz="4800"/>
             </a:lvl7pPr>
-            <a:lvl8pPr marL="10241280" indent="0" algn="ctr">
+            <a:lvl8pPr marL="9601200" indent="0" algn="ctr">
               <a:buNone/>
-              <a:defRPr sz="5120"/>
+              <a:defRPr sz="4800"/>
             </a:lvl8pPr>
-            <a:lvl9pPr marL="11704320" indent="0" algn="ctr">
+            <a:lvl9pPr marL="10972800" indent="0" algn="ctr">
               <a:buNone/>
-              <a:defRPr sz="5120"/>
+              <a:defRPr sz="4800"/>
             </a:lvl9pPr>
           </a:lstStyle>
           <a:p>
@@ -243,7 +243,7 @@
           <a:p>
             <a:fld id="{4D1B3380-6078-4607-8330-76A9CDBCE97E}" type="datetimeFigureOut">
               <a:rPr lang="en-US" smtClean="0"/>
-              <a:t>10/29/2018</a:t>
+              <a:t>11/6/2018</a:t>
             </a:fld>
             <a:endParaRPr lang="en-US"/>
           </a:p>
@@ -294,7 +294,7 @@
     </p:spTree>
     <p:extLst>
       <p:ext uri="{BB962C8B-B14F-4D97-AF65-F5344CB8AC3E}">
-        <p14:creationId xmlns:p14="http://schemas.microsoft.com/office/powerpoint/2010/main" val="3230494570"/>
+        <p14:creationId xmlns:p14="http://schemas.microsoft.com/office/powerpoint/2010/main" val="4045086046"/>
       </p:ext>
     </p:extLst>
   </p:cSld>
@@ -413,7 +413,7 @@
           <a:p>
             <a:fld id="{4D1B3380-6078-4607-8330-76A9CDBCE97E}" type="datetimeFigureOut">
               <a:rPr lang="en-US" smtClean="0"/>
-              <a:t>10/29/2018</a:t>
+              <a:t>11/6/2018</a:t>
             </a:fld>
             <a:endParaRPr lang="en-US"/>
           </a:p>
@@ -464,7 +464,7 @@
     </p:spTree>
     <p:extLst>
       <p:ext uri="{BB962C8B-B14F-4D97-AF65-F5344CB8AC3E}">
-        <p14:creationId xmlns:p14="http://schemas.microsoft.com/office/powerpoint/2010/main" val="210703724"/>
+        <p14:creationId xmlns:p14="http://schemas.microsoft.com/office/powerpoint/2010/main" val="3810999858"/>
       </p:ext>
     </p:extLst>
   </p:cSld>
@@ -503,8 +503,8 @@
         </p:nvSpPr>
         <p:spPr>
           <a:xfrm>
-            <a:off x="36644580" y="1168400"/>
-            <a:ext cx="11041380" cy="18597882"/>
+            <a:off x="26174700" y="1168400"/>
+            <a:ext cx="7886700" cy="18597882"/>
           </a:xfrm>
         </p:spPr>
         <p:txBody>
@@ -531,8 +531,8 @@
         </p:nvSpPr>
         <p:spPr>
           <a:xfrm>
-            <a:off x="3520440" y="1168400"/>
-            <a:ext cx="32484060" cy="18597882"/>
+            <a:off x="2514600" y="1168400"/>
+            <a:ext cx="23202900" cy="18597882"/>
           </a:xfrm>
         </p:spPr>
         <p:txBody>
@@ -593,7 +593,7 @@
           <a:p>
             <a:fld id="{4D1B3380-6078-4607-8330-76A9CDBCE97E}" type="datetimeFigureOut">
               <a:rPr lang="en-US" smtClean="0"/>
-              <a:t>10/29/2018</a:t>
+              <a:t>11/6/2018</a:t>
             </a:fld>
             <a:endParaRPr lang="en-US"/>
           </a:p>
@@ -644,7 +644,7 @@
     </p:spTree>
     <p:extLst>
       <p:ext uri="{BB962C8B-B14F-4D97-AF65-F5344CB8AC3E}">
-        <p14:creationId xmlns:p14="http://schemas.microsoft.com/office/powerpoint/2010/main" val="3166827404"/>
+        <p14:creationId xmlns:p14="http://schemas.microsoft.com/office/powerpoint/2010/main" val="206885127"/>
       </p:ext>
     </p:extLst>
   </p:cSld>
@@ -763,7 +763,7 @@
           <a:p>
             <a:fld id="{4D1B3380-6078-4607-8330-76A9CDBCE97E}" type="datetimeFigureOut">
               <a:rPr lang="en-US" smtClean="0"/>
-              <a:t>10/29/2018</a:t>
+              <a:t>11/6/2018</a:t>
             </a:fld>
             <a:endParaRPr lang="en-US"/>
           </a:p>
@@ -814,7 +814,7 @@
     </p:spTree>
     <p:extLst>
       <p:ext uri="{BB962C8B-B14F-4D97-AF65-F5344CB8AC3E}">
-        <p14:creationId xmlns:p14="http://schemas.microsoft.com/office/powerpoint/2010/main" val="3606498112"/>
+        <p14:creationId xmlns:p14="http://schemas.microsoft.com/office/powerpoint/2010/main" val="4232886500"/>
       </p:ext>
     </p:extLst>
   </p:cSld>
@@ -853,15 +853,15 @@
         </p:nvSpPr>
         <p:spPr>
           <a:xfrm>
-            <a:off x="3493770" y="5471163"/>
-            <a:ext cx="44165520" cy="9128758"/>
+            <a:off x="2495550" y="5471163"/>
+            <a:ext cx="31546800" cy="9128758"/>
           </a:xfrm>
         </p:spPr>
         <p:txBody>
           <a:bodyPr anchor="b"/>
           <a:lstStyle>
             <a:lvl1pPr>
-              <a:defRPr sz="19200"/>
+              <a:defRPr sz="18000"/>
             </a:lvl1pPr>
           </a:lstStyle>
           <a:p>
@@ -885,8 +885,8 @@
         </p:nvSpPr>
         <p:spPr>
           <a:xfrm>
-            <a:off x="3493770" y="14686283"/>
-            <a:ext cx="44165520" cy="4800598"/>
+            <a:off x="2495550" y="14686283"/>
+            <a:ext cx="31546800" cy="4800598"/>
           </a:xfrm>
         </p:spPr>
         <p:txBody>
@@ -894,7 +894,7 @@
           <a:lstStyle>
             <a:lvl1pPr marL="0" indent="0">
               <a:buNone/>
-              <a:defRPr sz="7680">
+              <a:defRPr sz="7200">
                 <a:solidFill>
                   <a:schemeClr val="tx1">
                     <a:tint val="75000"/>
@@ -902,9 +902,9 @@
                 </a:solidFill>
               </a:defRPr>
             </a:lvl1pPr>
-            <a:lvl2pPr marL="1463040" indent="0">
+            <a:lvl2pPr marL="1371600" indent="0">
               <a:buNone/>
-              <a:defRPr sz="6400">
+              <a:defRPr sz="6000">
                 <a:solidFill>
                   <a:schemeClr val="tx1">
                     <a:tint val="75000"/>
@@ -912,9 +912,9 @@
                 </a:solidFill>
               </a:defRPr>
             </a:lvl2pPr>
-            <a:lvl3pPr marL="2926080" indent="0">
+            <a:lvl3pPr marL="2743200" indent="0">
               <a:buNone/>
-              <a:defRPr sz="5760">
+              <a:defRPr sz="5400">
                 <a:solidFill>
                   <a:schemeClr val="tx1">
                     <a:tint val="75000"/>
@@ -922,9 +922,9 @@
                 </a:solidFill>
               </a:defRPr>
             </a:lvl3pPr>
-            <a:lvl4pPr marL="4389120" indent="0">
+            <a:lvl4pPr marL="4114800" indent="0">
               <a:buNone/>
-              <a:defRPr sz="5120">
+              <a:defRPr sz="4800">
                 <a:solidFill>
                   <a:schemeClr val="tx1">
                     <a:tint val="75000"/>
@@ -932,9 +932,9 @@
                 </a:solidFill>
               </a:defRPr>
             </a:lvl4pPr>
-            <a:lvl5pPr marL="5852160" indent="0">
+            <a:lvl5pPr marL="5486400" indent="0">
               <a:buNone/>
-              <a:defRPr sz="5120">
+              <a:defRPr sz="4800">
                 <a:solidFill>
                   <a:schemeClr val="tx1">
                     <a:tint val="75000"/>
@@ -942,9 +942,9 @@
                 </a:solidFill>
               </a:defRPr>
             </a:lvl5pPr>
-            <a:lvl6pPr marL="7315200" indent="0">
+            <a:lvl6pPr marL="6858000" indent="0">
               <a:buNone/>
-              <a:defRPr sz="5120">
+              <a:defRPr sz="4800">
                 <a:solidFill>
                   <a:schemeClr val="tx1">
                     <a:tint val="75000"/>
@@ -952,9 +952,9 @@
                 </a:solidFill>
               </a:defRPr>
             </a:lvl6pPr>
-            <a:lvl7pPr marL="8778240" indent="0">
+            <a:lvl7pPr marL="8229600" indent="0">
               <a:buNone/>
-              <a:defRPr sz="5120">
+              <a:defRPr sz="4800">
                 <a:solidFill>
                   <a:schemeClr val="tx1">
                     <a:tint val="75000"/>
@@ -962,9 +962,9 @@
                 </a:solidFill>
               </a:defRPr>
             </a:lvl7pPr>
-            <a:lvl8pPr marL="10241280" indent="0">
+            <a:lvl8pPr marL="9601200" indent="0">
               <a:buNone/>
-              <a:defRPr sz="5120">
+              <a:defRPr sz="4800">
                 <a:solidFill>
                   <a:schemeClr val="tx1">
                     <a:tint val="75000"/>
@@ -972,9 +972,9 @@
                 </a:solidFill>
               </a:defRPr>
             </a:lvl8pPr>
-            <a:lvl9pPr marL="11704320" indent="0">
+            <a:lvl9pPr marL="10972800" indent="0">
               <a:buNone/>
-              <a:defRPr sz="5120">
+              <a:defRPr sz="4800">
                 <a:solidFill>
                   <a:schemeClr val="tx1">
                     <a:tint val="75000"/>
@@ -1009,7 +1009,7 @@
           <a:p>
             <a:fld id="{4D1B3380-6078-4607-8330-76A9CDBCE97E}" type="datetimeFigureOut">
               <a:rPr lang="en-US" smtClean="0"/>
-              <a:t>10/29/2018</a:t>
+              <a:t>11/6/2018</a:t>
             </a:fld>
             <a:endParaRPr lang="en-US"/>
           </a:p>
@@ -1060,7 +1060,7 @@
     </p:spTree>
     <p:extLst>
       <p:ext uri="{BB962C8B-B14F-4D97-AF65-F5344CB8AC3E}">
-        <p14:creationId xmlns:p14="http://schemas.microsoft.com/office/powerpoint/2010/main" val="2284106313"/>
+        <p14:creationId xmlns:p14="http://schemas.microsoft.com/office/powerpoint/2010/main" val="1874732856"/>
       </p:ext>
     </p:extLst>
   </p:cSld>
@@ -1122,8 +1122,8 @@
         </p:nvSpPr>
         <p:spPr>
           <a:xfrm>
-            <a:off x="3520440" y="5842000"/>
-            <a:ext cx="21762720" cy="13924282"/>
+            <a:off x="2514600" y="5842000"/>
+            <a:ext cx="15544800" cy="13924282"/>
           </a:xfrm>
         </p:spPr>
         <p:txBody>
@@ -1179,8 +1179,8 @@
         </p:nvSpPr>
         <p:spPr>
           <a:xfrm>
-            <a:off x="25923240" y="5842000"/>
-            <a:ext cx="21762720" cy="13924282"/>
+            <a:off x="18516600" y="5842000"/>
+            <a:ext cx="15544800" cy="13924282"/>
           </a:xfrm>
         </p:spPr>
         <p:txBody>
@@ -1241,7 +1241,7 @@
           <a:p>
             <a:fld id="{4D1B3380-6078-4607-8330-76A9CDBCE97E}" type="datetimeFigureOut">
               <a:rPr lang="en-US" smtClean="0"/>
-              <a:t>10/29/2018</a:t>
+              <a:t>11/6/2018</a:t>
             </a:fld>
             <a:endParaRPr lang="en-US"/>
           </a:p>
@@ -1292,7 +1292,7 @@
     </p:spTree>
     <p:extLst>
       <p:ext uri="{BB962C8B-B14F-4D97-AF65-F5344CB8AC3E}">
-        <p14:creationId xmlns:p14="http://schemas.microsoft.com/office/powerpoint/2010/main" val="488916427"/>
+        <p14:creationId xmlns:p14="http://schemas.microsoft.com/office/powerpoint/2010/main" val="2515193927"/>
       </p:ext>
     </p:extLst>
   </p:cSld>
@@ -1331,8 +1331,8 @@
         </p:nvSpPr>
         <p:spPr>
           <a:xfrm>
-            <a:off x="3527110" y="1168401"/>
-            <a:ext cx="44165520" cy="4241802"/>
+            <a:off x="2519364" y="1168401"/>
+            <a:ext cx="31546800" cy="4241802"/>
           </a:xfrm>
         </p:spPr>
         <p:txBody>
@@ -1359,8 +1359,8 @@
         </p:nvSpPr>
         <p:spPr>
           <a:xfrm>
-            <a:off x="3527112" y="5379722"/>
-            <a:ext cx="21662705" cy="2636518"/>
+            <a:off x="2519366" y="5379722"/>
+            <a:ext cx="15473361" cy="2636518"/>
           </a:xfrm>
         </p:spPr>
         <p:txBody>
@@ -1368,39 +1368,39 @@
           <a:lstStyle>
             <a:lvl1pPr marL="0" indent="0">
               <a:buNone/>
-              <a:defRPr sz="7680" b="1"/>
+              <a:defRPr sz="7200" b="1"/>
             </a:lvl1pPr>
-            <a:lvl2pPr marL="1463040" indent="0">
+            <a:lvl2pPr marL="1371600" indent="0">
               <a:buNone/>
-              <a:defRPr sz="6400" b="1"/>
+              <a:defRPr sz="6000" b="1"/>
             </a:lvl2pPr>
-            <a:lvl3pPr marL="2926080" indent="0">
+            <a:lvl3pPr marL="2743200" indent="0">
               <a:buNone/>
-              <a:defRPr sz="5760" b="1"/>
+              <a:defRPr sz="5400" b="1"/>
             </a:lvl3pPr>
-            <a:lvl4pPr marL="4389120" indent="0">
+            <a:lvl4pPr marL="4114800" indent="0">
               <a:buNone/>
-              <a:defRPr sz="5120" b="1"/>
+              <a:defRPr sz="4800" b="1"/>
             </a:lvl4pPr>
-            <a:lvl5pPr marL="5852160" indent="0">
+            <a:lvl5pPr marL="5486400" indent="0">
               <a:buNone/>
-              <a:defRPr sz="5120" b="1"/>
+              <a:defRPr sz="4800" b="1"/>
             </a:lvl5pPr>
-            <a:lvl6pPr marL="7315200" indent="0">
+            <a:lvl6pPr marL="6858000" indent="0">
               <a:buNone/>
-              <a:defRPr sz="5120" b="1"/>
+              <a:defRPr sz="4800" b="1"/>
             </a:lvl6pPr>
-            <a:lvl7pPr marL="8778240" indent="0">
+            <a:lvl7pPr marL="8229600" indent="0">
               <a:buNone/>
-              <a:defRPr sz="5120" b="1"/>
+              <a:defRPr sz="4800" b="1"/>
             </a:lvl7pPr>
-            <a:lvl8pPr marL="10241280" indent="0">
+            <a:lvl8pPr marL="9601200" indent="0">
               <a:buNone/>
-              <a:defRPr sz="5120" b="1"/>
+              <a:defRPr sz="4800" b="1"/>
             </a:lvl8pPr>
-            <a:lvl9pPr marL="11704320" indent="0">
+            <a:lvl9pPr marL="10972800" indent="0">
               <a:buNone/>
-              <a:defRPr sz="5120" b="1"/>
+              <a:defRPr sz="4800" b="1"/>
             </a:lvl9pPr>
           </a:lstStyle>
           <a:p>
@@ -1424,8 +1424,8 @@
         </p:nvSpPr>
         <p:spPr>
           <a:xfrm>
-            <a:off x="3527112" y="8016240"/>
-            <a:ext cx="21662705" cy="11790682"/>
+            <a:off x="2519366" y="8016240"/>
+            <a:ext cx="15473361" cy="11790682"/>
           </a:xfrm>
         </p:spPr>
         <p:txBody>
@@ -1481,8 +1481,8 @@
         </p:nvSpPr>
         <p:spPr>
           <a:xfrm>
-            <a:off x="25923240" y="5379722"/>
-            <a:ext cx="21769390" cy="2636518"/>
+            <a:off x="18516600" y="5379722"/>
+            <a:ext cx="15549564" cy="2636518"/>
           </a:xfrm>
         </p:spPr>
         <p:txBody>
@@ -1490,39 +1490,39 @@
           <a:lstStyle>
             <a:lvl1pPr marL="0" indent="0">
               <a:buNone/>
-              <a:defRPr sz="7680" b="1"/>
+              <a:defRPr sz="7200" b="1"/>
             </a:lvl1pPr>
-            <a:lvl2pPr marL="1463040" indent="0">
+            <a:lvl2pPr marL="1371600" indent="0">
               <a:buNone/>
-              <a:defRPr sz="6400" b="1"/>
+              <a:defRPr sz="6000" b="1"/>
             </a:lvl2pPr>
-            <a:lvl3pPr marL="2926080" indent="0">
+            <a:lvl3pPr marL="2743200" indent="0">
               <a:buNone/>
-              <a:defRPr sz="5760" b="1"/>
+              <a:defRPr sz="5400" b="1"/>
             </a:lvl3pPr>
-            <a:lvl4pPr marL="4389120" indent="0">
+            <a:lvl4pPr marL="4114800" indent="0">
               <a:buNone/>
-              <a:defRPr sz="5120" b="1"/>
+              <a:defRPr sz="4800" b="1"/>
             </a:lvl4pPr>
-            <a:lvl5pPr marL="5852160" indent="0">
+            <a:lvl5pPr marL="5486400" indent="0">
               <a:buNone/>
-              <a:defRPr sz="5120" b="1"/>
+              <a:defRPr sz="4800" b="1"/>
             </a:lvl5pPr>
-            <a:lvl6pPr marL="7315200" indent="0">
+            <a:lvl6pPr marL="6858000" indent="0">
               <a:buNone/>
-              <a:defRPr sz="5120" b="1"/>
+              <a:defRPr sz="4800" b="1"/>
             </a:lvl6pPr>
-            <a:lvl7pPr marL="8778240" indent="0">
+            <a:lvl7pPr marL="8229600" indent="0">
               <a:buNone/>
-              <a:defRPr sz="5120" b="1"/>
+              <a:defRPr sz="4800" b="1"/>
             </a:lvl7pPr>
-            <a:lvl8pPr marL="10241280" indent="0">
+            <a:lvl8pPr marL="9601200" indent="0">
               <a:buNone/>
-              <a:defRPr sz="5120" b="1"/>
+              <a:defRPr sz="4800" b="1"/>
             </a:lvl8pPr>
-            <a:lvl9pPr marL="11704320" indent="0">
+            <a:lvl9pPr marL="10972800" indent="0">
               <a:buNone/>
-              <a:defRPr sz="5120" b="1"/>
+              <a:defRPr sz="4800" b="1"/>
             </a:lvl9pPr>
           </a:lstStyle>
           <a:p>
@@ -1546,8 +1546,8 @@
         </p:nvSpPr>
         <p:spPr>
           <a:xfrm>
-            <a:off x="25923240" y="8016240"/>
-            <a:ext cx="21769390" cy="11790682"/>
+            <a:off x="18516600" y="8016240"/>
+            <a:ext cx="15549564" cy="11790682"/>
           </a:xfrm>
         </p:spPr>
         <p:txBody>
@@ -1608,7 +1608,7 @@
           <a:p>
             <a:fld id="{4D1B3380-6078-4607-8330-76A9CDBCE97E}" type="datetimeFigureOut">
               <a:rPr lang="en-US" smtClean="0"/>
-              <a:t>10/29/2018</a:t>
+              <a:t>11/6/2018</a:t>
             </a:fld>
             <a:endParaRPr lang="en-US"/>
           </a:p>
@@ -1659,7 +1659,7 @@
     </p:spTree>
     <p:extLst>
       <p:ext uri="{BB962C8B-B14F-4D97-AF65-F5344CB8AC3E}">
-        <p14:creationId xmlns:p14="http://schemas.microsoft.com/office/powerpoint/2010/main" val="1533125617"/>
+        <p14:creationId xmlns:p14="http://schemas.microsoft.com/office/powerpoint/2010/main" val="14898318"/>
       </p:ext>
     </p:extLst>
   </p:cSld>
@@ -1726,7 +1726,7 @@
           <a:p>
             <a:fld id="{4D1B3380-6078-4607-8330-76A9CDBCE97E}" type="datetimeFigureOut">
               <a:rPr lang="en-US" smtClean="0"/>
-              <a:t>10/29/2018</a:t>
+              <a:t>11/6/2018</a:t>
             </a:fld>
             <a:endParaRPr lang="en-US"/>
           </a:p>
@@ -1777,7 +1777,7 @@
     </p:spTree>
     <p:extLst>
       <p:ext uri="{BB962C8B-B14F-4D97-AF65-F5344CB8AC3E}">
-        <p14:creationId xmlns:p14="http://schemas.microsoft.com/office/powerpoint/2010/main" val="323638321"/>
+        <p14:creationId xmlns:p14="http://schemas.microsoft.com/office/powerpoint/2010/main" val="3619379367"/>
       </p:ext>
     </p:extLst>
   </p:cSld>
@@ -1821,7 +1821,7 @@
           <a:p>
             <a:fld id="{4D1B3380-6078-4607-8330-76A9CDBCE97E}" type="datetimeFigureOut">
               <a:rPr lang="en-US" smtClean="0"/>
-              <a:t>10/29/2018</a:t>
+              <a:t>11/6/2018</a:t>
             </a:fld>
             <a:endParaRPr lang="en-US"/>
           </a:p>
@@ -1872,7 +1872,7 @@
     </p:spTree>
     <p:extLst>
       <p:ext uri="{BB962C8B-B14F-4D97-AF65-F5344CB8AC3E}">
-        <p14:creationId xmlns:p14="http://schemas.microsoft.com/office/powerpoint/2010/main" val="1449015489"/>
+        <p14:creationId xmlns:p14="http://schemas.microsoft.com/office/powerpoint/2010/main" val="3988736528"/>
       </p:ext>
     </p:extLst>
   </p:cSld>
@@ -1911,15 +1911,15 @@
         </p:nvSpPr>
         <p:spPr>
           <a:xfrm>
-            <a:off x="3527112" y="1463040"/>
-            <a:ext cx="16515395" cy="5120640"/>
+            <a:off x="2519366" y="1463040"/>
+            <a:ext cx="11796711" cy="5120640"/>
           </a:xfrm>
         </p:spPr>
         <p:txBody>
           <a:bodyPr anchor="b"/>
           <a:lstStyle>
             <a:lvl1pPr>
-              <a:defRPr sz="10240"/>
+              <a:defRPr sz="9600"/>
             </a:lvl1pPr>
           </a:lstStyle>
           <a:p>
@@ -1943,39 +1943,39 @@
         </p:nvSpPr>
         <p:spPr>
           <a:xfrm>
-            <a:off x="21769390" y="3159762"/>
-            <a:ext cx="25923240" cy="15595600"/>
+            <a:off x="15549564" y="3159762"/>
+            <a:ext cx="18516600" cy="15595600"/>
           </a:xfrm>
         </p:spPr>
         <p:txBody>
           <a:bodyPr/>
           <a:lstStyle>
             <a:lvl1pPr>
-              <a:defRPr sz="10240"/>
+              <a:defRPr sz="9600"/>
             </a:lvl1pPr>
             <a:lvl2pPr>
-              <a:defRPr sz="8960"/>
+              <a:defRPr sz="8400"/>
             </a:lvl2pPr>
             <a:lvl3pPr>
-              <a:defRPr sz="7680"/>
+              <a:defRPr sz="7200"/>
             </a:lvl3pPr>
             <a:lvl4pPr>
-              <a:defRPr sz="6400"/>
+              <a:defRPr sz="6000"/>
             </a:lvl4pPr>
             <a:lvl5pPr>
-              <a:defRPr sz="6400"/>
+              <a:defRPr sz="6000"/>
             </a:lvl5pPr>
             <a:lvl6pPr>
-              <a:defRPr sz="6400"/>
+              <a:defRPr sz="6000"/>
             </a:lvl6pPr>
             <a:lvl7pPr>
-              <a:defRPr sz="6400"/>
+              <a:defRPr sz="6000"/>
             </a:lvl7pPr>
             <a:lvl8pPr>
-              <a:defRPr sz="6400"/>
+              <a:defRPr sz="6000"/>
             </a:lvl8pPr>
             <a:lvl9pPr>
-              <a:defRPr sz="6400"/>
+              <a:defRPr sz="6000"/>
             </a:lvl9pPr>
           </a:lstStyle>
           <a:p>
@@ -2028,8 +2028,8 @@
         </p:nvSpPr>
         <p:spPr>
           <a:xfrm>
-            <a:off x="3527112" y="6583680"/>
-            <a:ext cx="16515395" cy="12197082"/>
+            <a:off x="2519366" y="6583680"/>
+            <a:ext cx="11796711" cy="12197082"/>
           </a:xfrm>
         </p:spPr>
         <p:txBody>
@@ -2037,39 +2037,39 @@
           <a:lstStyle>
             <a:lvl1pPr marL="0" indent="0">
               <a:buNone/>
-              <a:defRPr sz="5120"/>
+              <a:defRPr sz="4800"/>
             </a:lvl1pPr>
-            <a:lvl2pPr marL="1463040" indent="0">
+            <a:lvl2pPr marL="1371600" indent="0">
               <a:buNone/>
-              <a:defRPr sz="4480"/>
+              <a:defRPr sz="4200"/>
             </a:lvl2pPr>
-            <a:lvl3pPr marL="2926080" indent="0">
+            <a:lvl3pPr marL="2743200" indent="0">
               <a:buNone/>
-              <a:defRPr sz="3840"/>
+              <a:defRPr sz="3600"/>
             </a:lvl3pPr>
-            <a:lvl4pPr marL="4389120" indent="0">
+            <a:lvl4pPr marL="4114800" indent="0">
               <a:buNone/>
-              <a:defRPr sz="3200"/>
+              <a:defRPr sz="3000"/>
             </a:lvl4pPr>
-            <a:lvl5pPr marL="5852160" indent="0">
+            <a:lvl5pPr marL="5486400" indent="0">
               <a:buNone/>
-              <a:defRPr sz="3200"/>
+              <a:defRPr sz="3000"/>
             </a:lvl5pPr>
-            <a:lvl6pPr marL="7315200" indent="0">
+            <a:lvl6pPr marL="6858000" indent="0">
               <a:buNone/>
-              <a:defRPr sz="3200"/>
+              <a:defRPr sz="3000"/>
             </a:lvl6pPr>
-            <a:lvl7pPr marL="8778240" indent="0">
+            <a:lvl7pPr marL="8229600" indent="0">
               <a:buNone/>
-              <a:defRPr sz="3200"/>
+              <a:defRPr sz="3000"/>
             </a:lvl7pPr>
-            <a:lvl8pPr marL="10241280" indent="0">
+            <a:lvl8pPr marL="9601200" indent="0">
               <a:buNone/>
-              <a:defRPr sz="3200"/>
+              <a:defRPr sz="3000"/>
             </a:lvl8pPr>
-            <a:lvl9pPr marL="11704320" indent="0">
+            <a:lvl9pPr marL="10972800" indent="0">
               <a:buNone/>
-              <a:defRPr sz="3200"/>
+              <a:defRPr sz="3000"/>
             </a:lvl9pPr>
           </a:lstStyle>
           <a:p>
@@ -2098,7 +2098,7 @@
           <a:p>
             <a:fld id="{4D1B3380-6078-4607-8330-76A9CDBCE97E}" type="datetimeFigureOut">
               <a:rPr lang="en-US" smtClean="0"/>
-              <a:t>10/29/2018</a:t>
+              <a:t>11/6/2018</a:t>
             </a:fld>
             <a:endParaRPr lang="en-US"/>
           </a:p>
@@ -2149,7 +2149,7 @@
     </p:spTree>
     <p:extLst>
       <p:ext uri="{BB962C8B-B14F-4D97-AF65-F5344CB8AC3E}">
-        <p14:creationId xmlns:p14="http://schemas.microsoft.com/office/powerpoint/2010/main" val="4246919823"/>
+        <p14:creationId xmlns:p14="http://schemas.microsoft.com/office/powerpoint/2010/main" val="1230465913"/>
       </p:ext>
     </p:extLst>
   </p:cSld>
@@ -2188,15 +2188,15 @@
         </p:nvSpPr>
         <p:spPr>
           <a:xfrm>
-            <a:off x="3527112" y="1463040"/>
-            <a:ext cx="16515395" cy="5120640"/>
+            <a:off x="2519366" y="1463040"/>
+            <a:ext cx="11796711" cy="5120640"/>
           </a:xfrm>
         </p:spPr>
         <p:txBody>
           <a:bodyPr anchor="b"/>
           <a:lstStyle>
             <a:lvl1pPr>
-              <a:defRPr sz="10240"/>
+              <a:defRPr sz="9600"/>
             </a:lvl1pPr>
           </a:lstStyle>
           <a:p>
@@ -2220,8 +2220,8 @@
         </p:nvSpPr>
         <p:spPr>
           <a:xfrm>
-            <a:off x="21769390" y="3159762"/>
-            <a:ext cx="25923240" cy="15595600"/>
+            <a:off x="15549564" y="3159762"/>
+            <a:ext cx="18516600" cy="15595600"/>
           </a:xfrm>
         </p:spPr>
         <p:txBody>
@@ -2229,39 +2229,39 @@
           <a:lstStyle>
             <a:lvl1pPr marL="0" indent="0">
               <a:buNone/>
-              <a:defRPr sz="10240"/>
+              <a:defRPr sz="9600"/>
             </a:lvl1pPr>
-            <a:lvl2pPr marL="1463040" indent="0">
+            <a:lvl2pPr marL="1371600" indent="0">
               <a:buNone/>
-              <a:defRPr sz="8960"/>
+              <a:defRPr sz="8400"/>
             </a:lvl2pPr>
-            <a:lvl3pPr marL="2926080" indent="0">
+            <a:lvl3pPr marL="2743200" indent="0">
               <a:buNone/>
-              <a:defRPr sz="7680"/>
+              <a:defRPr sz="7200"/>
             </a:lvl3pPr>
-            <a:lvl4pPr marL="4389120" indent="0">
+            <a:lvl4pPr marL="4114800" indent="0">
               <a:buNone/>
-              <a:defRPr sz="6400"/>
+              <a:defRPr sz="6000"/>
             </a:lvl4pPr>
-            <a:lvl5pPr marL="5852160" indent="0">
+            <a:lvl5pPr marL="5486400" indent="0">
               <a:buNone/>
-              <a:defRPr sz="6400"/>
+              <a:defRPr sz="6000"/>
             </a:lvl5pPr>
-            <a:lvl6pPr marL="7315200" indent="0">
+            <a:lvl6pPr marL="6858000" indent="0">
               <a:buNone/>
-              <a:defRPr sz="6400"/>
+              <a:defRPr sz="6000"/>
             </a:lvl6pPr>
-            <a:lvl7pPr marL="8778240" indent="0">
+            <a:lvl7pPr marL="8229600" indent="0">
               <a:buNone/>
-              <a:defRPr sz="6400"/>
+              <a:defRPr sz="6000"/>
             </a:lvl7pPr>
-            <a:lvl8pPr marL="10241280" indent="0">
+            <a:lvl8pPr marL="9601200" indent="0">
               <a:buNone/>
-              <a:defRPr sz="6400"/>
+              <a:defRPr sz="6000"/>
             </a:lvl8pPr>
-            <a:lvl9pPr marL="11704320" indent="0">
+            <a:lvl9pPr marL="10972800" indent="0">
               <a:buNone/>
-              <a:defRPr sz="6400"/>
+              <a:defRPr sz="6000"/>
             </a:lvl9pPr>
           </a:lstStyle>
           <a:p>
@@ -2285,8 +2285,8 @@
         </p:nvSpPr>
         <p:spPr>
           <a:xfrm>
-            <a:off x="3527112" y="6583680"/>
-            <a:ext cx="16515395" cy="12197082"/>
+            <a:off x="2519366" y="6583680"/>
+            <a:ext cx="11796711" cy="12197082"/>
           </a:xfrm>
         </p:spPr>
         <p:txBody>
@@ -2294,39 +2294,39 @@
           <a:lstStyle>
             <a:lvl1pPr marL="0" indent="0">
               <a:buNone/>
-              <a:defRPr sz="5120"/>
+              <a:defRPr sz="4800"/>
             </a:lvl1pPr>
-            <a:lvl2pPr marL="1463040" indent="0">
+            <a:lvl2pPr marL="1371600" indent="0">
               <a:buNone/>
-              <a:defRPr sz="4480"/>
+              <a:defRPr sz="4200"/>
             </a:lvl2pPr>
-            <a:lvl3pPr marL="2926080" indent="0">
+            <a:lvl3pPr marL="2743200" indent="0">
               <a:buNone/>
-              <a:defRPr sz="3840"/>
+              <a:defRPr sz="3600"/>
             </a:lvl3pPr>
-            <a:lvl4pPr marL="4389120" indent="0">
+            <a:lvl4pPr marL="4114800" indent="0">
               <a:buNone/>
-              <a:defRPr sz="3200"/>
+              <a:defRPr sz="3000"/>
             </a:lvl4pPr>
-            <a:lvl5pPr marL="5852160" indent="0">
+            <a:lvl5pPr marL="5486400" indent="0">
               <a:buNone/>
-              <a:defRPr sz="3200"/>
+              <a:defRPr sz="3000"/>
             </a:lvl5pPr>
-            <a:lvl6pPr marL="7315200" indent="0">
+            <a:lvl6pPr marL="6858000" indent="0">
               <a:buNone/>
-              <a:defRPr sz="3200"/>
+              <a:defRPr sz="3000"/>
             </a:lvl6pPr>
-            <a:lvl7pPr marL="8778240" indent="0">
+            <a:lvl7pPr marL="8229600" indent="0">
               <a:buNone/>
-              <a:defRPr sz="3200"/>
+              <a:defRPr sz="3000"/>
             </a:lvl7pPr>
-            <a:lvl8pPr marL="10241280" indent="0">
+            <a:lvl8pPr marL="9601200" indent="0">
               <a:buNone/>
-              <a:defRPr sz="3200"/>
+              <a:defRPr sz="3000"/>
             </a:lvl8pPr>
-            <a:lvl9pPr marL="11704320" indent="0">
+            <a:lvl9pPr marL="10972800" indent="0">
               <a:buNone/>
-              <a:defRPr sz="3200"/>
+              <a:defRPr sz="3000"/>
             </a:lvl9pPr>
           </a:lstStyle>
           <a:p>
@@ -2355,7 +2355,7 @@
           <a:p>
             <a:fld id="{4D1B3380-6078-4607-8330-76A9CDBCE97E}" type="datetimeFigureOut">
               <a:rPr lang="en-US" smtClean="0"/>
-              <a:t>10/29/2018</a:t>
+              <a:t>11/6/2018</a:t>
             </a:fld>
             <a:endParaRPr lang="en-US"/>
           </a:p>
@@ -2406,7 +2406,7 @@
     </p:spTree>
     <p:extLst>
       <p:ext uri="{BB962C8B-B14F-4D97-AF65-F5344CB8AC3E}">
-        <p14:creationId xmlns:p14="http://schemas.microsoft.com/office/powerpoint/2010/main" val="1958615457"/>
+        <p14:creationId xmlns:p14="http://schemas.microsoft.com/office/powerpoint/2010/main" val="2211135372"/>
       </p:ext>
     </p:extLst>
   </p:cSld>
@@ -2450,8 +2450,8 @@
         </p:nvSpPr>
         <p:spPr>
           <a:xfrm>
-            <a:off x="3520440" y="1168401"/>
-            <a:ext cx="44165520" cy="4241802"/>
+            <a:off x="2514600" y="1168401"/>
+            <a:ext cx="31546800" cy="4241802"/>
           </a:xfrm>
           <a:prstGeom prst="rect">
             <a:avLst/>
@@ -2483,8 +2483,8 @@
         </p:nvSpPr>
         <p:spPr>
           <a:xfrm>
-            <a:off x="3520440" y="5842000"/>
-            <a:ext cx="44165520" cy="13924282"/>
+            <a:off x="2514600" y="5842000"/>
+            <a:ext cx="31546800" cy="13924282"/>
           </a:xfrm>
           <a:prstGeom prst="rect">
             <a:avLst/>
@@ -2545,8 +2545,8 @@
         </p:nvSpPr>
         <p:spPr>
           <a:xfrm>
-            <a:off x="3520440" y="20340322"/>
-            <a:ext cx="11521440" cy="1168400"/>
+            <a:off x="2514600" y="20340322"/>
+            <a:ext cx="8229600" cy="1168400"/>
           </a:xfrm>
           <a:prstGeom prst="rect">
             <a:avLst/>
@@ -2556,7 +2556,7 @@
           <a:bodyPr vert="horz" lIns="91440" tIns="45720" rIns="91440" bIns="45720" rtlCol="0" anchor="ctr"/>
           <a:lstStyle>
             <a:lvl1pPr algn="l">
-              <a:defRPr sz="3840">
+              <a:defRPr sz="3600">
                 <a:solidFill>
                   <a:schemeClr val="tx1">
                     <a:tint val="75000"/>
@@ -2568,7 +2568,7 @@
           <a:p>
             <a:fld id="{4D1B3380-6078-4607-8330-76A9CDBCE97E}" type="datetimeFigureOut">
               <a:rPr lang="en-US" smtClean="0"/>
-              <a:t>10/29/2018</a:t>
+              <a:t>11/6/2018</a:t>
             </a:fld>
             <a:endParaRPr lang="en-US"/>
           </a:p>
@@ -2586,8 +2586,8 @@
         </p:nvSpPr>
         <p:spPr>
           <a:xfrm>
-            <a:off x="16962120" y="20340322"/>
-            <a:ext cx="17282160" cy="1168400"/>
+            <a:off x="12115800" y="20340322"/>
+            <a:ext cx="12344400" cy="1168400"/>
           </a:xfrm>
           <a:prstGeom prst="rect">
             <a:avLst/>
@@ -2597,7 +2597,7 @@
           <a:bodyPr vert="horz" lIns="91440" tIns="45720" rIns="91440" bIns="45720" rtlCol="0" anchor="ctr"/>
           <a:lstStyle>
             <a:lvl1pPr algn="ctr">
-              <a:defRPr sz="3840">
+              <a:defRPr sz="3600">
                 <a:solidFill>
                   <a:schemeClr val="tx1">
                     <a:tint val="75000"/>
@@ -2623,8 +2623,8 @@
         </p:nvSpPr>
         <p:spPr>
           <a:xfrm>
-            <a:off x="36164520" y="20340322"/>
-            <a:ext cx="11521440" cy="1168400"/>
+            <a:off x="25831800" y="20340322"/>
+            <a:ext cx="8229600" cy="1168400"/>
           </a:xfrm>
           <a:prstGeom prst="rect">
             <a:avLst/>
@@ -2634,7 +2634,7 @@
           <a:bodyPr vert="horz" lIns="91440" tIns="45720" rIns="91440" bIns="45720" rtlCol="0" anchor="ctr"/>
           <a:lstStyle>
             <a:lvl1pPr algn="r">
-              <a:defRPr sz="3840">
+              <a:defRPr sz="3600">
                 <a:solidFill>
                   <a:schemeClr val="tx1">
                     <a:tint val="75000"/>
@@ -2655,27 +2655,27 @@
     </p:spTree>
     <p:extLst>
       <p:ext uri="{BB962C8B-B14F-4D97-AF65-F5344CB8AC3E}">
-        <p14:creationId xmlns:p14="http://schemas.microsoft.com/office/powerpoint/2010/main" val="155545634"/>
+        <p14:creationId xmlns:p14="http://schemas.microsoft.com/office/powerpoint/2010/main" val="746662314"/>
       </p:ext>
     </p:extLst>
   </p:cSld>
   <p:clrMap bg1="lt1" tx1="dk1" bg2="lt2" tx2="dk2" accent1="accent1" accent2="accent2" accent3="accent3" accent4="accent4" accent5="accent5" accent6="accent6" hlink="hlink" folHlink="folHlink"/>
   <p:sldLayoutIdLst>
-    <p:sldLayoutId id="2147483709" r:id="rId1"/>
-    <p:sldLayoutId id="2147483710" r:id="rId2"/>
-    <p:sldLayoutId id="2147483711" r:id="rId3"/>
-    <p:sldLayoutId id="2147483712" r:id="rId4"/>
-    <p:sldLayoutId id="2147483713" r:id="rId5"/>
-    <p:sldLayoutId id="2147483714" r:id="rId6"/>
-    <p:sldLayoutId id="2147483715" r:id="rId7"/>
-    <p:sldLayoutId id="2147483716" r:id="rId8"/>
-    <p:sldLayoutId id="2147483717" r:id="rId9"/>
-    <p:sldLayoutId id="2147483718" r:id="rId10"/>
-    <p:sldLayoutId id="2147483719" r:id="rId11"/>
+    <p:sldLayoutId id="2147483721" r:id="rId1"/>
+    <p:sldLayoutId id="2147483722" r:id="rId2"/>
+    <p:sldLayoutId id="2147483723" r:id="rId3"/>
+    <p:sldLayoutId id="2147483724" r:id="rId4"/>
+    <p:sldLayoutId id="2147483725" r:id="rId5"/>
+    <p:sldLayoutId id="2147483726" r:id="rId6"/>
+    <p:sldLayoutId id="2147483727" r:id="rId7"/>
+    <p:sldLayoutId id="2147483728" r:id="rId8"/>
+    <p:sldLayoutId id="2147483729" r:id="rId9"/>
+    <p:sldLayoutId id="2147483730" r:id="rId10"/>
+    <p:sldLayoutId id="2147483731" r:id="rId11"/>
   </p:sldLayoutIdLst>
   <p:txStyles>
     <p:titleStyle>
-      <a:lvl1pPr algn="l" defTabSz="2926080" rtl="0" eaLnBrk="1" latinLnBrk="0" hangingPunct="1">
+      <a:lvl1pPr algn="l" defTabSz="2743200" rtl="0" eaLnBrk="1" latinLnBrk="0" hangingPunct="1">
         <a:lnSpc>
           <a:spcPct val="90000"/>
         </a:lnSpc>
@@ -2683,7 +2683,7 @@
           <a:spcPct val="0"/>
         </a:spcBef>
         <a:buNone/>
-        <a:defRPr sz="14080" kern="1200">
+        <a:defRPr sz="13200" kern="1200">
           <a:solidFill>
             <a:schemeClr val="tx1"/>
           </a:solidFill>
@@ -2694,16 +2694,16 @@
       </a:lvl1pPr>
     </p:titleStyle>
     <p:bodyStyle>
-      <a:lvl1pPr marL="731520" indent="-731520" algn="l" defTabSz="2926080" rtl="0" eaLnBrk="1" latinLnBrk="0" hangingPunct="1">
+      <a:lvl1pPr marL="685800" indent="-685800" algn="l" defTabSz="2743200" rtl="0" eaLnBrk="1" latinLnBrk="0" hangingPunct="1">
         <a:lnSpc>
           <a:spcPct val="90000"/>
         </a:lnSpc>
         <a:spcBef>
-          <a:spcPts val="3200"/>
+          <a:spcPts val="3000"/>
         </a:spcBef>
         <a:buFont typeface="Arial" panose="020B0604020202020204" pitchFamily="34" charset="0"/>
         <a:buChar char="•"/>
-        <a:defRPr sz="8960" kern="1200">
+        <a:defRPr sz="8400" kern="1200">
           <a:solidFill>
             <a:schemeClr val="tx1"/>
           </a:solidFill>
@@ -2712,16 +2712,16 @@
           <a:cs typeface="+mn-cs"/>
         </a:defRPr>
       </a:lvl1pPr>
-      <a:lvl2pPr marL="2194560" indent="-731520" algn="l" defTabSz="2926080" rtl="0" eaLnBrk="1" latinLnBrk="0" hangingPunct="1">
+      <a:lvl2pPr marL="2057400" indent="-685800" algn="l" defTabSz="2743200" rtl="0" eaLnBrk="1" latinLnBrk="0" hangingPunct="1">
         <a:lnSpc>
           <a:spcPct val="90000"/>
         </a:lnSpc>
         <a:spcBef>
-          <a:spcPts val="1600"/>
+          <a:spcPts val="1500"/>
         </a:spcBef>
         <a:buFont typeface="Arial" panose="020B0604020202020204" pitchFamily="34" charset="0"/>
         <a:buChar char="•"/>
-        <a:defRPr sz="7680" kern="1200">
+        <a:defRPr sz="7200" kern="1200">
           <a:solidFill>
             <a:schemeClr val="tx1"/>
           </a:solidFill>
@@ -2730,16 +2730,16 @@
           <a:cs typeface="+mn-cs"/>
         </a:defRPr>
       </a:lvl2pPr>
-      <a:lvl3pPr marL="3657600" indent="-731520" algn="l" defTabSz="2926080" rtl="0" eaLnBrk="1" latinLnBrk="0" hangingPunct="1">
+      <a:lvl3pPr marL="3429000" indent="-685800" algn="l" defTabSz="2743200" rtl="0" eaLnBrk="1" latinLnBrk="0" hangingPunct="1">
         <a:lnSpc>
           <a:spcPct val="90000"/>
         </a:lnSpc>
         <a:spcBef>
-          <a:spcPts val="1600"/>
+          <a:spcPts val="1500"/>
         </a:spcBef>
         <a:buFont typeface="Arial" panose="020B0604020202020204" pitchFamily="34" charset="0"/>
         <a:buChar char="•"/>
-        <a:defRPr sz="6400" kern="1200">
+        <a:defRPr sz="6000" kern="1200">
           <a:solidFill>
             <a:schemeClr val="tx1"/>
           </a:solidFill>
@@ -2748,16 +2748,16 @@
           <a:cs typeface="+mn-cs"/>
         </a:defRPr>
       </a:lvl3pPr>
-      <a:lvl4pPr marL="5120640" indent="-731520" algn="l" defTabSz="2926080" rtl="0" eaLnBrk="1" latinLnBrk="0" hangingPunct="1">
+      <a:lvl4pPr marL="4800600" indent="-685800" algn="l" defTabSz="2743200" rtl="0" eaLnBrk="1" latinLnBrk="0" hangingPunct="1">
         <a:lnSpc>
           <a:spcPct val="90000"/>
         </a:lnSpc>
         <a:spcBef>
-          <a:spcPts val="1600"/>
+          <a:spcPts val="1500"/>
         </a:spcBef>
         <a:buFont typeface="Arial" panose="020B0604020202020204" pitchFamily="34" charset="0"/>
         <a:buChar char="•"/>
-        <a:defRPr sz="5760" kern="1200">
+        <a:defRPr sz="5400" kern="1200">
           <a:solidFill>
             <a:schemeClr val="tx1"/>
           </a:solidFill>
@@ -2766,16 +2766,16 @@
           <a:cs typeface="+mn-cs"/>
         </a:defRPr>
       </a:lvl4pPr>
-      <a:lvl5pPr marL="6583680" indent="-731520" algn="l" defTabSz="2926080" rtl="0" eaLnBrk="1" latinLnBrk="0" hangingPunct="1">
+      <a:lvl5pPr marL="6172200" indent="-685800" algn="l" defTabSz="2743200" rtl="0" eaLnBrk="1" latinLnBrk="0" hangingPunct="1">
         <a:lnSpc>
           <a:spcPct val="90000"/>
         </a:lnSpc>
         <a:spcBef>
-          <a:spcPts val="1600"/>
+          <a:spcPts val="1500"/>
         </a:spcBef>
         <a:buFont typeface="Arial" panose="020B0604020202020204" pitchFamily="34" charset="0"/>
         <a:buChar char="•"/>
-        <a:defRPr sz="5760" kern="1200">
+        <a:defRPr sz="5400" kern="1200">
           <a:solidFill>
             <a:schemeClr val="tx1"/>
           </a:solidFill>
@@ -2784,16 +2784,16 @@
           <a:cs typeface="+mn-cs"/>
         </a:defRPr>
       </a:lvl5pPr>
-      <a:lvl6pPr marL="8046720" indent="-731520" algn="l" defTabSz="2926080" rtl="0" eaLnBrk="1" latinLnBrk="0" hangingPunct="1">
+      <a:lvl6pPr marL="7543800" indent="-685800" algn="l" defTabSz="2743200" rtl="0" eaLnBrk="1" latinLnBrk="0" hangingPunct="1">
         <a:lnSpc>
           <a:spcPct val="90000"/>
         </a:lnSpc>
         <a:spcBef>
-          <a:spcPts val="1600"/>
+          <a:spcPts val="1500"/>
         </a:spcBef>
         <a:buFont typeface="Arial" panose="020B0604020202020204" pitchFamily="34" charset="0"/>
         <a:buChar char="•"/>
-        <a:defRPr sz="5760" kern="1200">
+        <a:defRPr sz="5400" kern="1200">
           <a:solidFill>
             <a:schemeClr val="tx1"/>
           </a:solidFill>
@@ -2802,16 +2802,16 @@
           <a:cs typeface="+mn-cs"/>
         </a:defRPr>
       </a:lvl6pPr>
-      <a:lvl7pPr marL="9509760" indent="-731520" algn="l" defTabSz="2926080" rtl="0" eaLnBrk="1" latinLnBrk="0" hangingPunct="1">
+      <a:lvl7pPr marL="8915400" indent="-685800" algn="l" defTabSz="2743200" rtl="0" eaLnBrk="1" latinLnBrk="0" hangingPunct="1">
         <a:lnSpc>
           <a:spcPct val="90000"/>
         </a:lnSpc>
         <a:spcBef>
-          <a:spcPts val="1600"/>
+          <a:spcPts val="1500"/>
         </a:spcBef>
         <a:buFont typeface="Arial" panose="020B0604020202020204" pitchFamily="34" charset="0"/>
         <a:buChar char="•"/>
-        <a:defRPr sz="5760" kern="1200">
+        <a:defRPr sz="5400" kern="1200">
           <a:solidFill>
             <a:schemeClr val="tx1"/>
           </a:solidFill>
@@ -2820,16 +2820,16 @@
           <a:cs typeface="+mn-cs"/>
         </a:defRPr>
       </a:lvl7pPr>
-      <a:lvl8pPr marL="10972800" indent="-731520" algn="l" defTabSz="2926080" rtl="0" eaLnBrk="1" latinLnBrk="0" hangingPunct="1">
+      <a:lvl8pPr marL="10287000" indent="-685800" algn="l" defTabSz="2743200" rtl="0" eaLnBrk="1" latinLnBrk="0" hangingPunct="1">
         <a:lnSpc>
           <a:spcPct val="90000"/>
         </a:lnSpc>
         <a:spcBef>
-          <a:spcPts val="1600"/>
+          <a:spcPts val="1500"/>
         </a:spcBef>
         <a:buFont typeface="Arial" panose="020B0604020202020204" pitchFamily="34" charset="0"/>
         <a:buChar char="•"/>
-        <a:defRPr sz="5760" kern="1200">
+        <a:defRPr sz="5400" kern="1200">
           <a:solidFill>
             <a:schemeClr val="tx1"/>
           </a:solidFill>
@@ -2838,16 +2838,16 @@
           <a:cs typeface="+mn-cs"/>
         </a:defRPr>
       </a:lvl8pPr>
-      <a:lvl9pPr marL="12435840" indent="-731520" algn="l" defTabSz="2926080" rtl="0" eaLnBrk="1" latinLnBrk="0" hangingPunct="1">
+      <a:lvl9pPr marL="11658600" indent="-685800" algn="l" defTabSz="2743200" rtl="0" eaLnBrk="1" latinLnBrk="0" hangingPunct="1">
         <a:lnSpc>
           <a:spcPct val="90000"/>
         </a:lnSpc>
         <a:spcBef>
-          <a:spcPts val="1600"/>
+          <a:spcPts val="1500"/>
         </a:spcBef>
         <a:buFont typeface="Arial" panose="020B0604020202020204" pitchFamily="34" charset="0"/>
         <a:buChar char="•"/>
-        <a:defRPr sz="5760" kern="1200">
+        <a:defRPr sz="5400" kern="1200">
           <a:solidFill>
             <a:schemeClr val="tx1"/>
           </a:solidFill>
@@ -2861,8 +2861,8 @@
       <a:defPPr>
         <a:defRPr lang="en-US"/>
       </a:defPPr>
-      <a:lvl1pPr marL="0" algn="l" defTabSz="2926080" rtl="0" eaLnBrk="1" latinLnBrk="0" hangingPunct="1">
-        <a:defRPr sz="5760" kern="1200">
+      <a:lvl1pPr marL="0" algn="l" defTabSz="2743200" rtl="0" eaLnBrk="1" latinLnBrk="0" hangingPunct="1">
+        <a:defRPr sz="5400" kern="1200">
           <a:solidFill>
             <a:schemeClr val="tx1"/>
           </a:solidFill>
@@ -2871,8 +2871,8 @@
           <a:cs typeface="+mn-cs"/>
         </a:defRPr>
       </a:lvl1pPr>
-      <a:lvl2pPr marL="1463040" algn="l" defTabSz="2926080" rtl="0" eaLnBrk="1" latinLnBrk="0" hangingPunct="1">
-        <a:defRPr sz="5760" kern="1200">
+      <a:lvl2pPr marL="1371600" algn="l" defTabSz="2743200" rtl="0" eaLnBrk="1" latinLnBrk="0" hangingPunct="1">
+        <a:defRPr sz="5400" kern="1200">
           <a:solidFill>
             <a:schemeClr val="tx1"/>
           </a:solidFill>
@@ -2881,8 +2881,8 @@
           <a:cs typeface="+mn-cs"/>
         </a:defRPr>
       </a:lvl2pPr>
-      <a:lvl3pPr marL="2926080" algn="l" defTabSz="2926080" rtl="0" eaLnBrk="1" latinLnBrk="0" hangingPunct="1">
-        <a:defRPr sz="5760" kern="1200">
+      <a:lvl3pPr marL="2743200" algn="l" defTabSz="2743200" rtl="0" eaLnBrk="1" latinLnBrk="0" hangingPunct="1">
+        <a:defRPr sz="5400" kern="1200">
           <a:solidFill>
             <a:schemeClr val="tx1"/>
           </a:solidFill>
@@ -2891,8 +2891,8 @@
           <a:cs typeface="+mn-cs"/>
         </a:defRPr>
       </a:lvl3pPr>
-      <a:lvl4pPr marL="4389120" algn="l" defTabSz="2926080" rtl="0" eaLnBrk="1" latinLnBrk="0" hangingPunct="1">
-        <a:defRPr sz="5760" kern="1200">
+      <a:lvl4pPr marL="4114800" algn="l" defTabSz="2743200" rtl="0" eaLnBrk="1" latinLnBrk="0" hangingPunct="1">
+        <a:defRPr sz="5400" kern="1200">
           <a:solidFill>
             <a:schemeClr val="tx1"/>
           </a:solidFill>
@@ -2901,8 +2901,8 @@
           <a:cs typeface="+mn-cs"/>
         </a:defRPr>
       </a:lvl4pPr>
-      <a:lvl5pPr marL="5852160" algn="l" defTabSz="2926080" rtl="0" eaLnBrk="1" latinLnBrk="0" hangingPunct="1">
-        <a:defRPr sz="5760" kern="1200">
+      <a:lvl5pPr marL="5486400" algn="l" defTabSz="2743200" rtl="0" eaLnBrk="1" latinLnBrk="0" hangingPunct="1">
+        <a:defRPr sz="5400" kern="1200">
           <a:solidFill>
             <a:schemeClr val="tx1"/>
           </a:solidFill>
@@ -2911,8 +2911,8 @@
           <a:cs typeface="+mn-cs"/>
         </a:defRPr>
       </a:lvl5pPr>
-      <a:lvl6pPr marL="7315200" algn="l" defTabSz="2926080" rtl="0" eaLnBrk="1" latinLnBrk="0" hangingPunct="1">
-        <a:defRPr sz="5760" kern="1200">
+      <a:lvl6pPr marL="6858000" algn="l" defTabSz="2743200" rtl="0" eaLnBrk="1" latinLnBrk="0" hangingPunct="1">
+        <a:defRPr sz="5400" kern="1200">
           <a:solidFill>
             <a:schemeClr val="tx1"/>
           </a:solidFill>
@@ -2921,8 +2921,8 @@
           <a:cs typeface="+mn-cs"/>
         </a:defRPr>
       </a:lvl6pPr>
-      <a:lvl7pPr marL="8778240" algn="l" defTabSz="2926080" rtl="0" eaLnBrk="1" latinLnBrk="0" hangingPunct="1">
-        <a:defRPr sz="5760" kern="1200">
+      <a:lvl7pPr marL="8229600" algn="l" defTabSz="2743200" rtl="0" eaLnBrk="1" latinLnBrk="0" hangingPunct="1">
+        <a:defRPr sz="5400" kern="1200">
           <a:solidFill>
             <a:schemeClr val="tx1"/>
           </a:solidFill>
@@ -2931,8 +2931,8 @@
           <a:cs typeface="+mn-cs"/>
         </a:defRPr>
       </a:lvl7pPr>
-      <a:lvl8pPr marL="10241280" algn="l" defTabSz="2926080" rtl="0" eaLnBrk="1" latinLnBrk="0" hangingPunct="1">
-        <a:defRPr sz="5760" kern="1200">
+      <a:lvl8pPr marL="9601200" algn="l" defTabSz="2743200" rtl="0" eaLnBrk="1" latinLnBrk="0" hangingPunct="1">
+        <a:defRPr sz="5400" kern="1200">
           <a:solidFill>
             <a:schemeClr val="tx1"/>
           </a:solidFill>
@@ -2941,8 +2941,8 @@
           <a:cs typeface="+mn-cs"/>
         </a:defRPr>
       </a:lvl8pPr>
-      <a:lvl9pPr marL="11704320" algn="l" defTabSz="2926080" rtl="0" eaLnBrk="1" latinLnBrk="0" hangingPunct="1">
-        <a:defRPr sz="5760" kern="1200">
+      <a:lvl9pPr marL="10972800" algn="l" defTabSz="2743200" rtl="0" eaLnBrk="1" latinLnBrk="0" hangingPunct="1">
+        <a:defRPr sz="5400" kern="1200">
           <a:solidFill>
             <a:schemeClr val="tx1"/>
           </a:solidFill>
@@ -2975,6 +2975,63 @@
       </p:grpSpPr>
       <p:sp>
         <p:nvSpPr>
+          <p:cNvPr id="210" name="Rectangle: Rounded Corners 209">
+            <a:extLst>
+              <a:ext uri="{FF2B5EF4-FFF2-40B4-BE49-F238E27FC236}">
+                <a16:creationId xmlns:a16="http://schemas.microsoft.com/office/drawing/2014/main" id="{D17DD06B-556F-4040-8608-DB023ED6E1DA}"/>
+              </a:ext>
+            </a:extLst>
+          </p:cNvPr>
+          <p:cNvSpPr/>
+          <p:nvPr/>
+        </p:nvSpPr>
+        <p:spPr>
+          <a:xfrm>
+            <a:off x="6141263" y="2540928"/>
+            <a:ext cx="8558056" cy="16169721"/>
+          </a:xfrm>
+          <a:prstGeom prst="roundRect">
+            <a:avLst>
+              <a:gd name="adj" fmla="val 9123"/>
+            </a:avLst>
+          </a:prstGeom>
+          <a:solidFill>
+            <a:schemeClr val="accent1">
+              <a:lumMod val="20000"/>
+              <a:lumOff val="80000"/>
+            </a:schemeClr>
+          </a:solidFill>
+          <a:ln>
+            <a:noFill/>
+          </a:ln>
+        </p:spPr>
+        <p:style>
+          <a:lnRef idx="2">
+            <a:schemeClr val="accent1">
+              <a:shade val="50000"/>
+            </a:schemeClr>
+          </a:lnRef>
+          <a:fillRef idx="1">
+            <a:schemeClr val="accent1"/>
+          </a:fillRef>
+          <a:effectRef idx="0">
+            <a:schemeClr val="accent1"/>
+          </a:effectRef>
+          <a:fontRef idx="minor">
+            <a:schemeClr val="lt1"/>
+          </a:fontRef>
+        </p:style>
+        <p:txBody>
+          <a:bodyPr rtlCol="0" anchor="ctr"/>
+          <a:lstStyle/>
+          <a:p>
+            <a:pPr algn="ctr"/>
+            <a:endParaRPr lang="en-SG" dirty="0"/>
+          </a:p>
+        </p:txBody>
+      </p:sp>
+      <p:sp>
+        <p:nvSpPr>
           <p:cNvPr id="398" name="Rectangle: Rounded Corners 3">
             <a:extLst>
               <a:ext uri="{FF2B5EF4-FFF2-40B4-BE49-F238E27FC236}">
@@ -2987,7 +3044,7 @@
         </p:nvSpPr>
         <p:spPr>
           <a:xfrm>
-            <a:off x="32123617" y="13342532"/>
+            <a:off x="14921468" y="14028332"/>
             <a:ext cx="7226413" cy="4682316"/>
           </a:xfrm>
           <a:prstGeom prst="roundRect">
@@ -3042,10 +3099,10 @@
       </p:sp>
       <p:sp>
         <p:nvSpPr>
-          <p:cNvPr id="4" name="Rectangle: Rounded Corners 3">
-            <a:extLst>
-              <a:ext uri="{FF2B5EF4-FFF2-40B4-BE49-F238E27FC236}">
-                <a16:creationId xmlns:a16="http://schemas.microsoft.com/office/drawing/2014/main" id="{3342CA53-5F80-4516-89B2-08CB9F7A7ED0}"/>
+          <p:cNvPr id="7" name="Rectangle 6">
+            <a:extLst>
+              <a:ext uri="{FF2B5EF4-FFF2-40B4-BE49-F238E27FC236}">
+                <a16:creationId xmlns:a16="http://schemas.microsoft.com/office/drawing/2014/main" id="{6B10D81A-606D-4D20-877D-8EE4B44CE44D}"/>
               </a:ext>
             </a:extLst>
           </p:cNvPr>
@@ -3054,262 +3111,7 @@
         </p:nvSpPr>
         <p:spPr>
           <a:xfrm>
-            <a:off x="12585707" y="1838749"/>
-            <a:ext cx="19339159" cy="16282051"/>
-          </a:xfrm>
-          <a:custGeom>
-            <a:avLst/>
-            <a:gdLst>
-              <a:gd name="connsiteX0" fmla="*/ 0 w 8270240"/>
-              <a:gd name="connsiteY0" fmla="*/ 1171810 h 7030720"/>
-              <a:gd name="connsiteX1" fmla="*/ 1171810 w 8270240"/>
-              <a:gd name="connsiteY1" fmla="*/ 0 h 7030720"/>
-              <a:gd name="connsiteX2" fmla="*/ 7098430 w 8270240"/>
-              <a:gd name="connsiteY2" fmla="*/ 0 h 7030720"/>
-              <a:gd name="connsiteX3" fmla="*/ 8270240 w 8270240"/>
-              <a:gd name="connsiteY3" fmla="*/ 1171810 h 7030720"/>
-              <a:gd name="connsiteX4" fmla="*/ 8270240 w 8270240"/>
-              <a:gd name="connsiteY4" fmla="*/ 5858910 h 7030720"/>
-              <a:gd name="connsiteX5" fmla="*/ 7098430 w 8270240"/>
-              <a:gd name="connsiteY5" fmla="*/ 7030720 h 7030720"/>
-              <a:gd name="connsiteX6" fmla="*/ 1171810 w 8270240"/>
-              <a:gd name="connsiteY6" fmla="*/ 7030720 h 7030720"/>
-              <a:gd name="connsiteX7" fmla="*/ 0 w 8270240"/>
-              <a:gd name="connsiteY7" fmla="*/ 5858910 h 7030720"/>
-              <a:gd name="connsiteX8" fmla="*/ 0 w 8270240"/>
-              <a:gd name="connsiteY8" fmla="*/ 1171810 h 7030720"/>
-              <a:gd name="connsiteX0" fmla="*/ 0 w 8280060"/>
-              <a:gd name="connsiteY0" fmla="*/ 1171810 h 7030720"/>
-              <a:gd name="connsiteX1" fmla="*/ 1171810 w 8280060"/>
-              <a:gd name="connsiteY1" fmla="*/ 0 h 7030720"/>
-              <a:gd name="connsiteX2" fmla="*/ 7748670 w 8280060"/>
-              <a:gd name="connsiteY2" fmla="*/ 0 h 7030720"/>
-              <a:gd name="connsiteX3" fmla="*/ 8270240 w 8280060"/>
-              <a:gd name="connsiteY3" fmla="*/ 1171810 h 7030720"/>
-              <a:gd name="connsiteX4" fmla="*/ 8270240 w 8280060"/>
-              <a:gd name="connsiteY4" fmla="*/ 5858910 h 7030720"/>
-              <a:gd name="connsiteX5" fmla="*/ 7098430 w 8280060"/>
-              <a:gd name="connsiteY5" fmla="*/ 7030720 h 7030720"/>
-              <a:gd name="connsiteX6" fmla="*/ 1171810 w 8280060"/>
-              <a:gd name="connsiteY6" fmla="*/ 7030720 h 7030720"/>
-              <a:gd name="connsiteX7" fmla="*/ 0 w 8280060"/>
-              <a:gd name="connsiteY7" fmla="*/ 5858910 h 7030720"/>
-              <a:gd name="connsiteX8" fmla="*/ 0 w 8280060"/>
-              <a:gd name="connsiteY8" fmla="*/ 1171810 h 7030720"/>
-              <a:gd name="connsiteX0" fmla="*/ 7982 w 8288042"/>
-              <a:gd name="connsiteY0" fmla="*/ 1171810 h 7030720"/>
-              <a:gd name="connsiteX1" fmla="*/ 539712 w 8288042"/>
-              <a:gd name="connsiteY1" fmla="*/ 10160 h 7030720"/>
-              <a:gd name="connsiteX2" fmla="*/ 7756652 w 8288042"/>
-              <a:gd name="connsiteY2" fmla="*/ 0 h 7030720"/>
-              <a:gd name="connsiteX3" fmla="*/ 8278222 w 8288042"/>
-              <a:gd name="connsiteY3" fmla="*/ 1171810 h 7030720"/>
-              <a:gd name="connsiteX4" fmla="*/ 8278222 w 8288042"/>
-              <a:gd name="connsiteY4" fmla="*/ 5858910 h 7030720"/>
-              <a:gd name="connsiteX5" fmla="*/ 7106412 w 8288042"/>
-              <a:gd name="connsiteY5" fmla="*/ 7030720 h 7030720"/>
-              <a:gd name="connsiteX6" fmla="*/ 1179792 w 8288042"/>
-              <a:gd name="connsiteY6" fmla="*/ 7030720 h 7030720"/>
-              <a:gd name="connsiteX7" fmla="*/ 7982 w 8288042"/>
-              <a:gd name="connsiteY7" fmla="*/ 5858910 h 7030720"/>
-              <a:gd name="connsiteX8" fmla="*/ 7982 w 8288042"/>
-              <a:gd name="connsiteY8" fmla="*/ 1171810 h 7030720"/>
-              <a:gd name="connsiteX0" fmla="*/ 9676 w 8289736"/>
-              <a:gd name="connsiteY0" fmla="*/ 1171810 h 7034394"/>
-              <a:gd name="connsiteX1" fmla="*/ 541406 w 8289736"/>
-              <a:gd name="connsiteY1" fmla="*/ 10160 h 7034394"/>
-              <a:gd name="connsiteX2" fmla="*/ 7758346 w 8289736"/>
-              <a:gd name="connsiteY2" fmla="*/ 0 h 7034394"/>
-              <a:gd name="connsiteX3" fmla="*/ 8279916 w 8289736"/>
-              <a:gd name="connsiteY3" fmla="*/ 1171810 h 7034394"/>
-              <a:gd name="connsiteX4" fmla="*/ 8279916 w 8289736"/>
-              <a:gd name="connsiteY4" fmla="*/ 5858910 h 7034394"/>
-              <a:gd name="connsiteX5" fmla="*/ 7108106 w 8289736"/>
-              <a:gd name="connsiteY5" fmla="*/ 7030720 h 7034394"/>
-              <a:gd name="connsiteX6" fmla="*/ 1181486 w 8289736"/>
-              <a:gd name="connsiteY6" fmla="*/ 7030720 h 7034394"/>
-              <a:gd name="connsiteX7" fmla="*/ 0 w 8289736"/>
-              <a:gd name="connsiteY7" fmla="*/ 6468510 h 7034394"/>
-              <a:gd name="connsiteX8" fmla="*/ 9676 w 8289736"/>
-              <a:gd name="connsiteY8" fmla="*/ 1171810 h 7034394"/>
-              <a:gd name="connsiteX0" fmla="*/ 9676 w 8289736"/>
-              <a:gd name="connsiteY0" fmla="*/ 1171810 h 7034394"/>
-              <a:gd name="connsiteX1" fmla="*/ 541406 w 8289736"/>
-              <a:gd name="connsiteY1" fmla="*/ 10160 h 7034394"/>
-              <a:gd name="connsiteX2" fmla="*/ 7758346 w 8289736"/>
-              <a:gd name="connsiteY2" fmla="*/ 0 h 7034394"/>
-              <a:gd name="connsiteX3" fmla="*/ 8279916 w 8289736"/>
-              <a:gd name="connsiteY3" fmla="*/ 1171810 h 7034394"/>
-              <a:gd name="connsiteX4" fmla="*/ 8260564 w 8289736"/>
-              <a:gd name="connsiteY4" fmla="*/ 6362072 h 7034394"/>
-              <a:gd name="connsiteX5" fmla="*/ 7108106 w 8289736"/>
-              <a:gd name="connsiteY5" fmla="*/ 7030720 h 7034394"/>
-              <a:gd name="connsiteX6" fmla="*/ 1181486 w 8289736"/>
-              <a:gd name="connsiteY6" fmla="*/ 7030720 h 7034394"/>
-              <a:gd name="connsiteX7" fmla="*/ 0 w 8289736"/>
-              <a:gd name="connsiteY7" fmla="*/ 6468510 h 7034394"/>
-              <a:gd name="connsiteX8" fmla="*/ 9676 w 8289736"/>
-              <a:gd name="connsiteY8" fmla="*/ 1171810 h 7034394"/>
-              <a:gd name="connsiteX0" fmla="*/ 9676 w 8289736"/>
-              <a:gd name="connsiteY0" fmla="*/ 1171810 h 7034394"/>
-              <a:gd name="connsiteX1" fmla="*/ 541406 w 8289736"/>
-              <a:gd name="connsiteY1" fmla="*/ 10160 h 7034394"/>
-              <a:gd name="connsiteX2" fmla="*/ 7758346 w 8289736"/>
-              <a:gd name="connsiteY2" fmla="*/ 0 h 7034394"/>
-              <a:gd name="connsiteX3" fmla="*/ 8279916 w 8289736"/>
-              <a:gd name="connsiteY3" fmla="*/ 1171810 h 7034394"/>
-              <a:gd name="connsiteX4" fmla="*/ 8271007 w 8289736"/>
-              <a:gd name="connsiteY4" fmla="*/ 6391101 h 7034394"/>
-              <a:gd name="connsiteX5" fmla="*/ 7108106 w 8289736"/>
-              <a:gd name="connsiteY5" fmla="*/ 7030720 h 7034394"/>
-              <a:gd name="connsiteX6" fmla="*/ 1181486 w 8289736"/>
-              <a:gd name="connsiteY6" fmla="*/ 7030720 h 7034394"/>
-              <a:gd name="connsiteX7" fmla="*/ 0 w 8289736"/>
-              <a:gd name="connsiteY7" fmla="*/ 6468510 h 7034394"/>
-              <a:gd name="connsiteX8" fmla="*/ 9676 w 8289736"/>
-              <a:gd name="connsiteY8" fmla="*/ 1171810 h 7034394"/>
-            </a:gdLst>
-            <a:ahLst/>
-            <a:cxnLst>
-              <a:cxn ang="0">
-                <a:pos x="connsiteX0" y="connsiteY0"/>
-              </a:cxn>
-              <a:cxn ang="0">
-                <a:pos x="connsiteX1" y="connsiteY1"/>
-              </a:cxn>
-              <a:cxn ang="0">
-                <a:pos x="connsiteX2" y="connsiteY2"/>
-              </a:cxn>
-              <a:cxn ang="0">
-                <a:pos x="connsiteX3" y="connsiteY3"/>
-              </a:cxn>
-              <a:cxn ang="0">
-                <a:pos x="connsiteX4" y="connsiteY4"/>
-              </a:cxn>
-              <a:cxn ang="0">
-                <a:pos x="connsiteX5" y="connsiteY5"/>
-              </a:cxn>
-              <a:cxn ang="0">
-                <a:pos x="connsiteX6" y="connsiteY6"/>
-              </a:cxn>
-              <a:cxn ang="0">
-                <a:pos x="connsiteX7" y="connsiteY7"/>
-              </a:cxn>
-              <a:cxn ang="0">
-                <a:pos x="connsiteX8" y="connsiteY8"/>
-              </a:cxn>
-            </a:cxnLst>
-            <a:rect l="l" t="t" r="r" b="b"/>
-            <a:pathLst>
-              <a:path w="8289736" h="7034394">
-                <a:moveTo>
-                  <a:pt x="9676" y="1171810"/>
-                </a:moveTo>
-                <a:cubicBezTo>
-                  <a:pt x="9676" y="524637"/>
-                  <a:pt x="-105767" y="10160"/>
-                  <a:pt x="541406" y="10160"/>
-                </a:cubicBezTo>
-                <a:lnTo>
-                  <a:pt x="7758346" y="0"/>
-                </a:lnTo>
-                <a:cubicBezTo>
-                  <a:pt x="8405519" y="0"/>
-                  <a:pt x="8279916" y="524637"/>
-                  <a:pt x="8279916" y="1171810"/>
-                </a:cubicBezTo>
-                <a:cubicBezTo>
-                  <a:pt x="8273465" y="2901897"/>
-                  <a:pt x="8277458" y="4661014"/>
-                  <a:pt x="8271007" y="6391101"/>
-                </a:cubicBezTo>
-                <a:cubicBezTo>
-                  <a:pt x="8271007" y="7038274"/>
-                  <a:pt x="7755279" y="7030720"/>
-                  <a:pt x="7108106" y="7030720"/>
-                </a:cubicBezTo>
-                <a:lnTo>
-                  <a:pt x="1181486" y="7030720"/>
-                </a:lnTo>
-                <a:cubicBezTo>
-                  <a:pt x="534313" y="7030720"/>
-                  <a:pt x="0" y="7115683"/>
-                  <a:pt x="0" y="6468510"/>
-                </a:cubicBezTo>
-                <a:cubicBezTo>
-                  <a:pt x="3225" y="4702943"/>
-                  <a:pt x="6451" y="2937377"/>
-                  <a:pt x="9676" y="1171810"/>
-                </a:cubicBezTo>
-                <a:close/>
-              </a:path>
-            </a:pathLst>
-          </a:custGeom>
-          <a:solidFill>
-            <a:schemeClr val="accent1">
-              <a:lumMod val="20000"/>
-              <a:lumOff val="80000"/>
-            </a:schemeClr>
-          </a:solidFill>
-          <a:ln>
-            <a:noFill/>
-          </a:ln>
-          <a:effectLst>
-            <a:softEdge rad="0"/>
-          </a:effectLst>
-        </p:spPr>
-        <p:style>
-          <a:lnRef idx="2">
-            <a:schemeClr val="accent5">
-              <a:shade val="50000"/>
-            </a:schemeClr>
-          </a:lnRef>
-          <a:fillRef idx="1">
-            <a:schemeClr val="accent5"/>
-          </a:fillRef>
-          <a:effectRef idx="0">
-            <a:schemeClr val="accent5"/>
-          </a:effectRef>
-          <a:fontRef idx="minor">
-            <a:schemeClr val="lt1"/>
-          </a:fontRef>
-        </p:style>
-        <p:txBody>
-          <a:bodyPr rot="0" spcFirstLastPara="0" vertOverflow="overflow" horzOverflow="overflow" vert="horz" wrap="square" lIns="192025" tIns="96013" rIns="192025" bIns="96013" numCol="1" spcCol="0" rtlCol="0" fromWordArt="0" anchor="ctr" anchorCtr="0" forceAA="0" compatLnSpc="1">
-            <a:prstTxWarp prst="textNoShape">
-              <a:avLst/>
-            </a:prstTxWarp>
-            <a:noAutofit/>
-          </a:bodyPr>
-          <a:lstStyle/>
-          <a:p>
-            <a:pPr algn="ctr"/>
-            <a:endParaRPr lang="en-US" sz="4444">
-              <a:solidFill>
-                <a:schemeClr val="accent1">
-                  <a:lumMod val="40000"/>
-                  <a:lumOff val="60000"/>
-                </a:schemeClr>
-              </a:solidFill>
-            </a:endParaRPr>
-          </a:p>
-        </p:txBody>
-      </p:sp>
-      <p:sp>
-        <p:nvSpPr>
-          <p:cNvPr id="7" name="Rectangle 6">
-            <a:extLst>
-              <a:ext uri="{FF2B5EF4-FFF2-40B4-BE49-F238E27FC236}">
-                <a16:creationId xmlns:a16="http://schemas.microsoft.com/office/drawing/2014/main" id="{6B10D81A-606D-4D20-877D-8EE4B44CE44D}"/>
-              </a:ext>
-            </a:extLst>
-          </p:cNvPr>
-          <p:cNvSpPr/>
-          <p:nvPr/>
-        </p:nvSpPr>
-        <p:spPr>
-          <a:xfrm>
-            <a:off x="14610081" y="2997203"/>
+            <a:off x="8255998" y="3704474"/>
             <a:ext cx="2946400" cy="527906"/>
           </a:xfrm>
           <a:prstGeom prst="rect">
@@ -3370,7 +3172,7 @@
         </p:nvCxnSpPr>
         <p:spPr>
           <a:xfrm flipH="1">
-            <a:off x="16109700" y="3525113"/>
+            <a:off x="9716906" y="4232382"/>
             <a:ext cx="0" cy="1076963"/>
           </a:xfrm>
           <a:prstGeom prst="line">
@@ -3409,7 +3211,7 @@
         </p:nvSpPr>
         <p:spPr>
           <a:xfrm>
-            <a:off x="15903451" y="4602076"/>
+            <a:off x="9510658" y="5309344"/>
             <a:ext cx="437083" cy="12893040"/>
           </a:xfrm>
           <a:prstGeom prst="rect">
@@ -3462,7 +3264,7 @@
         </p:nvCxnSpPr>
         <p:spPr>
           <a:xfrm>
-            <a:off x="12332677" y="4622600"/>
+            <a:off x="5939883" y="5329868"/>
             <a:ext cx="3570774" cy="0"/>
           </a:xfrm>
           <a:prstGeom prst="straightConnector1">
@@ -3505,7 +3307,7 @@
         </p:nvSpPr>
         <p:spPr>
           <a:xfrm>
-            <a:off x="12788406" y="3576164"/>
+            <a:off x="6232357" y="4304294"/>
             <a:ext cx="3251188" cy="954107"/>
           </a:xfrm>
           <a:prstGeom prst="rect">
@@ -3530,118 +3332,12 @@
           </a:p>
         </p:txBody>
       </p:sp>
-      <p:sp>
-        <p:nvSpPr>
-          <p:cNvPr id="32" name="TextBox 31">
-            <a:extLst>
-              <a:ext uri="{FF2B5EF4-FFF2-40B4-BE49-F238E27FC236}">
-                <a16:creationId xmlns:a16="http://schemas.microsoft.com/office/drawing/2014/main" id="{342312E6-205F-4909-A6FF-EDB752FCA824}"/>
-              </a:ext>
-            </a:extLst>
-          </p:cNvPr>
-          <p:cNvSpPr txBox="1"/>
-          <p:nvPr/>
-        </p:nvSpPr>
-        <p:spPr>
-          <a:xfrm>
-            <a:off x="16421481" y="3824798"/>
-            <a:ext cx="4150350" cy="954107"/>
-          </a:xfrm>
-          <a:prstGeom prst="rect">
-            <a:avLst/>
-          </a:prstGeom>
-          <a:noFill/>
-        </p:spPr>
-        <p:txBody>
-          <a:bodyPr wrap="square" rtlCol="0">
-            <a:spAutoFit/>
-          </a:bodyPr>
-          <a:lstStyle/>
-          <a:p>
-            <a:r>
-              <a:rPr lang="en-US" sz="2800" dirty="0" err="1">
-                <a:solidFill>
-                  <a:schemeClr val="accent1"/>
-                </a:solidFill>
-              </a:rPr>
-              <a:t>parseCommand</a:t>
-            </a:r>
-            <a:r>
-              <a:rPr lang="en-US" sz="2800" dirty="0">
-                <a:solidFill>
-                  <a:schemeClr val="accent1"/>
-                </a:solidFill>
-              </a:rPr>
-              <a:t>(“display-sales 25-12-2017”)</a:t>
-            </a:r>
-          </a:p>
-        </p:txBody>
-      </p:sp>
-      <p:sp>
-        <p:nvSpPr>
-          <p:cNvPr id="34" name="Rectangle 33">
-            <a:extLst>
-              <a:ext uri="{FF2B5EF4-FFF2-40B4-BE49-F238E27FC236}">
-                <a16:creationId xmlns:a16="http://schemas.microsoft.com/office/drawing/2014/main" id="{082C3A55-5F4E-4491-ADCC-0DF764841A06}"/>
-              </a:ext>
-            </a:extLst>
-          </p:cNvPr>
-          <p:cNvSpPr/>
-          <p:nvPr/>
-        </p:nvSpPr>
-        <p:spPr>
-          <a:xfrm>
-            <a:off x="19466301" y="2707201"/>
-            <a:ext cx="2820371" cy="894075"/>
-          </a:xfrm>
-          <a:prstGeom prst="rect">
-            <a:avLst/>
-          </a:prstGeom>
-        </p:spPr>
-        <p:style>
-          <a:lnRef idx="2">
-            <a:schemeClr val="accent1">
-              <a:shade val="50000"/>
-            </a:schemeClr>
-          </a:lnRef>
-          <a:fillRef idx="1">
-            <a:schemeClr val="accent1"/>
-          </a:fillRef>
-          <a:effectRef idx="0">
-            <a:schemeClr val="accent1"/>
-          </a:effectRef>
-          <a:fontRef idx="minor">
-            <a:schemeClr val="lt1"/>
-          </a:fontRef>
-        </p:style>
-        <p:txBody>
-          <a:bodyPr rot="0" spcFirstLastPara="0" vertOverflow="overflow" horzOverflow="overflow" vert="horz" wrap="square" lIns="182881" tIns="91438" rIns="182881" bIns="91438" numCol="1" spcCol="0" rtlCol="0" fromWordArt="0" anchor="ctr" anchorCtr="0" forceAA="0" compatLnSpc="1">
-            <a:prstTxWarp prst="textNoShape">
-              <a:avLst/>
-            </a:prstTxWarp>
-            <a:noAutofit/>
-          </a:bodyPr>
-          <a:lstStyle/>
-          <a:p>
-            <a:pPr algn="ctr"/>
-            <a:r>
-              <a:rPr lang="en-US" sz="2800" dirty="0"/>
-              <a:t>:</a:t>
-            </a:r>
-            <a:r>
-              <a:rPr lang="en-US" sz="2800" dirty="0" err="1"/>
-              <a:t>RestaurantBookParser</a:t>
-            </a:r>
-            <a:endParaRPr lang="en-US" sz="2800" dirty="0"/>
-          </a:p>
-        </p:txBody>
-      </p:sp>
       <p:cxnSp>
         <p:nvCxnSpPr>
-          <p:cNvPr id="35" name="Straight Connector 34">
-            <a:extLst>
-              <a:ext uri="{FF2B5EF4-FFF2-40B4-BE49-F238E27FC236}">
-                <a16:creationId xmlns:a16="http://schemas.microsoft.com/office/drawing/2014/main" id="{FD77AE5D-D5DA-48E9-9534-89670FC30E4F}"/>
+          <p:cNvPr id="114" name="Straight Arrow Connector 113">
+            <a:extLst>
+              <a:ext uri="{FF2B5EF4-FFF2-40B4-BE49-F238E27FC236}">
+                <a16:creationId xmlns:a16="http://schemas.microsoft.com/office/drawing/2014/main" id="{492A105A-B649-41B9-8424-91A291CAAF56}"/>
               </a:ext>
             </a:extLst>
           </p:cNvPr>
@@ -3652,218 +3348,8 @@
         </p:nvCxnSpPr>
         <p:spPr>
           <a:xfrm>
-            <a:off x="20649441" y="3565911"/>
-            <a:ext cx="15744" cy="1290281"/>
-          </a:xfrm>
-          <a:prstGeom prst="line">
-            <a:avLst/>
-          </a:prstGeom>
-          <a:ln w="19050">
-            <a:prstDash val="sysDash"/>
-          </a:ln>
-        </p:spPr>
-        <p:style>
-          <a:lnRef idx="1">
-            <a:schemeClr val="accent1"/>
-          </a:lnRef>
-          <a:fillRef idx="0">
-            <a:schemeClr val="accent1"/>
-          </a:fillRef>
-          <a:effectRef idx="0">
-            <a:schemeClr val="accent1"/>
-          </a:effectRef>
-          <a:fontRef idx="minor">
-            <a:schemeClr val="tx1"/>
-          </a:fontRef>
-        </p:style>
-      </p:cxnSp>
-      <p:sp>
-        <p:nvSpPr>
-          <p:cNvPr id="43" name="Rectangle 42">
-            <a:extLst>
-              <a:ext uri="{FF2B5EF4-FFF2-40B4-BE49-F238E27FC236}">
-                <a16:creationId xmlns:a16="http://schemas.microsoft.com/office/drawing/2014/main" id="{A91649FF-D2FB-4BF2-A6B2-F400EDF2F3B7}"/>
-              </a:ext>
-            </a:extLst>
-          </p:cNvPr>
-          <p:cNvSpPr/>
-          <p:nvPr/>
-        </p:nvSpPr>
-        <p:spPr>
-          <a:xfrm>
-            <a:off x="23861022" y="4683564"/>
-            <a:ext cx="2914906" cy="894075"/>
-          </a:xfrm>
-          <a:prstGeom prst="rect">
-            <a:avLst/>
-          </a:prstGeom>
-        </p:spPr>
-        <p:style>
-          <a:lnRef idx="2">
-            <a:schemeClr val="accent1">
-              <a:shade val="50000"/>
-            </a:schemeClr>
-          </a:lnRef>
-          <a:fillRef idx="1">
-            <a:schemeClr val="accent1"/>
-          </a:fillRef>
-          <a:effectRef idx="0">
-            <a:schemeClr val="accent1"/>
-          </a:effectRef>
-          <a:fontRef idx="minor">
-            <a:schemeClr val="lt1"/>
-          </a:fontRef>
-        </p:style>
-        <p:txBody>
-          <a:bodyPr rot="0" spcFirstLastPara="0" vertOverflow="overflow" horzOverflow="overflow" vert="horz" wrap="square" lIns="182881" tIns="91438" rIns="182881" bIns="91438" numCol="1" spcCol="0" rtlCol="0" fromWordArt="0" anchor="ctr" anchorCtr="0" forceAA="0" compatLnSpc="1">
-            <a:prstTxWarp prst="textNoShape">
-              <a:avLst/>
-            </a:prstTxWarp>
-            <a:noAutofit/>
-          </a:bodyPr>
-          <a:lstStyle/>
-          <a:p>
-            <a:pPr algn="ctr"/>
-            <a:r>
-              <a:rPr lang="en-US" sz="2800" dirty="0"/>
-              <a:t>:</a:t>
-            </a:r>
-            <a:r>
-              <a:rPr lang="en-US" sz="2800" dirty="0" err="1"/>
-              <a:t>DisplaySales</a:t>
-            </a:r>
-            <a:endParaRPr lang="en-US" sz="2800" dirty="0"/>
-          </a:p>
-          <a:p>
-            <a:pPr algn="ctr"/>
-            <a:r>
-              <a:rPr lang="en-US" sz="2800" dirty="0" err="1"/>
-              <a:t>CommandParser</a:t>
-            </a:r>
-            <a:endParaRPr lang="en-US" sz="2800" dirty="0"/>
-          </a:p>
-        </p:txBody>
-      </p:sp>
-      <p:sp>
-        <p:nvSpPr>
-          <p:cNvPr id="46" name="Rectangle 45">
-            <a:extLst>
-              <a:ext uri="{FF2B5EF4-FFF2-40B4-BE49-F238E27FC236}">
-                <a16:creationId xmlns:a16="http://schemas.microsoft.com/office/drawing/2014/main" id="{D4CB7A00-3FCB-43A3-8A76-313CE9FCF057}"/>
-              </a:ext>
-            </a:extLst>
-          </p:cNvPr>
-          <p:cNvSpPr/>
-          <p:nvPr/>
-        </p:nvSpPr>
-        <p:spPr>
-          <a:xfrm>
-            <a:off x="25106387" y="5567379"/>
-            <a:ext cx="402338" cy="386281"/>
-          </a:xfrm>
-          <a:prstGeom prst="rect">
-            <a:avLst/>
-          </a:prstGeom>
-        </p:spPr>
-        <p:style>
-          <a:lnRef idx="2">
-            <a:schemeClr val="accent1">
-              <a:shade val="50000"/>
-            </a:schemeClr>
-          </a:lnRef>
-          <a:fillRef idx="1">
-            <a:schemeClr val="accent1"/>
-          </a:fillRef>
-          <a:effectRef idx="0">
-            <a:schemeClr val="accent1"/>
-          </a:effectRef>
-          <a:fontRef idx="minor">
-            <a:schemeClr val="lt1"/>
-          </a:fontRef>
-        </p:style>
-        <p:txBody>
-          <a:bodyPr rot="0" spcFirstLastPara="0" vertOverflow="overflow" horzOverflow="overflow" vert="horz" wrap="square" lIns="182881" tIns="91438" rIns="182881" bIns="91438" numCol="1" spcCol="0" rtlCol="0" fromWordArt="0" anchor="ctr" anchorCtr="0" forceAA="0" compatLnSpc="1">
-            <a:prstTxWarp prst="textNoShape">
-              <a:avLst/>
-            </a:prstTxWarp>
-            <a:noAutofit/>
-          </a:bodyPr>
-          <a:lstStyle/>
-          <a:p>
-            <a:pPr algn="ctr"/>
-            <a:endParaRPr lang="en-US" sz="7644"/>
-          </a:p>
-        </p:txBody>
-      </p:sp>
-      <p:sp>
-        <p:nvSpPr>
-          <p:cNvPr id="47" name="Rectangle 46">
-            <a:extLst>
-              <a:ext uri="{FF2B5EF4-FFF2-40B4-BE49-F238E27FC236}">
-                <a16:creationId xmlns:a16="http://schemas.microsoft.com/office/drawing/2014/main" id="{D9DE344F-2AE8-46FD-BA07-6CD3D76D2FC4}"/>
-              </a:ext>
-            </a:extLst>
-          </p:cNvPr>
-          <p:cNvSpPr/>
-          <p:nvPr/>
-        </p:nvSpPr>
-        <p:spPr>
-          <a:xfrm>
-            <a:off x="20434810" y="4856188"/>
-            <a:ext cx="438319" cy="5029200"/>
-          </a:xfrm>
-          <a:prstGeom prst="rect">
-            <a:avLst/>
-          </a:prstGeom>
-        </p:spPr>
-        <p:style>
-          <a:lnRef idx="2">
-            <a:schemeClr val="accent1">
-              <a:shade val="50000"/>
-            </a:schemeClr>
-          </a:lnRef>
-          <a:fillRef idx="1">
-            <a:schemeClr val="accent1"/>
-          </a:fillRef>
-          <a:effectRef idx="0">
-            <a:schemeClr val="accent1"/>
-          </a:effectRef>
-          <a:fontRef idx="minor">
-            <a:schemeClr val="lt1"/>
-          </a:fontRef>
-        </p:style>
-        <p:txBody>
-          <a:bodyPr rot="0" spcFirstLastPara="0" vertOverflow="overflow" horzOverflow="overflow" vert="horz" wrap="square" lIns="182881" tIns="91438" rIns="182881" bIns="91438" numCol="1" spcCol="0" rtlCol="0" fromWordArt="0" anchor="ctr" anchorCtr="0" forceAA="0" compatLnSpc="1">
-            <a:prstTxWarp prst="textNoShape">
-              <a:avLst/>
-            </a:prstTxWarp>
-            <a:noAutofit/>
-          </a:bodyPr>
-          <a:lstStyle/>
-          <a:p>
-            <a:pPr algn="ctr"/>
-            <a:endParaRPr lang="en-US" sz="7644"/>
-          </a:p>
-        </p:txBody>
-      </p:sp>
-      <p:cxnSp>
-        <p:nvCxnSpPr>
-          <p:cNvPr id="51" name="Straight Arrow Connector 50">
-            <a:extLst>
-              <a:ext uri="{FF2B5EF4-FFF2-40B4-BE49-F238E27FC236}">
-                <a16:creationId xmlns:a16="http://schemas.microsoft.com/office/drawing/2014/main" id="{15AF382B-6E36-4AEC-9EF7-CDC933A6F029}"/>
-              </a:ext>
-            </a:extLst>
-          </p:cNvPr>
-          <p:cNvCxnSpPr>
-            <a:cxnSpLocks/>
-          </p:cNvCxnSpPr>
-          <p:nvPr/>
-        </p:nvCxnSpPr>
-        <p:spPr>
-          <a:xfrm>
-            <a:off x="16353041" y="4871231"/>
-            <a:ext cx="4077956" cy="0"/>
+            <a:off x="9947740" y="10971934"/>
+            <a:ext cx="2852688" cy="5545"/>
           </a:xfrm>
           <a:prstGeom prst="straightConnector1">
             <a:avLst/>
@@ -3891,291 +3377,12 @@
           </a:fontRef>
         </p:style>
       </p:cxnSp>
-      <p:cxnSp>
-        <p:nvCxnSpPr>
-          <p:cNvPr id="54" name="Straight Arrow Connector 53">
-            <a:extLst>
-              <a:ext uri="{FF2B5EF4-FFF2-40B4-BE49-F238E27FC236}">
-                <a16:creationId xmlns:a16="http://schemas.microsoft.com/office/drawing/2014/main" id="{5C9949D0-6C4D-4FA3-B0F7-25794D13BB55}"/>
-              </a:ext>
-            </a:extLst>
-          </p:cNvPr>
-          <p:cNvCxnSpPr>
-            <a:cxnSpLocks/>
-          </p:cNvCxnSpPr>
-          <p:nvPr/>
-        </p:nvCxnSpPr>
-        <p:spPr>
-          <a:xfrm>
-            <a:off x="20837145" y="5089756"/>
-            <a:ext cx="3023875" cy="0"/>
-          </a:xfrm>
-          <a:prstGeom prst="straightConnector1">
-            <a:avLst/>
-          </a:prstGeom>
-          <a:ln>
-            <a:solidFill>
-              <a:srgbClr val="0070C0"/>
-            </a:solidFill>
-            <a:headEnd type="none"/>
-            <a:tailEnd type="arrow"/>
-          </a:ln>
-        </p:spPr>
-        <p:style>
-          <a:lnRef idx="3">
-            <a:schemeClr val="accent6"/>
-          </a:lnRef>
-          <a:fillRef idx="0">
-            <a:schemeClr val="accent6"/>
-          </a:fillRef>
-          <a:effectRef idx="2">
-            <a:schemeClr val="accent6"/>
-          </a:effectRef>
-          <a:fontRef idx="minor">
-            <a:schemeClr val="tx1"/>
-          </a:fontRef>
-        </p:style>
-      </p:cxnSp>
-      <p:cxnSp>
-        <p:nvCxnSpPr>
-          <p:cNvPr id="61" name="Straight Arrow Connector 60">
-            <a:extLst>
-              <a:ext uri="{FF2B5EF4-FFF2-40B4-BE49-F238E27FC236}">
-                <a16:creationId xmlns:a16="http://schemas.microsoft.com/office/drawing/2014/main" id="{4C90EF4C-3876-4A5E-B177-DCE93B032D20}"/>
-              </a:ext>
-            </a:extLst>
-          </p:cNvPr>
-          <p:cNvCxnSpPr>
-            <a:cxnSpLocks/>
-          </p:cNvCxnSpPr>
-          <p:nvPr/>
-        </p:nvCxnSpPr>
-        <p:spPr>
-          <a:xfrm>
-            <a:off x="20837147" y="5953663"/>
-            <a:ext cx="4289675" cy="0"/>
-          </a:xfrm>
-          <a:prstGeom prst="straightConnector1">
-            <a:avLst/>
-          </a:prstGeom>
-          <a:ln>
-            <a:solidFill>
-              <a:srgbClr val="0070C0"/>
-            </a:solidFill>
-            <a:prstDash val="sysDash"/>
-            <a:headEnd type="arrow"/>
-            <a:tailEnd type="none"/>
-          </a:ln>
-        </p:spPr>
-        <p:style>
-          <a:lnRef idx="3">
-            <a:schemeClr val="accent6"/>
-          </a:lnRef>
-          <a:fillRef idx="0">
-            <a:schemeClr val="accent6"/>
-          </a:fillRef>
-          <a:effectRef idx="2">
-            <a:schemeClr val="accent6"/>
-          </a:effectRef>
-          <a:fontRef idx="minor">
-            <a:schemeClr val="tx1"/>
-          </a:fontRef>
-        </p:style>
-      </p:cxnSp>
-      <p:sp>
-        <p:nvSpPr>
-          <p:cNvPr id="64" name="TextBox 63">
-            <a:extLst>
-              <a:ext uri="{FF2B5EF4-FFF2-40B4-BE49-F238E27FC236}">
-                <a16:creationId xmlns:a16="http://schemas.microsoft.com/office/drawing/2014/main" id="{FBA98631-820F-4ECF-B9EF-A213BB8EB5C7}"/>
-              </a:ext>
-            </a:extLst>
-          </p:cNvPr>
-          <p:cNvSpPr txBox="1"/>
-          <p:nvPr/>
-        </p:nvSpPr>
-        <p:spPr>
-          <a:xfrm>
-            <a:off x="21316347" y="6302934"/>
-            <a:ext cx="3431144" cy="523220"/>
-          </a:xfrm>
-          <a:prstGeom prst="rect">
-            <a:avLst/>
-          </a:prstGeom>
-          <a:noFill/>
-        </p:spPr>
-        <p:txBody>
-          <a:bodyPr wrap="square" rtlCol="0">
-            <a:spAutoFit/>
-          </a:bodyPr>
-          <a:lstStyle/>
-          <a:p>
-            <a:r>
-              <a:rPr lang="en-US" sz="2800" dirty="0">
-                <a:solidFill>
-                  <a:schemeClr val="accent1"/>
-                </a:solidFill>
-              </a:rPr>
-              <a:t>parse(“25-12-2017”)</a:t>
-            </a:r>
-          </a:p>
-        </p:txBody>
-      </p:sp>
-      <p:sp>
-        <p:nvSpPr>
-          <p:cNvPr id="65" name="TextBox 64">
-            <a:extLst>
-              <a:ext uri="{FF2B5EF4-FFF2-40B4-BE49-F238E27FC236}">
-                <a16:creationId xmlns:a16="http://schemas.microsoft.com/office/drawing/2014/main" id="{D8F18067-2E17-4F9B-A859-F7ABEF790089}"/>
-              </a:ext>
-            </a:extLst>
-          </p:cNvPr>
-          <p:cNvSpPr txBox="1"/>
-          <p:nvPr/>
-        </p:nvSpPr>
-        <p:spPr>
-          <a:xfrm>
-            <a:off x="20914748" y="4046270"/>
-            <a:ext cx="3106919" cy="954107"/>
-          </a:xfrm>
-          <a:prstGeom prst="rect">
-            <a:avLst/>
-          </a:prstGeom>
-          <a:noFill/>
-        </p:spPr>
-        <p:txBody>
-          <a:bodyPr wrap="square" rtlCol="0">
-            <a:spAutoFit/>
-          </a:bodyPr>
-          <a:lstStyle/>
-          <a:p>
-            <a:r>
-              <a:rPr lang="en-US" sz="2800" dirty="0" err="1">
-                <a:solidFill>
-                  <a:schemeClr val="accent1"/>
-                </a:solidFill>
-              </a:rPr>
-              <a:t>DisplaySales</a:t>
-            </a:r>
-            <a:endParaRPr lang="en-US" sz="2800" dirty="0">
-              <a:solidFill>
-                <a:schemeClr val="accent1"/>
-              </a:solidFill>
-            </a:endParaRPr>
-          </a:p>
-          <a:p>
-            <a:r>
-              <a:rPr lang="en-US" sz="2800" dirty="0" err="1">
-                <a:solidFill>
-                  <a:schemeClr val="accent1"/>
-                </a:solidFill>
-              </a:rPr>
-              <a:t>CommandParser</a:t>
-            </a:r>
-            <a:r>
-              <a:rPr lang="en-US" sz="2800" dirty="0">
-                <a:solidFill>
-                  <a:schemeClr val="accent1"/>
-                </a:solidFill>
-              </a:rPr>
-              <a:t>()</a:t>
-            </a:r>
-          </a:p>
-        </p:txBody>
-      </p:sp>
-      <p:cxnSp>
-        <p:nvCxnSpPr>
-          <p:cNvPr id="66" name="Straight Arrow Connector 65">
-            <a:extLst>
-              <a:ext uri="{FF2B5EF4-FFF2-40B4-BE49-F238E27FC236}">
-                <a16:creationId xmlns:a16="http://schemas.microsoft.com/office/drawing/2014/main" id="{4EE26178-2D68-46EC-B5A3-E5EAE8E65254}"/>
-              </a:ext>
-            </a:extLst>
-          </p:cNvPr>
-          <p:cNvCxnSpPr>
-            <a:cxnSpLocks/>
-          </p:cNvCxnSpPr>
-          <p:nvPr/>
-        </p:nvCxnSpPr>
-        <p:spPr>
-          <a:xfrm>
-            <a:off x="20837144" y="6898238"/>
-            <a:ext cx="4269250" cy="0"/>
-          </a:xfrm>
-          <a:prstGeom prst="straightConnector1">
-            <a:avLst/>
-          </a:prstGeom>
-          <a:ln>
-            <a:solidFill>
-              <a:srgbClr val="0070C0"/>
-            </a:solidFill>
-            <a:headEnd type="none"/>
-            <a:tailEnd type="arrow"/>
-          </a:ln>
-        </p:spPr>
-        <p:style>
-          <a:lnRef idx="3">
-            <a:schemeClr val="accent6"/>
-          </a:lnRef>
-          <a:fillRef idx="0">
-            <a:schemeClr val="accent6"/>
-          </a:fillRef>
-          <a:effectRef idx="2">
-            <a:schemeClr val="accent6"/>
-          </a:effectRef>
-          <a:fontRef idx="minor">
-            <a:schemeClr val="tx1"/>
-          </a:fontRef>
-        </p:style>
-      </p:cxnSp>
-      <p:cxnSp>
-        <p:nvCxnSpPr>
-          <p:cNvPr id="68" name="Straight Connector 67">
-            <a:extLst>
-              <a:ext uri="{FF2B5EF4-FFF2-40B4-BE49-F238E27FC236}">
-                <a16:creationId xmlns:a16="http://schemas.microsoft.com/office/drawing/2014/main" id="{710D2FC5-E534-4D8A-A418-AFB440C8AE83}"/>
-              </a:ext>
-            </a:extLst>
-          </p:cNvPr>
-          <p:cNvCxnSpPr>
-            <a:cxnSpLocks/>
-            <a:endCxn id="70" idx="0"/>
-          </p:cNvCxnSpPr>
-          <p:nvPr/>
-        </p:nvCxnSpPr>
-        <p:spPr>
-          <a:xfrm flipH="1">
-            <a:off x="25306025" y="5953667"/>
-            <a:ext cx="1538" cy="883819"/>
-          </a:xfrm>
-          <a:prstGeom prst="line">
-            <a:avLst/>
-          </a:prstGeom>
-          <a:ln w="19050">
-            <a:prstDash val="sysDash"/>
-          </a:ln>
-        </p:spPr>
-        <p:style>
-          <a:lnRef idx="1">
-            <a:schemeClr val="accent1"/>
-          </a:lnRef>
-          <a:fillRef idx="0">
-            <a:schemeClr val="accent1"/>
-          </a:fillRef>
-          <a:effectRef idx="0">
-            <a:schemeClr val="accent1"/>
-          </a:effectRef>
-          <a:fontRef idx="minor">
-            <a:schemeClr val="tx1"/>
-          </a:fontRef>
-        </p:style>
-      </p:cxnSp>
-      <p:sp>
-        <p:nvSpPr>
-          <p:cNvPr id="70" name="Rectangle 69">
-            <a:extLst>
-              <a:ext uri="{FF2B5EF4-FFF2-40B4-BE49-F238E27FC236}">
-                <a16:creationId xmlns:a16="http://schemas.microsoft.com/office/drawing/2014/main" id="{CEDDFFC3-AB3B-40D1-9C4C-4704293FAF97}"/>
+      <p:sp>
+        <p:nvSpPr>
+          <p:cNvPr id="118" name="Rectangle 117">
+            <a:extLst>
+              <a:ext uri="{FF2B5EF4-FFF2-40B4-BE49-F238E27FC236}">
+                <a16:creationId xmlns:a16="http://schemas.microsoft.com/office/drawing/2014/main" id="{BD57F1FD-2093-417C-825A-CCE337E4F12E}"/>
               </a:ext>
             </a:extLst>
           </p:cNvPr>
@@ -4184,8 +3391,8 @@
         </p:nvSpPr>
         <p:spPr>
           <a:xfrm>
-            <a:off x="25106389" y="6837482"/>
-            <a:ext cx="399275" cy="2866013"/>
+            <a:off x="12797363" y="10971933"/>
+            <a:ext cx="434670" cy="7086600"/>
           </a:xfrm>
           <a:prstGeom prst="rect">
             <a:avLst/>
@@ -4221,116 +3428,12 @@
           </a:p>
         </p:txBody>
       </p:sp>
-      <p:cxnSp>
-        <p:nvCxnSpPr>
-          <p:cNvPr id="73" name="Straight Arrow Connector 72">
-            <a:extLst>
-              <a:ext uri="{FF2B5EF4-FFF2-40B4-BE49-F238E27FC236}">
-                <a16:creationId xmlns:a16="http://schemas.microsoft.com/office/drawing/2014/main" id="{2E3A1F6A-E866-4AAC-A818-736814741911}"/>
-              </a:ext>
-            </a:extLst>
-          </p:cNvPr>
-          <p:cNvCxnSpPr>
-            <a:cxnSpLocks/>
-          </p:cNvCxnSpPr>
-          <p:nvPr/>
-        </p:nvCxnSpPr>
-        <p:spPr>
-          <a:xfrm>
-            <a:off x="25508725" y="7142075"/>
-            <a:ext cx="2755288" cy="0"/>
-          </a:xfrm>
-          <a:prstGeom prst="straightConnector1">
-            <a:avLst/>
-          </a:prstGeom>
-          <a:ln>
-            <a:solidFill>
-              <a:srgbClr val="0070C0"/>
-            </a:solidFill>
-            <a:headEnd type="none"/>
-            <a:tailEnd type="arrow"/>
-          </a:ln>
-        </p:spPr>
-        <p:style>
-          <a:lnRef idx="3">
-            <a:schemeClr val="accent6"/>
-          </a:lnRef>
-          <a:fillRef idx="0">
-            <a:schemeClr val="accent6"/>
-          </a:fillRef>
-          <a:effectRef idx="2">
-            <a:schemeClr val="accent6"/>
-          </a:effectRef>
-          <a:fontRef idx="minor">
-            <a:schemeClr val="tx1"/>
-          </a:fontRef>
-        </p:style>
-      </p:cxnSp>
-      <p:sp>
-        <p:nvSpPr>
-          <p:cNvPr id="75" name="Rectangle 74">
-            <a:extLst>
-              <a:ext uri="{FF2B5EF4-FFF2-40B4-BE49-F238E27FC236}">
-                <a16:creationId xmlns:a16="http://schemas.microsoft.com/office/drawing/2014/main" id="{E9824945-2988-4481-AFD2-6F8F65312F62}"/>
-              </a:ext>
-            </a:extLst>
-          </p:cNvPr>
-          <p:cNvSpPr/>
-          <p:nvPr/>
-        </p:nvSpPr>
-        <p:spPr>
-          <a:xfrm>
-            <a:off x="27534751" y="3307592"/>
-            <a:ext cx="1912363" cy="619281"/>
-          </a:xfrm>
-          <a:prstGeom prst="rect">
-            <a:avLst/>
-          </a:prstGeom>
-        </p:spPr>
-        <p:style>
-          <a:lnRef idx="2">
-            <a:schemeClr val="accent1">
-              <a:shade val="50000"/>
-            </a:schemeClr>
-          </a:lnRef>
-          <a:fillRef idx="1">
-            <a:schemeClr val="accent1"/>
-          </a:fillRef>
-          <a:effectRef idx="0">
-            <a:schemeClr val="accent1"/>
-          </a:effectRef>
-          <a:fontRef idx="minor">
-            <a:schemeClr val="lt1"/>
-          </a:fontRef>
-        </p:style>
-        <p:txBody>
-          <a:bodyPr rot="0" spcFirstLastPara="0" vertOverflow="overflow" horzOverflow="overflow" vert="horz" wrap="square" lIns="182881" tIns="91438" rIns="182881" bIns="91438" numCol="1" spcCol="0" rtlCol="0" fromWordArt="0" anchor="ctr" anchorCtr="0" forceAA="0" compatLnSpc="1">
-            <a:prstTxWarp prst="textNoShape">
-              <a:avLst/>
-            </a:prstTxWarp>
-            <a:noAutofit/>
-          </a:bodyPr>
-          <a:lstStyle/>
-          <a:p>
-            <a:pPr algn="ctr"/>
-            <a:r>
-              <a:rPr lang="en-US" sz="2800" dirty="0"/>
-              <a:t>:</a:t>
-            </a:r>
-            <a:r>
-              <a:rPr lang="en-US" sz="2800" dirty="0" err="1"/>
-              <a:t>ParserUtil</a:t>
-            </a:r>
-            <a:endParaRPr lang="en-US" sz="2800" dirty="0"/>
-          </a:p>
-        </p:txBody>
-      </p:sp>
-      <p:sp>
-        <p:nvSpPr>
-          <p:cNvPr id="76" name="TextBox 75">
-            <a:extLst>
-              <a:ext uri="{FF2B5EF4-FFF2-40B4-BE49-F238E27FC236}">
-                <a16:creationId xmlns:a16="http://schemas.microsoft.com/office/drawing/2014/main" id="{2A01CA57-8C8A-491B-8EDD-7D222DDB6441}"/>
+      <p:sp>
+        <p:nvSpPr>
+          <p:cNvPr id="121" name="TextBox 120">
+            <a:extLst>
+              <a:ext uri="{FF2B5EF4-FFF2-40B4-BE49-F238E27FC236}">
+                <a16:creationId xmlns:a16="http://schemas.microsoft.com/office/drawing/2014/main" id="{9D4A37D0-725C-4F3F-B75C-ED695E16D07E}"/>
               </a:ext>
             </a:extLst>
           </p:cNvPr>
@@ -4339,659 +3442,7 @@
         </p:nvSpPr>
         <p:spPr>
           <a:xfrm>
-            <a:off x="25681087" y="6123132"/>
-            <a:ext cx="2611738" cy="954107"/>
-          </a:xfrm>
-          <a:prstGeom prst="rect">
-            <a:avLst/>
-          </a:prstGeom>
-          <a:noFill/>
-        </p:spPr>
-        <p:txBody>
-          <a:bodyPr wrap="square" rtlCol="0">
-            <a:spAutoFit/>
-          </a:bodyPr>
-          <a:lstStyle/>
-          <a:p>
-            <a:r>
-              <a:rPr lang="en-US" sz="2800" dirty="0" err="1">
-                <a:solidFill>
-                  <a:schemeClr val="accent1"/>
-                </a:solidFill>
-              </a:rPr>
-              <a:t>parseDate</a:t>
-            </a:r>
-            <a:r>
-              <a:rPr lang="en-US" sz="2800" dirty="0">
-                <a:solidFill>
-                  <a:schemeClr val="accent1"/>
-                </a:solidFill>
-              </a:rPr>
-              <a:t>(“25-12-2017”)</a:t>
-            </a:r>
-          </a:p>
-        </p:txBody>
-      </p:sp>
-      <p:cxnSp>
-        <p:nvCxnSpPr>
-          <p:cNvPr id="78" name="Straight Connector 77">
-            <a:extLst>
-              <a:ext uri="{FF2B5EF4-FFF2-40B4-BE49-F238E27FC236}">
-                <a16:creationId xmlns:a16="http://schemas.microsoft.com/office/drawing/2014/main" id="{6F6C2584-BAF5-4C89-89FC-094C29D8A097}"/>
-              </a:ext>
-            </a:extLst>
-          </p:cNvPr>
-          <p:cNvCxnSpPr>
-            <a:cxnSpLocks/>
-          </p:cNvCxnSpPr>
-          <p:nvPr/>
-        </p:nvCxnSpPr>
-        <p:spPr>
-          <a:xfrm flipH="1">
-            <a:off x="28465181" y="3974942"/>
-            <a:ext cx="25750" cy="3098231"/>
-          </a:xfrm>
-          <a:prstGeom prst="line">
-            <a:avLst/>
-          </a:prstGeom>
-          <a:ln w="19050">
-            <a:prstDash val="sysDash"/>
-          </a:ln>
-        </p:spPr>
-        <p:style>
-          <a:lnRef idx="1">
-            <a:schemeClr val="accent1"/>
-          </a:lnRef>
-          <a:fillRef idx="0">
-            <a:schemeClr val="accent1"/>
-          </a:fillRef>
-          <a:effectRef idx="0">
-            <a:schemeClr val="accent1"/>
-          </a:effectRef>
-          <a:fontRef idx="minor">
-            <a:schemeClr val="tx1"/>
-          </a:fontRef>
-        </p:style>
-      </p:cxnSp>
-      <p:sp>
-        <p:nvSpPr>
-          <p:cNvPr id="80" name="Rectangle 79">
-            <a:extLst>
-              <a:ext uri="{FF2B5EF4-FFF2-40B4-BE49-F238E27FC236}">
-                <a16:creationId xmlns:a16="http://schemas.microsoft.com/office/drawing/2014/main" id="{E46C01F3-7DC6-4551-ABD9-54AD992479B7}"/>
-              </a:ext>
-            </a:extLst>
-          </p:cNvPr>
-          <p:cNvSpPr/>
-          <p:nvPr/>
-        </p:nvSpPr>
-        <p:spPr>
-          <a:xfrm>
-            <a:off x="28264012" y="7073169"/>
-            <a:ext cx="402338" cy="1046438"/>
-          </a:xfrm>
-          <a:prstGeom prst="rect">
-            <a:avLst/>
-          </a:prstGeom>
-        </p:spPr>
-        <p:style>
-          <a:lnRef idx="2">
-            <a:schemeClr val="accent1">
-              <a:shade val="50000"/>
-            </a:schemeClr>
-          </a:lnRef>
-          <a:fillRef idx="1">
-            <a:schemeClr val="accent1"/>
-          </a:fillRef>
-          <a:effectRef idx="0">
-            <a:schemeClr val="accent1"/>
-          </a:effectRef>
-          <a:fontRef idx="minor">
-            <a:schemeClr val="lt1"/>
-          </a:fontRef>
-        </p:style>
-        <p:txBody>
-          <a:bodyPr rot="0" spcFirstLastPara="0" vertOverflow="overflow" horzOverflow="overflow" vert="horz" wrap="square" lIns="182881" tIns="91438" rIns="182881" bIns="91438" numCol="1" spcCol="0" rtlCol="0" fromWordArt="0" anchor="ctr" anchorCtr="0" forceAA="0" compatLnSpc="1">
-            <a:prstTxWarp prst="textNoShape">
-              <a:avLst/>
-            </a:prstTxWarp>
-            <a:noAutofit/>
-          </a:bodyPr>
-          <a:lstStyle/>
-          <a:p>
-            <a:pPr algn="ctr"/>
-            <a:endParaRPr lang="en-US" sz="7644"/>
-          </a:p>
-        </p:txBody>
-      </p:sp>
-      <p:cxnSp>
-        <p:nvCxnSpPr>
-          <p:cNvPr id="84" name="Straight Arrow Connector 83">
-            <a:extLst>
-              <a:ext uri="{FF2B5EF4-FFF2-40B4-BE49-F238E27FC236}">
-                <a16:creationId xmlns:a16="http://schemas.microsoft.com/office/drawing/2014/main" id="{9102C894-DCC1-442E-A1B4-DF0A082CAB6D}"/>
-              </a:ext>
-            </a:extLst>
-          </p:cNvPr>
-          <p:cNvCxnSpPr>
-            <a:cxnSpLocks/>
-          </p:cNvCxnSpPr>
-          <p:nvPr/>
-        </p:nvCxnSpPr>
-        <p:spPr>
-          <a:xfrm>
-            <a:off x="25508728" y="8119613"/>
-            <a:ext cx="2719944" cy="0"/>
-          </a:xfrm>
-          <a:prstGeom prst="straightConnector1">
-            <a:avLst/>
-          </a:prstGeom>
-          <a:ln>
-            <a:solidFill>
-              <a:srgbClr val="0070C0"/>
-            </a:solidFill>
-            <a:prstDash val="sysDash"/>
-            <a:headEnd type="arrow"/>
-            <a:tailEnd type="none"/>
-          </a:ln>
-        </p:spPr>
-        <p:style>
-          <a:lnRef idx="3">
-            <a:schemeClr val="accent6"/>
-          </a:lnRef>
-          <a:fillRef idx="0">
-            <a:schemeClr val="accent6"/>
-          </a:fillRef>
-          <a:effectRef idx="2">
-            <a:schemeClr val="accent6"/>
-          </a:effectRef>
-          <a:fontRef idx="minor">
-            <a:schemeClr val="tx1"/>
-          </a:fontRef>
-        </p:style>
-      </p:cxnSp>
-      <p:cxnSp>
-        <p:nvCxnSpPr>
-          <p:cNvPr id="88" name="Straight Arrow Connector 87">
-            <a:extLst>
-              <a:ext uri="{FF2B5EF4-FFF2-40B4-BE49-F238E27FC236}">
-                <a16:creationId xmlns:a16="http://schemas.microsoft.com/office/drawing/2014/main" id="{9A8BDD0D-44BB-47BF-80ED-2B9345AD631D}"/>
-              </a:ext>
-            </a:extLst>
-          </p:cNvPr>
-          <p:cNvCxnSpPr>
-            <a:cxnSpLocks/>
-          </p:cNvCxnSpPr>
-          <p:nvPr/>
-        </p:nvCxnSpPr>
-        <p:spPr>
-          <a:xfrm>
-            <a:off x="25555570" y="8767675"/>
-            <a:ext cx="3380113" cy="0"/>
-          </a:xfrm>
-          <a:prstGeom prst="straightConnector1">
-            <a:avLst/>
-          </a:prstGeom>
-          <a:ln>
-            <a:solidFill>
-              <a:srgbClr val="0070C0"/>
-            </a:solidFill>
-            <a:headEnd type="none"/>
-            <a:tailEnd type="arrow"/>
-          </a:ln>
-        </p:spPr>
-        <p:style>
-          <a:lnRef idx="3">
-            <a:schemeClr val="accent6"/>
-          </a:lnRef>
-          <a:fillRef idx="0">
-            <a:schemeClr val="accent6"/>
-          </a:fillRef>
-          <a:effectRef idx="2">
-            <a:schemeClr val="accent6"/>
-          </a:effectRef>
-          <a:fontRef idx="minor">
-            <a:schemeClr val="tx1"/>
-          </a:fontRef>
-        </p:style>
-      </p:cxnSp>
-      <p:sp>
-        <p:nvSpPr>
-          <p:cNvPr id="90" name="Rectangle 89">
-            <a:extLst>
-              <a:ext uri="{FF2B5EF4-FFF2-40B4-BE49-F238E27FC236}">
-                <a16:creationId xmlns:a16="http://schemas.microsoft.com/office/drawing/2014/main" id="{6F386E61-63A7-4CB1-A052-117FDAC29C5C}"/>
-              </a:ext>
-            </a:extLst>
-          </p:cNvPr>
-          <p:cNvSpPr/>
-          <p:nvPr/>
-        </p:nvSpPr>
-        <p:spPr>
-          <a:xfrm>
-            <a:off x="28965941" y="8320639"/>
-            <a:ext cx="2475606" cy="894075"/>
-          </a:xfrm>
-          <a:prstGeom prst="rect">
-            <a:avLst/>
-          </a:prstGeom>
-        </p:spPr>
-        <p:style>
-          <a:lnRef idx="2">
-            <a:schemeClr val="accent1">
-              <a:shade val="50000"/>
-            </a:schemeClr>
-          </a:lnRef>
-          <a:fillRef idx="1">
-            <a:schemeClr val="accent1"/>
-          </a:fillRef>
-          <a:effectRef idx="0">
-            <a:schemeClr val="accent1"/>
-          </a:effectRef>
-          <a:fontRef idx="minor">
-            <a:schemeClr val="lt1"/>
-          </a:fontRef>
-        </p:style>
-        <p:txBody>
-          <a:bodyPr rot="0" spcFirstLastPara="0" vertOverflow="overflow" horzOverflow="overflow" vert="horz" wrap="square" lIns="182881" tIns="91438" rIns="182881" bIns="91438" numCol="1" spcCol="0" rtlCol="0" fromWordArt="0" anchor="ctr" anchorCtr="0" forceAA="0" compatLnSpc="1">
-            <a:prstTxWarp prst="textNoShape">
-              <a:avLst/>
-            </a:prstTxWarp>
-            <a:noAutofit/>
-          </a:bodyPr>
-          <a:lstStyle/>
-          <a:p>
-            <a:pPr algn="ctr"/>
-            <a:r>
-              <a:rPr lang="en-US" sz="2800" dirty="0"/>
-              <a:t>u:DisplaySalesCommand</a:t>
-            </a:r>
-          </a:p>
-        </p:txBody>
-      </p:sp>
-      <p:sp>
-        <p:nvSpPr>
-          <p:cNvPr id="93" name="Rectangle 92">
-            <a:extLst>
-              <a:ext uri="{FF2B5EF4-FFF2-40B4-BE49-F238E27FC236}">
-                <a16:creationId xmlns:a16="http://schemas.microsoft.com/office/drawing/2014/main" id="{10B7CA0D-6095-4357-8804-287FB0B990A0}"/>
-              </a:ext>
-            </a:extLst>
-          </p:cNvPr>
-          <p:cNvSpPr/>
-          <p:nvPr/>
-        </p:nvSpPr>
-        <p:spPr>
-          <a:xfrm>
-            <a:off x="30002569" y="9214717"/>
-            <a:ext cx="402338" cy="386281"/>
-          </a:xfrm>
-          <a:prstGeom prst="rect">
-            <a:avLst/>
-          </a:prstGeom>
-        </p:spPr>
-        <p:style>
-          <a:lnRef idx="2">
-            <a:schemeClr val="accent1">
-              <a:shade val="50000"/>
-            </a:schemeClr>
-          </a:lnRef>
-          <a:fillRef idx="1">
-            <a:schemeClr val="accent1"/>
-          </a:fillRef>
-          <a:effectRef idx="0">
-            <a:schemeClr val="accent1"/>
-          </a:effectRef>
-          <a:fontRef idx="minor">
-            <a:schemeClr val="lt1"/>
-          </a:fontRef>
-        </p:style>
-        <p:txBody>
-          <a:bodyPr rot="0" spcFirstLastPara="0" vertOverflow="overflow" horzOverflow="overflow" vert="horz" wrap="square" lIns="182881" tIns="91438" rIns="182881" bIns="91438" numCol="1" spcCol="0" rtlCol="0" fromWordArt="0" anchor="ctr" anchorCtr="0" forceAA="0" compatLnSpc="1">
-            <a:prstTxWarp prst="textNoShape">
-              <a:avLst/>
-            </a:prstTxWarp>
-            <a:noAutofit/>
-          </a:bodyPr>
-          <a:lstStyle/>
-          <a:p>
-            <a:pPr algn="ctr"/>
-            <a:endParaRPr lang="en-US" sz="7644"/>
-          </a:p>
-        </p:txBody>
-      </p:sp>
-      <p:cxnSp>
-        <p:nvCxnSpPr>
-          <p:cNvPr id="96" name="Straight Arrow Connector 95">
-            <a:extLst>
-              <a:ext uri="{FF2B5EF4-FFF2-40B4-BE49-F238E27FC236}">
-                <a16:creationId xmlns:a16="http://schemas.microsoft.com/office/drawing/2014/main" id="{19F5945D-15E8-4FE9-97DA-70365EDD6F82}"/>
-              </a:ext>
-            </a:extLst>
-          </p:cNvPr>
-          <p:cNvCxnSpPr>
-            <a:cxnSpLocks/>
-            <a:endCxn id="93" idx="2"/>
-          </p:cNvCxnSpPr>
-          <p:nvPr/>
-        </p:nvCxnSpPr>
-        <p:spPr>
-          <a:xfrm>
-            <a:off x="25505669" y="9600998"/>
-            <a:ext cx="4698069" cy="0"/>
-          </a:xfrm>
-          <a:prstGeom prst="straightConnector1">
-            <a:avLst/>
-          </a:prstGeom>
-          <a:ln>
-            <a:solidFill>
-              <a:srgbClr val="0070C0"/>
-            </a:solidFill>
-            <a:prstDash val="sysDash"/>
-            <a:headEnd type="arrow"/>
-            <a:tailEnd type="none"/>
-          </a:ln>
-        </p:spPr>
-        <p:style>
-          <a:lnRef idx="3">
-            <a:schemeClr val="accent6"/>
-          </a:lnRef>
-          <a:fillRef idx="0">
-            <a:schemeClr val="accent6"/>
-          </a:fillRef>
-          <a:effectRef idx="2">
-            <a:schemeClr val="accent6"/>
-          </a:effectRef>
-          <a:fontRef idx="minor">
-            <a:schemeClr val="tx1"/>
-          </a:fontRef>
-        </p:style>
-      </p:cxnSp>
-      <p:cxnSp>
-        <p:nvCxnSpPr>
-          <p:cNvPr id="103" name="Straight Arrow Connector 102">
-            <a:extLst>
-              <a:ext uri="{FF2B5EF4-FFF2-40B4-BE49-F238E27FC236}">
-                <a16:creationId xmlns:a16="http://schemas.microsoft.com/office/drawing/2014/main" id="{9E589ACE-0C92-44BD-B398-6CD63F7E412B}"/>
-              </a:ext>
-            </a:extLst>
-          </p:cNvPr>
-          <p:cNvCxnSpPr>
-            <a:cxnSpLocks/>
-          </p:cNvCxnSpPr>
-          <p:nvPr/>
-        </p:nvCxnSpPr>
-        <p:spPr>
-          <a:xfrm>
-            <a:off x="20857578" y="9703494"/>
-            <a:ext cx="4269244" cy="0"/>
-          </a:xfrm>
-          <a:prstGeom prst="straightConnector1">
-            <a:avLst/>
-          </a:prstGeom>
-          <a:ln>
-            <a:solidFill>
-              <a:srgbClr val="0070C0"/>
-            </a:solidFill>
-            <a:prstDash val="sysDash"/>
-            <a:headEnd type="arrow"/>
-            <a:tailEnd type="none"/>
-          </a:ln>
-        </p:spPr>
-        <p:style>
-          <a:lnRef idx="3">
-            <a:schemeClr val="accent6"/>
-          </a:lnRef>
-          <a:fillRef idx="0">
-            <a:schemeClr val="accent6"/>
-          </a:fillRef>
-          <a:effectRef idx="2">
-            <a:schemeClr val="accent6"/>
-          </a:effectRef>
-          <a:fontRef idx="minor">
-            <a:schemeClr val="tx1"/>
-          </a:fontRef>
-        </p:style>
-      </p:cxnSp>
-      <p:cxnSp>
-        <p:nvCxnSpPr>
-          <p:cNvPr id="111" name="Straight Arrow Connector 110">
-            <a:extLst>
-              <a:ext uri="{FF2B5EF4-FFF2-40B4-BE49-F238E27FC236}">
-                <a16:creationId xmlns:a16="http://schemas.microsoft.com/office/drawing/2014/main" id="{6CEB0960-83C9-4DC0-A66E-AF69E50ED6EB}"/>
-              </a:ext>
-            </a:extLst>
-          </p:cNvPr>
-          <p:cNvCxnSpPr>
-            <a:cxnSpLocks/>
-          </p:cNvCxnSpPr>
-          <p:nvPr/>
-        </p:nvCxnSpPr>
-        <p:spPr>
-          <a:xfrm>
-            <a:off x="16342047" y="9885388"/>
-            <a:ext cx="4077956" cy="0"/>
-          </a:xfrm>
-          <a:prstGeom prst="straightConnector1">
-            <a:avLst/>
-          </a:prstGeom>
-          <a:ln>
-            <a:solidFill>
-              <a:srgbClr val="0070C0"/>
-            </a:solidFill>
-            <a:prstDash val="sysDash"/>
-            <a:headEnd type="arrow"/>
-            <a:tailEnd type="none"/>
-          </a:ln>
-        </p:spPr>
-        <p:style>
-          <a:lnRef idx="3">
-            <a:schemeClr val="accent6"/>
-          </a:lnRef>
-          <a:fillRef idx="0">
-            <a:schemeClr val="accent6"/>
-          </a:fillRef>
-          <a:effectRef idx="2">
-            <a:schemeClr val="accent6"/>
-          </a:effectRef>
-          <a:fontRef idx="minor">
-            <a:schemeClr val="tx1"/>
-          </a:fontRef>
-        </p:style>
-      </p:cxnSp>
-      <p:sp>
-        <p:nvSpPr>
-          <p:cNvPr id="113" name="TextBox 112">
-            <a:extLst>
-              <a:ext uri="{FF2B5EF4-FFF2-40B4-BE49-F238E27FC236}">
-                <a16:creationId xmlns:a16="http://schemas.microsoft.com/office/drawing/2014/main" id="{FF5B121C-923D-49DD-80F8-68FAC2A60D8C}"/>
-              </a:ext>
-            </a:extLst>
-          </p:cNvPr>
-          <p:cNvSpPr txBox="1"/>
-          <p:nvPr/>
-        </p:nvSpPr>
-        <p:spPr>
-          <a:xfrm>
-            <a:off x="18067798" y="9362168"/>
-            <a:ext cx="618675" cy="523220"/>
-          </a:xfrm>
-          <a:prstGeom prst="rect">
-            <a:avLst/>
-          </a:prstGeom>
-          <a:noFill/>
-        </p:spPr>
-        <p:txBody>
-          <a:bodyPr wrap="square" rtlCol="0">
-            <a:spAutoFit/>
-          </a:bodyPr>
-          <a:lstStyle/>
-          <a:p>
-            <a:r>
-              <a:rPr lang="en-US" sz="2800" dirty="0">
-                <a:solidFill>
-                  <a:schemeClr val="accent1"/>
-                </a:solidFill>
-              </a:rPr>
-              <a:t>u</a:t>
-            </a:r>
-          </a:p>
-        </p:txBody>
-      </p:sp>
-      <p:cxnSp>
-        <p:nvCxnSpPr>
-          <p:cNvPr id="114" name="Straight Arrow Connector 113">
-            <a:extLst>
-              <a:ext uri="{FF2B5EF4-FFF2-40B4-BE49-F238E27FC236}">
-                <a16:creationId xmlns:a16="http://schemas.microsoft.com/office/drawing/2014/main" id="{492A105A-B649-41B9-8424-91A291CAAF56}"/>
-              </a:ext>
-            </a:extLst>
-          </p:cNvPr>
-          <p:cNvCxnSpPr>
-            <a:cxnSpLocks/>
-          </p:cNvCxnSpPr>
-          <p:nvPr/>
-        </p:nvCxnSpPr>
-        <p:spPr>
-          <a:xfrm>
-            <a:off x="16313422" y="10286134"/>
-            <a:ext cx="13689156" cy="5544"/>
-          </a:xfrm>
-          <a:prstGeom prst="straightConnector1">
-            <a:avLst/>
-          </a:prstGeom>
-          <a:ln>
-            <a:solidFill>
-              <a:srgbClr val="0070C0"/>
-            </a:solidFill>
-            <a:headEnd type="none"/>
-            <a:tailEnd type="arrow"/>
-          </a:ln>
-        </p:spPr>
-        <p:style>
-          <a:lnRef idx="3">
-            <a:schemeClr val="accent6"/>
-          </a:lnRef>
-          <a:fillRef idx="0">
-            <a:schemeClr val="accent6"/>
-          </a:fillRef>
-          <a:effectRef idx="2">
-            <a:schemeClr val="accent6"/>
-          </a:effectRef>
-          <a:fontRef idx="minor">
-            <a:schemeClr val="tx1"/>
-          </a:fontRef>
-        </p:style>
-      </p:cxnSp>
-      <p:cxnSp>
-        <p:nvCxnSpPr>
-          <p:cNvPr id="116" name="Straight Connector 115">
-            <a:extLst>
-              <a:ext uri="{FF2B5EF4-FFF2-40B4-BE49-F238E27FC236}">
-                <a16:creationId xmlns:a16="http://schemas.microsoft.com/office/drawing/2014/main" id="{A888D3FA-2E66-4796-9F18-507F11D32FAB}"/>
-              </a:ext>
-            </a:extLst>
-          </p:cNvPr>
-          <p:cNvCxnSpPr>
-            <a:cxnSpLocks/>
-            <a:stCxn id="93" idx="2"/>
-            <a:endCxn id="118" idx="0"/>
-          </p:cNvCxnSpPr>
-          <p:nvPr/>
-        </p:nvCxnSpPr>
-        <p:spPr>
-          <a:xfrm>
-            <a:off x="30203738" y="9600998"/>
-            <a:ext cx="13110" cy="685135"/>
-          </a:xfrm>
-          <a:prstGeom prst="line">
-            <a:avLst/>
-          </a:prstGeom>
-          <a:ln w="19050">
-            <a:prstDash val="sysDash"/>
-          </a:ln>
-        </p:spPr>
-        <p:style>
-          <a:lnRef idx="1">
-            <a:schemeClr val="accent1"/>
-          </a:lnRef>
-          <a:fillRef idx="0">
-            <a:schemeClr val="accent1"/>
-          </a:fillRef>
-          <a:effectRef idx="0">
-            <a:schemeClr val="accent1"/>
-          </a:effectRef>
-          <a:fontRef idx="minor">
-            <a:schemeClr val="tx1"/>
-          </a:fontRef>
-        </p:style>
-      </p:cxnSp>
-      <p:sp>
-        <p:nvSpPr>
-          <p:cNvPr id="118" name="Rectangle 117">
-            <a:extLst>
-              <a:ext uri="{FF2B5EF4-FFF2-40B4-BE49-F238E27FC236}">
-                <a16:creationId xmlns:a16="http://schemas.microsoft.com/office/drawing/2014/main" id="{BD57F1FD-2093-417C-825A-CCE337E4F12E}"/>
-              </a:ext>
-            </a:extLst>
-          </p:cNvPr>
-          <p:cNvSpPr/>
-          <p:nvPr/>
-        </p:nvSpPr>
-        <p:spPr>
-          <a:xfrm>
-            <a:off x="29999513" y="10286133"/>
-            <a:ext cx="434670" cy="7086600"/>
-          </a:xfrm>
-          <a:prstGeom prst="rect">
-            <a:avLst/>
-          </a:prstGeom>
-        </p:spPr>
-        <p:style>
-          <a:lnRef idx="2">
-            <a:schemeClr val="accent1">
-              <a:shade val="50000"/>
-            </a:schemeClr>
-          </a:lnRef>
-          <a:fillRef idx="1">
-            <a:schemeClr val="accent1"/>
-          </a:fillRef>
-          <a:effectRef idx="0">
-            <a:schemeClr val="accent1"/>
-          </a:effectRef>
-          <a:fontRef idx="minor">
-            <a:schemeClr val="lt1"/>
-          </a:fontRef>
-        </p:style>
-        <p:txBody>
-          <a:bodyPr rot="0" spcFirstLastPara="0" vertOverflow="overflow" horzOverflow="overflow" vert="horz" wrap="square" lIns="182881" tIns="91438" rIns="182881" bIns="91438" numCol="1" spcCol="0" rtlCol="0" fromWordArt="0" anchor="ctr" anchorCtr="0" forceAA="0" compatLnSpc="1">
-            <a:prstTxWarp prst="textNoShape">
-              <a:avLst/>
-            </a:prstTxWarp>
-            <a:noAutofit/>
-          </a:bodyPr>
-          <a:lstStyle/>
-          <a:p>
-            <a:pPr algn="ctr"/>
-            <a:endParaRPr lang="en-US" sz="7644"/>
-          </a:p>
-        </p:txBody>
-      </p:sp>
-      <p:sp>
-        <p:nvSpPr>
-          <p:cNvPr id="121" name="TextBox 120">
-            <a:extLst>
-              <a:ext uri="{FF2B5EF4-FFF2-40B4-BE49-F238E27FC236}">
-                <a16:creationId xmlns:a16="http://schemas.microsoft.com/office/drawing/2014/main" id="{9D4A37D0-725C-4F3F-B75C-ED695E16D07E}"/>
-              </a:ext>
-            </a:extLst>
-          </p:cNvPr>
-          <p:cNvSpPr txBox="1"/>
-          <p:nvPr/>
-        </p:nvSpPr>
-        <p:spPr>
-          <a:xfrm>
-            <a:off x="22286673" y="9724487"/>
+            <a:off x="10652954" y="10410289"/>
             <a:ext cx="1809419" cy="523220"/>
           </a:xfrm>
           <a:prstGeom prst="rect">
@@ -5030,7 +3481,7 @@
         </p:nvSpPr>
         <p:spPr>
           <a:xfrm>
-            <a:off x="32126620" y="1838749"/>
+            <a:off x="14924470" y="2524549"/>
             <a:ext cx="15597864" cy="11340114"/>
           </a:xfrm>
           <a:custGeom>
@@ -5300,7 +3751,7 @@
         </p:nvSpPr>
         <p:spPr>
           <a:xfrm>
-            <a:off x="32538895" y="9306872"/>
+            <a:off x="15336746" y="9992672"/>
             <a:ext cx="1674263" cy="527906"/>
           </a:xfrm>
           <a:prstGeom prst="rect">
@@ -5362,7 +3813,7 @@
         </p:nvCxnSpPr>
         <p:spPr>
           <a:xfrm>
-            <a:off x="30440981" y="10742538"/>
+            <a:off x="13238831" y="11428338"/>
             <a:ext cx="2755288" cy="0"/>
           </a:xfrm>
           <a:prstGeom prst="straightConnector1">
@@ -5405,7 +3856,7 @@
         </p:nvSpPr>
         <p:spPr>
           <a:xfrm>
-            <a:off x="33172078" y="10717612"/>
+            <a:off x="15969928" y="11403412"/>
             <a:ext cx="480256" cy="2103120"/>
           </a:xfrm>
           <a:prstGeom prst="rect">
@@ -5465,7 +3916,7 @@
         </p:nvCxnSpPr>
         <p:spPr>
           <a:xfrm>
-            <a:off x="33376025" y="9834776"/>
+            <a:off x="16173875" y="10520577"/>
             <a:ext cx="0" cy="907763"/>
           </a:xfrm>
           <a:prstGeom prst="line">
@@ -5507,7 +3958,7 @@
         </p:nvSpPr>
         <p:spPr>
           <a:xfrm>
-            <a:off x="30584585" y="10247709"/>
+            <a:off x="13382435" y="10933509"/>
             <a:ext cx="2869624" cy="523220"/>
           </a:xfrm>
           <a:prstGeom prst="rect">
@@ -5556,7 +4007,7 @@
         </p:nvCxnSpPr>
         <p:spPr>
           <a:xfrm>
-            <a:off x="33652341" y="10972800"/>
+            <a:off x="16450191" y="11658600"/>
             <a:ext cx="2776328" cy="0"/>
           </a:xfrm>
           <a:prstGeom prst="straightConnector1">
@@ -5599,7 +4050,7 @@
         </p:nvSpPr>
         <p:spPr>
           <a:xfrm>
-            <a:off x="35473766" y="9780224"/>
+            <a:off x="18271616" y="10466024"/>
             <a:ext cx="2784166" cy="559042"/>
           </a:xfrm>
           <a:prstGeom prst="rect">
@@ -5664,7 +4115,7 @@
         </p:nvSpPr>
         <p:spPr>
           <a:xfrm>
-            <a:off x="33689776" y="10480928"/>
+            <a:off x="16487626" y="11166728"/>
             <a:ext cx="2861164" cy="523220"/>
           </a:xfrm>
           <a:prstGeom prst="rect">
@@ -5714,7 +4165,7 @@
         </p:nvCxnSpPr>
         <p:spPr>
           <a:xfrm>
-            <a:off x="36659020" y="10328997"/>
+            <a:off x="19456870" y="11014797"/>
             <a:ext cx="6224" cy="643806"/>
           </a:xfrm>
           <a:prstGeom prst="line">
@@ -5756,7 +4207,7 @@
         </p:nvSpPr>
         <p:spPr>
           <a:xfrm>
-            <a:off x="36428669" y="10972803"/>
+            <a:off x="19226519" y="11658603"/>
             <a:ext cx="473150" cy="1700784"/>
           </a:xfrm>
           <a:prstGeom prst="rect">
@@ -5815,7 +4266,7 @@
         </p:nvCxnSpPr>
         <p:spPr>
           <a:xfrm>
-            <a:off x="36889373" y="11384281"/>
+            <a:off x="19687224" y="12070081"/>
             <a:ext cx="3721331" cy="0"/>
           </a:xfrm>
           <a:prstGeom prst="straightConnector1">
@@ -5858,7 +4309,7 @@
         </p:nvSpPr>
         <p:spPr>
           <a:xfrm>
-            <a:off x="37064129" y="10861066"/>
+            <a:off x="19861979" y="11546866"/>
             <a:ext cx="3647008" cy="523220"/>
           </a:xfrm>
           <a:prstGeom prst="rect">
@@ -5905,7 +4356,7 @@
         </p:nvSpPr>
         <p:spPr>
           <a:xfrm>
-            <a:off x="39327351" y="10216978"/>
+            <a:off x="22125202" y="10902778"/>
             <a:ext cx="3027413" cy="527906"/>
           </a:xfrm>
           <a:prstGeom prst="rect">
@@ -5972,7 +4423,7 @@
         </p:nvCxnSpPr>
         <p:spPr>
           <a:xfrm>
-            <a:off x="40841056" y="10669367"/>
+            <a:off x="23638906" y="11355168"/>
             <a:ext cx="0" cy="714919"/>
           </a:xfrm>
           <a:prstGeom prst="line">
@@ -6014,7 +4465,7 @@
         </p:nvSpPr>
         <p:spPr>
           <a:xfrm>
-            <a:off x="40626319" y="11384275"/>
+            <a:off x="23424169" y="12070075"/>
             <a:ext cx="473150" cy="1069848"/>
           </a:xfrm>
           <a:prstGeom prst="rect">
@@ -6073,7 +4524,7 @@
         </p:nvCxnSpPr>
         <p:spPr>
           <a:xfrm>
-            <a:off x="41087023" y="11597638"/>
+            <a:off x="23884874" y="12283438"/>
             <a:ext cx="3196585" cy="0"/>
           </a:xfrm>
           <a:prstGeom prst="straightConnector1">
@@ -6116,7 +4567,7 @@
         </p:nvSpPr>
         <p:spPr>
           <a:xfrm>
-            <a:off x="44283608" y="11381935"/>
+            <a:off x="27081459" y="12067735"/>
             <a:ext cx="3027413" cy="527906"/>
           </a:xfrm>
           <a:prstGeom prst="rect">
@@ -6176,7 +4627,7 @@
         </p:nvSpPr>
         <p:spPr>
           <a:xfrm>
-            <a:off x="41346009" y="11070064"/>
+            <a:off x="24143860" y="11755864"/>
             <a:ext cx="2997909" cy="523220"/>
           </a:xfrm>
           <a:prstGeom prst="rect">
@@ -6239,7 +4690,7 @@
         </p:nvSpPr>
         <p:spPr>
           <a:xfrm>
-            <a:off x="46360183" y="11898082"/>
+            <a:off x="29158033" y="12583883"/>
             <a:ext cx="460700" cy="261613"/>
           </a:xfrm>
           <a:prstGeom prst="rect">
@@ -6298,7 +4749,7 @@
         </p:nvCxnSpPr>
         <p:spPr>
           <a:xfrm>
-            <a:off x="41087020" y="12150906"/>
+            <a:off x="23884871" y="12836707"/>
             <a:ext cx="5273163" cy="8789"/>
           </a:xfrm>
           <a:prstGeom prst="straightConnector1">
@@ -6344,7 +4795,7 @@
         </p:nvCxnSpPr>
         <p:spPr>
           <a:xfrm>
-            <a:off x="36889373" y="12417550"/>
+            <a:off x="19687224" y="13103350"/>
             <a:ext cx="3721331" cy="0"/>
           </a:xfrm>
           <a:prstGeom prst="straightConnector1">
@@ -6390,7 +4841,7 @@
         </p:nvCxnSpPr>
         <p:spPr>
           <a:xfrm>
-            <a:off x="33652341" y="12655297"/>
+            <a:off x="16450191" y="13341097"/>
             <a:ext cx="2776328" cy="0"/>
           </a:xfrm>
           <a:prstGeom prst="straightConnector1">
@@ -6436,7 +4887,7 @@
         </p:nvCxnSpPr>
         <p:spPr>
           <a:xfrm>
-            <a:off x="30438922" y="12793300"/>
+            <a:off x="13236772" y="13479100"/>
             <a:ext cx="2733156" cy="0"/>
           </a:xfrm>
           <a:prstGeom prst="straightConnector1">
@@ -6480,7 +4931,7 @@
         </p:nvSpPr>
         <p:spPr>
           <a:xfrm>
-            <a:off x="39488304" y="13330185"/>
+            <a:off x="22286154" y="14015986"/>
             <a:ext cx="8236180" cy="4701591"/>
           </a:xfrm>
           <a:prstGeom prst="roundRect">
@@ -6547,7 +4998,7 @@
         </p:nvSpPr>
         <p:spPr>
           <a:xfrm>
-            <a:off x="31501331" y="12270081"/>
+            <a:off x="14299181" y="12955881"/>
             <a:ext cx="402338" cy="523220"/>
           </a:xfrm>
           <a:prstGeom prst="rect">
@@ -6588,7 +5039,7 @@
         </p:nvCxnSpPr>
         <p:spPr>
           <a:xfrm flipV="1">
-            <a:off x="30438923" y="13863997"/>
+            <a:off x="13236773" y="14549797"/>
             <a:ext cx="3541640" cy="8468"/>
           </a:xfrm>
           <a:prstGeom prst="straightConnector1">
@@ -6631,7 +5082,7 @@
         </p:nvSpPr>
         <p:spPr>
           <a:xfrm>
-            <a:off x="36731642" y="13551639"/>
+            <a:off x="19529493" y="14237439"/>
             <a:ext cx="2366027" cy="527906"/>
           </a:xfrm>
           <a:prstGeom prst="rect">
@@ -6696,7 +5147,7 @@
         </p:nvSpPr>
         <p:spPr>
           <a:xfrm>
-            <a:off x="32003761" y="14523437"/>
+            <a:off x="14801611" y="15209237"/>
             <a:ext cx="1227750" cy="523220"/>
           </a:xfrm>
           <a:prstGeom prst="rect">
@@ -6738,7 +5189,7 @@
         </p:nvCxnSpPr>
         <p:spPr>
           <a:xfrm>
-            <a:off x="38144243" y="14089622"/>
+            <a:off x="20942093" y="14775423"/>
             <a:ext cx="4132" cy="900727"/>
           </a:xfrm>
           <a:prstGeom prst="line">
@@ -6780,7 +5231,7 @@
         </p:nvSpPr>
         <p:spPr>
           <a:xfrm>
-            <a:off x="34972228" y="14271327"/>
+            <a:off x="17770078" y="14957128"/>
             <a:ext cx="300256" cy="203119"/>
           </a:xfrm>
           <a:prstGeom prst="rect">
@@ -6834,7 +5285,7 @@
         </p:nvSpPr>
         <p:spPr>
           <a:xfrm>
-            <a:off x="33980072" y="13473602"/>
+            <a:off x="16777923" y="14159403"/>
             <a:ext cx="2456481" cy="797725"/>
           </a:xfrm>
           <a:prstGeom prst="rect">
@@ -6894,7 +5345,7 @@
         </p:nvSpPr>
         <p:spPr>
           <a:xfrm>
-            <a:off x="30898640" y="12972053"/>
+            <a:off x="13696491" y="13657854"/>
             <a:ext cx="5083869" cy="954107"/>
           </a:xfrm>
           <a:prstGeom prst="rect">
@@ -6959,7 +5410,7 @@
         </p:nvCxnSpPr>
         <p:spPr>
           <a:xfrm>
-            <a:off x="30427920" y="14471881"/>
+            <a:off x="13225770" y="15157682"/>
             <a:ext cx="4694436" cy="2565"/>
           </a:xfrm>
           <a:prstGeom prst="straightConnector1">
@@ -7005,7 +5456,7 @@
         </p:nvCxnSpPr>
         <p:spPr>
           <a:xfrm>
-            <a:off x="30438919" y="15001994"/>
+            <a:off x="13236769" y="15687794"/>
             <a:ext cx="7553550" cy="12438"/>
           </a:xfrm>
           <a:prstGeom prst="straightConnector1">
@@ -7048,7 +5499,7 @@
         </p:nvSpPr>
         <p:spPr>
           <a:xfrm>
-            <a:off x="37992473" y="14990349"/>
+            <a:off x="20790323" y="15676150"/>
             <a:ext cx="311804" cy="2370797"/>
           </a:xfrm>
           <a:prstGeom prst="rect">
@@ -7104,7 +5555,7 @@
         </p:nvCxnSpPr>
         <p:spPr>
           <a:xfrm>
-            <a:off x="38199919" y="15213812"/>
+            <a:off x="20997770" y="15899612"/>
             <a:ext cx="3242721" cy="0"/>
           </a:xfrm>
           <a:prstGeom prst="straightConnector1">
@@ -7147,7 +5598,7 @@
         </p:nvSpPr>
         <p:spPr>
           <a:xfrm>
-            <a:off x="38257932" y="14259705"/>
+            <a:off x="21055782" y="14945506"/>
             <a:ext cx="5151510" cy="954107"/>
           </a:xfrm>
           <a:prstGeom prst="rect">
@@ -7209,7 +5660,7 @@
         </p:nvSpPr>
         <p:spPr>
           <a:xfrm>
-            <a:off x="41007531" y="13716628"/>
+            <a:off x="23805381" y="14402429"/>
             <a:ext cx="2481734" cy="607285"/>
           </a:xfrm>
           <a:prstGeom prst="rect">
@@ -7276,7 +5727,7 @@
         </p:nvCxnSpPr>
         <p:spPr>
           <a:xfrm>
-            <a:off x="41587214" y="14328054"/>
+            <a:off x="24385064" y="15013854"/>
             <a:ext cx="0" cy="864590"/>
           </a:xfrm>
           <a:prstGeom prst="line">
@@ -7318,7 +5769,7 @@
         </p:nvSpPr>
         <p:spPr>
           <a:xfrm>
-            <a:off x="41461587" y="15192643"/>
+            <a:off x="24259437" y="15878444"/>
             <a:ext cx="311804" cy="2069387"/>
           </a:xfrm>
           <a:prstGeom prst="rect">
@@ -7374,7 +5825,7 @@
         </p:nvCxnSpPr>
         <p:spPr>
           <a:xfrm>
-            <a:off x="41757518" y="15296111"/>
+            <a:off x="24555368" y="15981911"/>
             <a:ext cx="2013314" cy="0"/>
           </a:xfrm>
           <a:prstGeom prst="straightConnector1">
@@ -7417,7 +5868,7 @@
         </p:nvSpPr>
         <p:spPr>
           <a:xfrm>
-            <a:off x="43770832" y="14882134"/>
+            <a:off x="26568682" y="15567934"/>
             <a:ext cx="2481734" cy="827954"/>
           </a:xfrm>
           <a:prstGeom prst="rect">
@@ -7482,7 +5933,7 @@
         </p:nvSpPr>
         <p:spPr>
           <a:xfrm>
-            <a:off x="41802970" y="14406212"/>
+            <a:off x="24600821" y="15092013"/>
             <a:ext cx="1997433" cy="954107"/>
           </a:xfrm>
           <a:prstGeom prst="rect">
@@ -7536,7 +5987,7 @@
         </p:nvSpPr>
         <p:spPr>
           <a:xfrm>
-            <a:off x="44827648" y="15681168"/>
+            <a:off x="27625499" y="16366968"/>
             <a:ext cx="295931" cy="180242"/>
           </a:xfrm>
           <a:prstGeom prst="rect">
@@ -7592,7 +6043,7 @@
         </p:nvCxnSpPr>
         <p:spPr>
           <a:xfrm>
-            <a:off x="41757518" y="15861410"/>
+            <a:off x="24555368" y="16547210"/>
             <a:ext cx="3034726" cy="0"/>
           </a:xfrm>
           <a:prstGeom prst="straightConnector1">
@@ -7638,7 +6089,7 @@
         </p:nvCxnSpPr>
         <p:spPr>
           <a:xfrm>
-            <a:off x="41757518" y="16350635"/>
+            <a:off x="24555369" y="17036435"/>
             <a:ext cx="3063085" cy="0"/>
           </a:xfrm>
           <a:prstGeom prst="straightConnector1">
@@ -7683,7 +6134,7 @@
         </p:nvCxnSpPr>
         <p:spPr>
           <a:xfrm>
-            <a:off x="44972867" y="15869994"/>
+            <a:off x="27770717" y="16555794"/>
             <a:ext cx="0" cy="427688"/>
           </a:xfrm>
           <a:prstGeom prst="line">
@@ -7725,7 +6176,7 @@
         </p:nvSpPr>
         <p:spPr>
           <a:xfrm>
-            <a:off x="44839275" y="16306265"/>
+            <a:off x="27637126" y="16992066"/>
             <a:ext cx="314223" cy="827953"/>
           </a:xfrm>
           <a:prstGeom prst="rect">
@@ -7779,7 +6230,7 @@
         </p:nvSpPr>
         <p:spPr>
           <a:xfrm>
-            <a:off x="42640113" y="15842101"/>
+            <a:off x="25437964" y="16527901"/>
             <a:ext cx="1304939" cy="523220"/>
           </a:xfrm>
           <a:prstGeom prst="rect">
@@ -7818,7 +6269,7 @@
         </p:nvSpPr>
         <p:spPr>
           <a:xfrm>
-            <a:off x="44975613" y="16533212"/>
+            <a:off x="27773464" y="17219012"/>
             <a:ext cx="295931" cy="365156"/>
           </a:xfrm>
           <a:prstGeom prst="rect">
@@ -7872,7 +6323,7 @@
         </p:nvSpPr>
         <p:spPr>
           <a:xfrm>
-            <a:off x="45186600" y="16394093"/>
+            <a:off x="27984451" y="17079894"/>
             <a:ext cx="443199" cy="156547"/>
           </a:xfrm>
           <a:custGeom>
@@ -7963,7 +6414,7 @@
         </p:nvSpPr>
         <p:spPr>
           <a:xfrm>
-            <a:off x="45636597" y="16036072"/>
+            <a:off x="28434447" y="16721872"/>
             <a:ext cx="1773416" cy="523220"/>
           </a:xfrm>
           <a:prstGeom prst="rect">
@@ -8002,7 +6453,7 @@
         </p:nvSpPr>
         <p:spPr>
           <a:xfrm>
-            <a:off x="45186599" y="16885920"/>
+            <a:off x="27984450" y="17571720"/>
             <a:ext cx="443199" cy="163770"/>
           </a:xfrm>
           <a:custGeom>
@@ -8095,7 +6546,7 @@
         </p:nvCxnSpPr>
         <p:spPr>
           <a:xfrm>
-            <a:off x="41785877" y="17130788"/>
+            <a:off x="24583727" y="17816588"/>
             <a:ext cx="3034726" cy="0"/>
           </a:xfrm>
           <a:prstGeom prst="straightConnector1">
@@ -8141,7 +6592,7 @@
         </p:nvCxnSpPr>
         <p:spPr>
           <a:xfrm>
-            <a:off x="38304277" y="17262030"/>
+            <a:off x="21102128" y="17947830"/>
             <a:ext cx="3138363" cy="0"/>
           </a:xfrm>
           <a:prstGeom prst="straightConnector1">
@@ -8187,7 +6638,7 @@
         </p:nvCxnSpPr>
         <p:spPr>
           <a:xfrm>
-            <a:off x="30468127" y="17294333"/>
+            <a:off x="13265977" y="17980133"/>
             <a:ext cx="7524342" cy="50764"/>
           </a:xfrm>
           <a:prstGeom prst="straightConnector1">
@@ -8233,8 +6684,8 @@
         </p:nvCxnSpPr>
         <p:spPr>
           <a:xfrm>
-            <a:off x="16360997" y="17322064"/>
-            <a:ext cx="13625035" cy="55069"/>
+            <a:off x="9957708" y="18062933"/>
+            <a:ext cx="2826175" cy="0"/>
           </a:xfrm>
           <a:prstGeom prst="straightConnector1">
             <a:avLst/>
@@ -8279,8 +6730,8 @@
         </p:nvCxnSpPr>
         <p:spPr>
           <a:xfrm>
-            <a:off x="12585707" y="17495116"/>
-            <a:ext cx="3317744" cy="0"/>
+            <a:off x="5939883" y="18202384"/>
+            <a:ext cx="3570774" cy="0"/>
           </a:xfrm>
           <a:prstGeom prst="straightConnector1">
             <a:avLst/>
@@ -8323,7 +6774,7 @@
         </p:nvSpPr>
         <p:spPr>
           <a:xfrm>
-            <a:off x="22722278" y="16831253"/>
+            <a:off x="10706463" y="17482295"/>
             <a:ext cx="1809419" cy="523220"/>
           </a:xfrm>
           <a:prstGeom prst="rect">
@@ -8362,7 +6813,7 @@
         </p:nvSpPr>
         <p:spPr>
           <a:xfrm>
-            <a:off x="13685429" y="16988132"/>
+            <a:off x="7292636" y="17695400"/>
             <a:ext cx="1809419" cy="523220"/>
           </a:xfrm>
           <a:prstGeom prst="rect">
@@ -8389,10 +6840,10 @@
       </p:sp>
       <p:cxnSp>
         <p:nvCxnSpPr>
-          <p:cNvPr id="337" name="Straight Connector 336">
-            <a:extLst>
-              <a:ext uri="{FF2B5EF4-FFF2-40B4-BE49-F238E27FC236}">
-                <a16:creationId xmlns:a16="http://schemas.microsoft.com/office/drawing/2014/main" id="{FD559AEF-2AF0-4F78-87DF-65DED4970570}"/>
+          <p:cNvPr id="341" name="Straight Connector 340">
+            <a:extLst>
+              <a:ext uri="{FF2B5EF4-FFF2-40B4-BE49-F238E27FC236}">
+                <a16:creationId xmlns:a16="http://schemas.microsoft.com/office/drawing/2014/main" id="{AC976003-61E8-4D76-A8F1-9345D407C9AA}"/>
               </a:ext>
             </a:extLst>
           </p:cNvPr>
@@ -8403,8 +6854,8 @@
         </p:nvCxnSpPr>
         <p:spPr>
           <a:xfrm>
-            <a:off x="20636996" y="9864179"/>
-            <a:ext cx="18947" cy="8256620"/>
+            <a:off x="9709409" y="18202385"/>
+            <a:ext cx="0" cy="515191"/>
           </a:xfrm>
           <a:prstGeom prst="line">
             <a:avLst/>
@@ -8430,10 +6881,10 @@
       </p:cxnSp>
       <p:cxnSp>
         <p:nvCxnSpPr>
-          <p:cNvPr id="341" name="Straight Connector 340">
-            <a:extLst>
-              <a:ext uri="{FF2B5EF4-FFF2-40B4-BE49-F238E27FC236}">
-                <a16:creationId xmlns:a16="http://schemas.microsoft.com/office/drawing/2014/main" id="{AC976003-61E8-4D76-A8F1-9345D407C9AA}"/>
+          <p:cNvPr id="353" name="Straight Connector 352">
+            <a:extLst>
+              <a:ext uri="{FF2B5EF4-FFF2-40B4-BE49-F238E27FC236}">
+                <a16:creationId xmlns:a16="http://schemas.microsoft.com/office/drawing/2014/main" id="{6F43B37B-A632-42B3-95D6-D6E129B48B8F}"/>
               </a:ext>
             </a:extLst>
           </p:cNvPr>
@@ -8444,8 +6895,8 @@
         </p:nvCxnSpPr>
         <p:spPr>
           <a:xfrm>
-            <a:off x="16102202" y="17495116"/>
-            <a:ext cx="3435" cy="625683"/>
+            <a:off x="13014698" y="18058533"/>
+            <a:ext cx="0" cy="439640"/>
           </a:xfrm>
           <a:prstGeom prst="line">
             <a:avLst/>
@@ -8469,53 +6920,12 @@
           </a:fontRef>
         </p:style>
       </p:cxnSp>
-      <p:cxnSp>
-        <p:nvCxnSpPr>
-          <p:cNvPr id="345" name="Straight Connector 344">
-            <a:extLst>
-              <a:ext uri="{FF2B5EF4-FFF2-40B4-BE49-F238E27FC236}">
-                <a16:creationId xmlns:a16="http://schemas.microsoft.com/office/drawing/2014/main" id="{EEFD470B-DB59-4883-9C27-058F3F03504A}"/>
-              </a:ext>
-            </a:extLst>
-          </p:cNvPr>
-          <p:cNvCxnSpPr>
-            <a:cxnSpLocks/>
-          </p:cNvCxnSpPr>
-          <p:nvPr/>
-        </p:nvCxnSpPr>
-        <p:spPr>
-          <a:xfrm>
-            <a:off x="25315775" y="9703494"/>
-            <a:ext cx="4087" cy="1678441"/>
-          </a:xfrm>
-          <a:prstGeom prst="line">
-            <a:avLst/>
-          </a:prstGeom>
-          <a:ln w="19050">
-            <a:prstDash val="sysDash"/>
-          </a:ln>
-        </p:spPr>
-        <p:style>
-          <a:lnRef idx="1">
-            <a:schemeClr val="accent1"/>
-          </a:lnRef>
-          <a:fillRef idx="0">
-            <a:schemeClr val="accent1"/>
-          </a:fillRef>
-          <a:effectRef idx="0">
-            <a:schemeClr val="accent1"/>
-          </a:effectRef>
-          <a:fontRef idx="minor">
-            <a:schemeClr val="tx1"/>
-          </a:fontRef>
-        </p:style>
-      </p:cxnSp>
-      <p:sp>
-        <p:nvSpPr>
-          <p:cNvPr id="350" name="Multiplication Sign 349">
-            <a:extLst>
-              <a:ext uri="{FF2B5EF4-FFF2-40B4-BE49-F238E27FC236}">
-                <a16:creationId xmlns:a16="http://schemas.microsoft.com/office/drawing/2014/main" id="{BACA45CE-5C1F-4110-850F-533E21B2EB5E}"/>
+      <p:sp>
+        <p:nvSpPr>
+          <p:cNvPr id="355" name="Multiplication Sign 354">
+            <a:extLst>
+              <a:ext uri="{FF2B5EF4-FFF2-40B4-BE49-F238E27FC236}">
+                <a16:creationId xmlns:a16="http://schemas.microsoft.com/office/drawing/2014/main" id="{3993BE29-13F3-4CA1-898D-F0FBF8B52DF8}"/>
               </a:ext>
             </a:extLst>
           </p:cNvPr>
@@ -8524,7 +6934,7 @@
         </p:nvSpPr>
         <p:spPr>
           <a:xfrm>
-            <a:off x="25088690" y="11104371"/>
+            <a:off x="12804161" y="18162448"/>
             <a:ext cx="434670" cy="555129"/>
           </a:xfrm>
           <a:prstGeom prst="mathMultiply">
@@ -8560,10 +6970,10 @@
       </p:sp>
       <p:cxnSp>
         <p:nvCxnSpPr>
-          <p:cNvPr id="351" name="Straight Connector 350">
-            <a:extLst>
-              <a:ext uri="{FF2B5EF4-FFF2-40B4-BE49-F238E27FC236}">
-                <a16:creationId xmlns:a16="http://schemas.microsoft.com/office/drawing/2014/main" id="{15FD5CAE-DDC8-4245-818C-70EDDB07306D}"/>
+          <p:cNvPr id="357" name="Straight Connector 356">
+            <a:extLst>
+              <a:ext uri="{FF2B5EF4-FFF2-40B4-BE49-F238E27FC236}">
+                <a16:creationId xmlns:a16="http://schemas.microsoft.com/office/drawing/2014/main" id="{C94E8D14-494A-4938-8F39-3A35E953AC36}"/>
               </a:ext>
             </a:extLst>
           </p:cNvPr>
@@ -8574,13 +6984,16 @@
         </p:nvCxnSpPr>
         <p:spPr>
           <a:xfrm flipH="1">
-            <a:off x="28433569" y="8116444"/>
-            <a:ext cx="15228" cy="10004355"/>
+            <a:off x="16210057" y="13479100"/>
+            <a:ext cx="425" cy="5238476"/>
           </a:xfrm>
           <a:prstGeom prst="line">
             <a:avLst/>
           </a:prstGeom>
           <a:ln w="19050">
+            <a:solidFill>
+              <a:srgbClr val="7030A0"/>
+            </a:solidFill>
             <a:prstDash val="sysDash"/>
           </a:ln>
         </p:spPr>
@@ -8601,10 +7014,10 @@
       </p:cxnSp>
       <p:cxnSp>
         <p:nvCxnSpPr>
-          <p:cNvPr id="353" name="Straight Connector 352">
-            <a:extLst>
-              <a:ext uri="{FF2B5EF4-FFF2-40B4-BE49-F238E27FC236}">
-                <a16:creationId xmlns:a16="http://schemas.microsoft.com/office/drawing/2014/main" id="{6F43B37B-A632-42B3-95D6-D6E129B48B8F}"/>
+          <p:cNvPr id="360" name="Straight Connector 359">
+            <a:extLst>
+              <a:ext uri="{FF2B5EF4-FFF2-40B4-BE49-F238E27FC236}">
+                <a16:creationId xmlns:a16="http://schemas.microsoft.com/office/drawing/2014/main" id="{45D2A35E-B323-4DCB-9D69-80991D036294}"/>
               </a:ext>
             </a:extLst>
           </p:cNvPr>
@@ -8615,13 +7028,16 @@
         </p:nvCxnSpPr>
         <p:spPr>
           <a:xfrm>
-            <a:off x="30216848" y="17372733"/>
-            <a:ext cx="0" cy="439640"/>
+            <a:off x="19472072" y="13364078"/>
+            <a:ext cx="29855" cy="5353498"/>
           </a:xfrm>
           <a:prstGeom prst="line">
             <a:avLst/>
           </a:prstGeom>
           <a:ln w="19050">
+            <a:solidFill>
+              <a:srgbClr val="7030A0"/>
+            </a:solidFill>
             <a:prstDash val="sysDash"/>
           </a:ln>
         </p:spPr>
@@ -8640,12 +7056,56 @@
           </a:fontRef>
         </p:style>
       </p:cxnSp>
-      <p:sp>
-        <p:nvSpPr>
-          <p:cNvPr id="355" name="Multiplication Sign 354">
-            <a:extLst>
-              <a:ext uri="{FF2B5EF4-FFF2-40B4-BE49-F238E27FC236}">
-                <a16:creationId xmlns:a16="http://schemas.microsoft.com/office/drawing/2014/main" id="{3993BE29-13F3-4CA1-898D-F0FBF8B52DF8}"/>
+      <p:cxnSp>
+        <p:nvCxnSpPr>
+          <p:cNvPr id="367" name="Straight Connector 366">
+            <a:extLst>
+              <a:ext uri="{FF2B5EF4-FFF2-40B4-BE49-F238E27FC236}">
+                <a16:creationId xmlns:a16="http://schemas.microsoft.com/office/drawing/2014/main" id="{AD9BBA58-D188-495B-A408-0546053DF91A}"/>
+              </a:ext>
+            </a:extLst>
+          </p:cNvPr>
+          <p:cNvCxnSpPr>
+            <a:cxnSpLocks/>
+          </p:cNvCxnSpPr>
+          <p:nvPr/>
+        </p:nvCxnSpPr>
+        <p:spPr>
+          <a:xfrm>
+            <a:off x="17923220" y="15209238"/>
+            <a:ext cx="20216" cy="1560401"/>
+          </a:xfrm>
+          <a:prstGeom prst="line">
+            <a:avLst/>
+          </a:prstGeom>
+          <a:ln w="19050">
+            <a:solidFill>
+              <a:srgbClr val="017370"/>
+            </a:solidFill>
+            <a:prstDash val="sysDash"/>
+          </a:ln>
+        </p:spPr>
+        <p:style>
+          <a:lnRef idx="1">
+            <a:schemeClr val="accent1"/>
+          </a:lnRef>
+          <a:fillRef idx="0">
+            <a:schemeClr val="accent1"/>
+          </a:fillRef>
+          <a:effectRef idx="0">
+            <a:schemeClr val="accent1"/>
+          </a:effectRef>
+          <a:fontRef idx="minor">
+            <a:schemeClr val="tx1"/>
+          </a:fontRef>
+        </p:style>
+      </p:cxnSp>
+      <p:sp>
+        <p:nvSpPr>
+          <p:cNvPr id="373" name="Multiplication Sign 372">
+            <a:extLst>
+              <a:ext uri="{FF2B5EF4-FFF2-40B4-BE49-F238E27FC236}">
+                <a16:creationId xmlns:a16="http://schemas.microsoft.com/office/drawing/2014/main" id="{C22FAB1C-F240-40FE-9531-8C6399F9E9C8}"/>
               </a:ext>
             </a:extLst>
           </p:cNvPr>
@@ -8654,7 +7114,7 @@
         </p:nvSpPr>
         <p:spPr>
           <a:xfrm>
-            <a:off x="30006311" y="17476647"/>
+            <a:off x="17732413" y="16531558"/>
             <a:ext cx="434670" cy="555129"/>
           </a:xfrm>
           <a:prstGeom prst="mathMultiply">
@@ -8690,10 +7150,10 @@
       </p:sp>
       <p:cxnSp>
         <p:nvCxnSpPr>
-          <p:cNvPr id="357" name="Straight Connector 356">
-            <a:extLst>
-              <a:ext uri="{FF2B5EF4-FFF2-40B4-BE49-F238E27FC236}">
-                <a16:creationId xmlns:a16="http://schemas.microsoft.com/office/drawing/2014/main" id="{C94E8D14-494A-4938-8F39-3A35E953AC36}"/>
+          <p:cNvPr id="374" name="Straight Connector 373">
+            <a:extLst>
+              <a:ext uri="{FF2B5EF4-FFF2-40B4-BE49-F238E27FC236}">
+                <a16:creationId xmlns:a16="http://schemas.microsoft.com/office/drawing/2014/main" id="{4D4E4AF4-4665-4EF3-986C-A3FCD8381077}"/>
               </a:ext>
             </a:extLst>
           </p:cNvPr>
@@ -8703,16 +7163,16 @@
           <p:nvPr/>
         </p:nvCxnSpPr>
         <p:spPr>
-          <a:xfrm flipH="1">
-            <a:off x="33412206" y="12793300"/>
-            <a:ext cx="425" cy="5238476"/>
+          <a:xfrm>
+            <a:off x="20946225" y="18057024"/>
+            <a:ext cx="0" cy="660553"/>
           </a:xfrm>
           <a:prstGeom prst="line">
             <a:avLst/>
           </a:prstGeom>
           <a:ln w="19050">
             <a:solidFill>
-              <a:srgbClr val="7030A0"/>
+              <a:srgbClr val="017370"/>
             </a:solidFill>
             <a:prstDash val="sysDash"/>
           </a:ln>
@@ -8734,10 +7194,10 @@
       </p:cxnSp>
       <p:cxnSp>
         <p:nvCxnSpPr>
-          <p:cNvPr id="360" name="Straight Connector 359">
-            <a:extLst>
-              <a:ext uri="{FF2B5EF4-FFF2-40B4-BE49-F238E27FC236}">
-                <a16:creationId xmlns:a16="http://schemas.microsoft.com/office/drawing/2014/main" id="{45D2A35E-B323-4DCB-9D69-80991D036294}"/>
+          <p:cNvPr id="376" name="Straight Connector 375">
+            <a:extLst>
+              <a:ext uri="{FF2B5EF4-FFF2-40B4-BE49-F238E27FC236}">
+                <a16:creationId xmlns:a16="http://schemas.microsoft.com/office/drawing/2014/main" id="{CD4E290A-8FB5-41D4-A8B7-7B7D6A72DCD4}"/>
               </a:ext>
             </a:extLst>
           </p:cNvPr>
@@ -8748,15 +7208,15 @@
         </p:nvCxnSpPr>
         <p:spPr>
           <a:xfrm>
-            <a:off x="36674221" y="12678278"/>
-            <a:ext cx="29855" cy="5353498"/>
+            <a:off x="24428038" y="17955004"/>
+            <a:ext cx="0" cy="762572"/>
           </a:xfrm>
           <a:prstGeom prst="line">
             <a:avLst/>
           </a:prstGeom>
           <a:ln w="19050">
             <a:solidFill>
-              <a:srgbClr val="7030A0"/>
+              <a:srgbClr val="00B050"/>
             </a:solidFill>
             <a:prstDash val="sysDash"/>
           </a:ln>
@@ -8778,10 +7238,10 @@
       </p:cxnSp>
       <p:cxnSp>
         <p:nvCxnSpPr>
-          <p:cNvPr id="367" name="Straight Connector 366">
-            <a:extLst>
-              <a:ext uri="{FF2B5EF4-FFF2-40B4-BE49-F238E27FC236}">
-                <a16:creationId xmlns:a16="http://schemas.microsoft.com/office/drawing/2014/main" id="{AD9BBA58-D188-495B-A408-0546053DF91A}"/>
+          <p:cNvPr id="378" name="Straight Connector 377">
+            <a:extLst>
+              <a:ext uri="{FF2B5EF4-FFF2-40B4-BE49-F238E27FC236}">
+                <a16:creationId xmlns:a16="http://schemas.microsoft.com/office/drawing/2014/main" id="{5FC39E08-4034-4817-BB36-824851C19A34}"/>
               </a:ext>
             </a:extLst>
           </p:cNvPr>
@@ -8792,15 +7252,15 @@
         </p:nvCxnSpPr>
         <p:spPr>
           <a:xfrm>
-            <a:off x="35125370" y="14523437"/>
-            <a:ext cx="20216" cy="1560401"/>
+            <a:off x="27776250" y="17846058"/>
+            <a:ext cx="0" cy="864590"/>
           </a:xfrm>
           <a:prstGeom prst="line">
             <a:avLst/>
           </a:prstGeom>
           <a:ln w="19050">
             <a:solidFill>
-              <a:srgbClr val="017370"/>
+              <a:srgbClr val="00B050"/>
             </a:solidFill>
             <a:prstDash val="sysDash"/>
           </a:ln>
@@ -8822,10 +7282,230 @@
       </p:cxnSp>
       <p:sp>
         <p:nvSpPr>
-          <p:cNvPr id="373" name="Multiplication Sign 372">
-            <a:extLst>
-              <a:ext uri="{FF2B5EF4-FFF2-40B4-BE49-F238E27FC236}">
-                <a16:creationId xmlns:a16="http://schemas.microsoft.com/office/drawing/2014/main" id="{C22FAB1C-F240-40FE-9531-8C6399F9E9C8}"/>
+          <p:cNvPr id="379" name="TextBox 378">
+            <a:extLst>
+              <a:ext uri="{FF2B5EF4-FFF2-40B4-BE49-F238E27FC236}">
+                <a16:creationId xmlns:a16="http://schemas.microsoft.com/office/drawing/2014/main" id="{86B1A768-4630-43E0-9717-6CE2F7E1210B}"/>
+              </a:ext>
+            </a:extLst>
+          </p:cNvPr>
+          <p:cNvSpPr txBox="1"/>
+          <p:nvPr/>
+        </p:nvSpPr>
+        <p:spPr>
+          <a:xfrm>
+            <a:off x="6728139" y="2900271"/>
+            <a:ext cx="1110692" cy="584775"/>
+          </a:xfrm>
+          <a:prstGeom prst="rect">
+            <a:avLst/>
+          </a:prstGeom>
+          <a:noFill/>
+        </p:spPr>
+        <p:txBody>
+          <a:bodyPr wrap="square" rtlCol="0">
+            <a:spAutoFit/>
+          </a:bodyPr>
+          <a:lstStyle/>
+          <a:p>
+            <a:r>
+              <a:rPr lang="en-US" sz="3200" b="1" dirty="0">
+                <a:solidFill>
+                  <a:schemeClr val="accent1"/>
+                </a:solidFill>
+              </a:rPr>
+              <a:t>Logic</a:t>
+            </a:r>
+            <a:endParaRPr lang="en-US" sz="2800" b="1" dirty="0">
+              <a:solidFill>
+                <a:schemeClr val="accent1"/>
+              </a:solidFill>
+            </a:endParaRPr>
+          </a:p>
+        </p:txBody>
+      </p:sp>
+      <p:sp>
+        <p:nvSpPr>
+          <p:cNvPr id="380" name="TextBox 379">
+            <a:extLst>
+              <a:ext uri="{FF2B5EF4-FFF2-40B4-BE49-F238E27FC236}">
+                <a16:creationId xmlns:a16="http://schemas.microsoft.com/office/drawing/2014/main" id="{20096E0F-B278-4FF6-BA27-904CD4EBA714}"/>
+              </a:ext>
+            </a:extLst>
+          </p:cNvPr>
+          <p:cNvSpPr txBox="1"/>
+          <p:nvPr/>
+        </p:nvSpPr>
+        <p:spPr>
+          <a:xfrm>
+            <a:off x="15572595" y="2969428"/>
+            <a:ext cx="1389174" cy="584775"/>
+          </a:xfrm>
+          <a:prstGeom prst="rect">
+            <a:avLst/>
+          </a:prstGeom>
+          <a:noFill/>
+        </p:spPr>
+        <p:txBody>
+          <a:bodyPr wrap="square" rtlCol="0">
+            <a:spAutoFit/>
+          </a:bodyPr>
+          <a:lstStyle/>
+          <a:p>
+            <a:r>
+              <a:rPr lang="en-US" sz="3200" b="1" dirty="0">
+                <a:solidFill>
+                  <a:srgbClr val="7030A0"/>
+                </a:solidFill>
+              </a:rPr>
+              <a:t>Model</a:t>
+            </a:r>
+            <a:endParaRPr lang="en-US" sz="2800" b="1" dirty="0">
+              <a:solidFill>
+                <a:srgbClr val="7030A0"/>
+              </a:solidFill>
+            </a:endParaRPr>
+          </a:p>
+        </p:txBody>
+      </p:sp>
+      <p:sp>
+        <p:nvSpPr>
+          <p:cNvPr id="381" name="TextBox 380">
+            <a:extLst>
+              <a:ext uri="{FF2B5EF4-FFF2-40B4-BE49-F238E27FC236}">
+                <a16:creationId xmlns:a16="http://schemas.microsoft.com/office/drawing/2014/main" id="{35471821-56DE-40C9-A366-E50394A3F925}"/>
+              </a:ext>
+            </a:extLst>
+          </p:cNvPr>
+          <p:cNvSpPr txBox="1"/>
+          <p:nvPr/>
+        </p:nvSpPr>
+        <p:spPr>
+          <a:xfrm>
+            <a:off x="28602687" y="14121296"/>
+            <a:ext cx="1110692" cy="584775"/>
+          </a:xfrm>
+          <a:prstGeom prst="rect">
+            <a:avLst/>
+          </a:prstGeom>
+          <a:noFill/>
+        </p:spPr>
+        <p:txBody>
+          <a:bodyPr wrap="square" rtlCol="0">
+            <a:spAutoFit/>
+          </a:bodyPr>
+          <a:lstStyle/>
+          <a:p>
+            <a:r>
+              <a:rPr lang="en-US" sz="3200" b="1" dirty="0">
+                <a:solidFill>
+                  <a:srgbClr val="00B050"/>
+                </a:solidFill>
+              </a:rPr>
+              <a:t>UI</a:t>
+            </a:r>
+            <a:endParaRPr lang="en-US" sz="2800" b="1" dirty="0">
+              <a:solidFill>
+                <a:srgbClr val="00B050"/>
+              </a:solidFill>
+            </a:endParaRPr>
+          </a:p>
+        </p:txBody>
+      </p:sp>
+      <p:cxnSp>
+        <p:nvCxnSpPr>
+          <p:cNvPr id="403" name="Straight Connector 402">
+            <a:extLst>
+              <a:ext uri="{FF2B5EF4-FFF2-40B4-BE49-F238E27FC236}">
+                <a16:creationId xmlns:a16="http://schemas.microsoft.com/office/drawing/2014/main" id="{429E3906-15C9-4128-82F0-538A7841A64D}"/>
+              </a:ext>
+            </a:extLst>
+          </p:cNvPr>
+          <p:cNvCxnSpPr>
+            <a:cxnSpLocks/>
+          </p:cNvCxnSpPr>
+          <p:nvPr/>
+        </p:nvCxnSpPr>
+        <p:spPr>
+          <a:xfrm>
+            <a:off x="23641161" y="13142580"/>
+            <a:ext cx="7310" cy="5568069"/>
+          </a:xfrm>
+          <a:prstGeom prst="line">
+            <a:avLst/>
+          </a:prstGeom>
+          <a:ln w="19050">
+            <a:solidFill>
+              <a:srgbClr val="7030A0"/>
+            </a:solidFill>
+            <a:prstDash val="sysDash"/>
+          </a:ln>
+        </p:spPr>
+        <p:style>
+          <a:lnRef idx="1">
+            <a:schemeClr val="accent1"/>
+          </a:lnRef>
+          <a:fillRef idx="0">
+            <a:schemeClr val="accent1"/>
+          </a:fillRef>
+          <a:effectRef idx="0">
+            <a:schemeClr val="accent1"/>
+          </a:effectRef>
+          <a:fontRef idx="minor">
+            <a:schemeClr val="tx1"/>
+          </a:fontRef>
+        </p:style>
+      </p:cxnSp>
+      <p:cxnSp>
+        <p:nvCxnSpPr>
+          <p:cNvPr id="405" name="Straight Connector 404">
+            <a:extLst>
+              <a:ext uri="{FF2B5EF4-FFF2-40B4-BE49-F238E27FC236}">
+                <a16:creationId xmlns:a16="http://schemas.microsoft.com/office/drawing/2014/main" id="{16EAFB80-8569-45B7-92C2-84B192E6F9BE}"/>
+              </a:ext>
+            </a:extLst>
+          </p:cNvPr>
+          <p:cNvCxnSpPr>
+            <a:cxnSpLocks/>
+          </p:cNvCxnSpPr>
+          <p:nvPr/>
+        </p:nvCxnSpPr>
+        <p:spPr>
+          <a:xfrm>
+            <a:off x="29372932" y="12863113"/>
+            <a:ext cx="36390" cy="5630644"/>
+          </a:xfrm>
+          <a:prstGeom prst="line">
+            <a:avLst/>
+          </a:prstGeom>
+          <a:ln w="19050">
+            <a:solidFill>
+              <a:srgbClr val="7030A0"/>
+            </a:solidFill>
+            <a:prstDash val="sysDash"/>
+          </a:ln>
+        </p:spPr>
+        <p:style>
+          <a:lnRef idx="1">
+            <a:schemeClr val="accent1"/>
+          </a:lnRef>
+          <a:fillRef idx="0">
+            <a:schemeClr val="accent1"/>
+          </a:fillRef>
+          <a:effectRef idx="0">
+            <a:schemeClr val="accent1"/>
+          </a:effectRef>
+          <a:fontRef idx="minor">
+            <a:schemeClr val="tx1"/>
+          </a:fontRef>
+        </p:style>
+      </p:cxnSp>
+      <p:sp>
+        <p:nvSpPr>
+          <p:cNvPr id="410" name="Multiplication Sign 409">
+            <a:extLst>
+              <a:ext uri="{FF2B5EF4-FFF2-40B4-BE49-F238E27FC236}">
+                <a16:creationId xmlns:a16="http://schemas.microsoft.com/office/drawing/2014/main" id="{5A17B278-3883-40EA-833C-E2457CEBBB99}"/>
               </a:ext>
             </a:extLst>
           </p:cNvPr>
@@ -8834,7 +7514,7 @@
         </p:nvSpPr>
         <p:spPr>
           <a:xfrm>
-            <a:off x="34934563" y="15845757"/>
+            <a:off x="29191987" y="18162448"/>
             <a:ext cx="434670" cy="555129"/>
           </a:xfrm>
           <a:prstGeom prst="mathMultiply">
@@ -8868,321 +7548,12 @@
           </a:p>
         </p:txBody>
       </p:sp>
-      <p:cxnSp>
-        <p:nvCxnSpPr>
-          <p:cNvPr id="374" name="Straight Connector 373">
-            <a:extLst>
-              <a:ext uri="{FF2B5EF4-FFF2-40B4-BE49-F238E27FC236}">
-                <a16:creationId xmlns:a16="http://schemas.microsoft.com/office/drawing/2014/main" id="{4D4E4AF4-4665-4EF3-986C-A3FCD8381077}"/>
-              </a:ext>
-            </a:extLst>
-          </p:cNvPr>
-          <p:cNvCxnSpPr>
-            <a:cxnSpLocks/>
-          </p:cNvCxnSpPr>
-          <p:nvPr/>
-        </p:nvCxnSpPr>
-        <p:spPr>
-          <a:xfrm>
-            <a:off x="38148375" y="17371223"/>
-            <a:ext cx="0" cy="660553"/>
-          </a:xfrm>
-          <a:prstGeom prst="line">
-            <a:avLst/>
-          </a:prstGeom>
-          <a:ln w="19050">
-            <a:solidFill>
-              <a:srgbClr val="017370"/>
-            </a:solidFill>
-            <a:prstDash val="sysDash"/>
-          </a:ln>
-        </p:spPr>
-        <p:style>
-          <a:lnRef idx="1">
-            <a:schemeClr val="accent1"/>
-          </a:lnRef>
-          <a:fillRef idx="0">
-            <a:schemeClr val="accent1"/>
-          </a:fillRef>
-          <a:effectRef idx="0">
-            <a:schemeClr val="accent1"/>
-          </a:effectRef>
-          <a:fontRef idx="minor">
-            <a:schemeClr val="tx1"/>
-          </a:fontRef>
-        </p:style>
-      </p:cxnSp>
-      <p:cxnSp>
-        <p:nvCxnSpPr>
-          <p:cNvPr id="376" name="Straight Connector 375">
-            <a:extLst>
-              <a:ext uri="{FF2B5EF4-FFF2-40B4-BE49-F238E27FC236}">
-                <a16:creationId xmlns:a16="http://schemas.microsoft.com/office/drawing/2014/main" id="{CD4E290A-8FB5-41D4-A8B7-7B7D6A72DCD4}"/>
-              </a:ext>
-            </a:extLst>
-          </p:cNvPr>
-          <p:cNvCxnSpPr>
-            <a:cxnSpLocks/>
-          </p:cNvCxnSpPr>
-          <p:nvPr/>
-        </p:nvCxnSpPr>
-        <p:spPr>
-          <a:xfrm>
-            <a:off x="41630188" y="17269204"/>
-            <a:ext cx="0" cy="762572"/>
-          </a:xfrm>
-          <a:prstGeom prst="line">
-            <a:avLst/>
-          </a:prstGeom>
-          <a:ln w="19050">
-            <a:solidFill>
-              <a:srgbClr val="00B050"/>
-            </a:solidFill>
-            <a:prstDash val="sysDash"/>
-          </a:ln>
-        </p:spPr>
-        <p:style>
-          <a:lnRef idx="1">
-            <a:schemeClr val="accent1"/>
-          </a:lnRef>
-          <a:fillRef idx="0">
-            <a:schemeClr val="accent1"/>
-          </a:fillRef>
-          <a:effectRef idx="0">
-            <a:schemeClr val="accent1"/>
-          </a:effectRef>
-          <a:fontRef idx="minor">
-            <a:schemeClr val="tx1"/>
-          </a:fontRef>
-        </p:style>
-      </p:cxnSp>
-      <p:cxnSp>
-        <p:nvCxnSpPr>
-          <p:cNvPr id="378" name="Straight Connector 377">
-            <a:extLst>
-              <a:ext uri="{FF2B5EF4-FFF2-40B4-BE49-F238E27FC236}">
-                <a16:creationId xmlns:a16="http://schemas.microsoft.com/office/drawing/2014/main" id="{5FC39E08-4034-4817-BB36-824851C19A34}"/>
-              </a:ext>
-            </a:extLst>
-          </p:cNvPr>
-          <p:cNvCxnSpPr>
-            <a:cxnSpLocks/>
-          </p:cNvCxnSpPr>
-          <p:nvPr/>
-        </p:nvCxnSpPr>
-        <p:spPr>
-          <a:xfrm>
-            <a:off x="44978400" y="17160258"/>
-            <a:ext cx="0" cy="864590"/>
-          </a:xfrm>
-          <a:prstGeom prst="line">
-            <a:avLst/>
-          </a:prstGeom>
-          <a:ln w="19050">
-            <a:solidFill>
-              <a:srgbClr val="00B050"/>
-            </a:solidFill>
-            <a:prstDash val="sysDash"/>
-          </a:ln>
-        </p:spPr>
-        <p:style>
-          <a:lnRef idx="1">
-            <a:schemeClr val="accent1"/>
-          </a:lnRef>
-          <a:fillRef idx="0">
-            <a:schemeClr val="accent1"/>
-          </a:fillRef>
-          <a:effectRef idx="0">
-            <a:schemeClr val="accent1"/>
-          </a:effectRef>
-          <a:fontRef idx="minor">
-            <a:schemeClr val="tx1"/>
-          </a:fontRef>
-        </p:style>
-      </p:cxnSp>
-      <p:sp>
-        <p:nvSpPr>
-          <p:cNvPr id="379" name="TextBox 378">
-            <a:extLst>
-              <a:ext uri="{FF2B5EF4-FFF2-40B4-BE49-F238E27FC236}">
-                <a16:creationId xmlns:a16="http://schemas.microsoft.com/office/drawing/2014/main" id="{86B1A768-4630-43E0-9717-6CE2F7E1210B}"/>
-              </a:ext>
-            </a:extLst>
-          </p:cNvPr>
-          <p:cNvSpPr txBox="1"/>
-          <p:nvPr/>
-        </p:nvSpPr>
-        <p:spPr>
-          <a:xfrm>
-            <a:off x="13335266" y="1991240"/>
-            <a:ext cx="1110692" cy="584775"/>
-          </a:xfrm>
-          <a:prstGeom prst="rect">
-            <a:avLst/>
-          </a:prstGeom>
-          <a:noFill/>
-        </p:spPr>
-        <p:txBody>
-          <a:bodyPr wrap="square" rtlCol="0">
-            <a:spAutoFit/>
-          </a:bodyPr>
-          <a:lstStyle/>
-          <a:p>
-            <a:r>
-              <a:rPr lang="en-US" sz="3200" b="1" dirty="0">
-                <a:solidFill>
-                  <a:schemeClr val="accent1"/>
-                </a:solidFill>
-              </a:rPr>
-              <a:t>Logic</a:t>
-            </a:r>
-            <a:endParaRPr lang="en-US" sz="2800" b="1" dirty="0">
-              <a:solidFill>
-                <a:schemeClr val="accent1"/>
-              </a:solidFill>
-            </a:endParaRPr>
-          </a:p>
-        </p:txBody>
-      </p:sp>
-      <p:sp>
-        <p:nvSpPr>
-          <p:cNvPr id="380" name="TextBox 379">
-            <a:extLst>
-              <a:ext uri="{FF2B5EF4-FFF2-40B4-BE49-F238E27FC236}">
-                <a16:creationId xmlns:a16="http://schemas.microsoft.com/office/drawing/2014/main" id="{20096E0F-B278-4FF6-BA27-904CD4EBA714}"/>
-              </a:ext>
-            </a:extLst>
-          </p:cNvPr>
-          <p:cNvSpPr txBox="1"/>
-          <p:nvPr/>
-        </p:nvSpPr>
-        <p:spPr>
-          <a:xfrm>
-            <a:off x="32774745" y="2283627"/>
-            <a:ext cx="1389174" cy="584775"/>
-          </a:xfrm>
-          <a:prstGeom prst="rect">
-            <a:avLst/>
-          </a:prstGeom>
-          <a:noFill/>
-        </p:spPr>
-        <p:txBody>
-          <a:bodyPr wrap="square" rtlCol="0">
-            <a:spAutoFit/>
-          </a:bodyPr>
-          <a:lstStyle/>
-          <a:p>
-            <a:r>
-              <a:rPr lang="en-US" sz="3200" b="1" dirty="0">
-                <a:solidFill>
-                  <a:srgbClr val="7030A0"/>
-                </a:solidFill>
-              </a:rPr>
-              <a:t>Model</a:t>
-            </a:r>
-            <a:endParaRPr lang="en-US" sz="2800" b="1" dirty="0">
-              <a:solidFill>
-                <a:srgbClr val="7030A0"/>
-              </a:solidFill>
-            </a:endParaRPr>
-          </a:p>
-        </p:txBody>
-      </p:sp>
-      <p:sp>
-        <p:nvSpPr>
-          <p:cNvPr id="381" name="TextBox 380">
-            <a:extLst>
-              <a:ext uri="{FF2B5EF4-FFF2-40B4-BE49-F238E27FC236}">
-                <a16:creationId xmlns:a16="http://schemas.microsoft.com/office/drawing/2014/main" id="{35471821-56DE-40C9-A366-E50394A3F925}"/>
-              </a:ext>
-            </a:extLst>
-          </p:cNvPr>
-          <p:cNvSpPr txBox="1"/>
-          <p:nvPr/>
-        </p:nvSpPr>
-        <p:spPr>
-          <a:xfrm>
-            <a:off x="45804837" y="13435495"/>
-            <a:ext cx="1110692" cy="584775"/>
-          </a:xfrm>
-          <a:prstGeom prst="rect">
-            <a:avLst/>
-          </a:prstGeom>
-          <a:noFill/>
-        </p:spPr>
-        <p:txBody>
-          <a:bodyPr wrap="square" rtlCol="0">
-            <a:spAutoFit/>
-          </a:bodyPr>
-          <a:lstStyle/>
-          <a:p>
-            <a:r>
-              <a:rPr lang="en-US" sz="3200" b="1" dirty="0">
-                <a:solidFill>
-                  <a:srgbClr val="00B050"/>
-                </a:solidFill>
-              </a:rPr>
-              <a:t>UI</a:t>
-            </a:r>
-            <a:endParaRPr lang="en-US" sz="2800" b="1" dirty="0">
-              <a:solidFill>
-                <a:srgbClr val="00B050"/>
-              </a:solidFill>
-            </a:endParaRPr>
-          </a:p>
-        </p:txBody>
-      </p:sp>
-      <p:cxnSp>
-        <p:nvCxnSpPr>
-          <p:cNvPr id="382" name="Straight Arrow Connector 381">
-            <a:extLst>
-              <a:ext uri="{FF2B5EF4-FFF2-40B4-BE49-F238E27FC236}">
-                <a16:creationId xmlns:a16="http://schemas.microsoft.com/office/drawing/2014/main" id="{6D2A1260-6279-47E5-88E5-F89CB99E45BE}"/>
-              </a:ext>
-            </a:extLst>
-          </p:cNvPr>
-          <p:cNvCxnSpPr>
-            <a:cxnSpLocks/>
-          </p:cNvCxnSpPr>
-          <p:nvPr/>
-        </p:nvCxnSpPr>
-        <p:spPr>
-          <a:xfrm>
-            <a:off x="28666350" y="7176938"/>
-            <a:ext cx="299591" cy="0"/>
-          </a:xfrm>
-          <a:prstGeom prst="straightConnector1">
-            <a:avLst/>
-          </a:prstGeom>
-          <a:ln>
-            <a:solidFill>
-              <a:srgbClr val="0070C0"/>
-            </a:solidFill>
-            <a:headEnd type="none"/>
-            <a:tailEnd type="arrow"/>
-          </a:ln>
-        </p:spPr>
-        <p:style>
-          <a:lnRef idx="3">
-            <a:schemeClr val="accent6"/>
-          </a:lnRef>
-          <a:fillRef idx="0">
-            <a:schemeClr val="accent6"/>
-          </a:fillRef>
-          <a:effectRef idx="2">
-            <a:schemeClr val="accent6"/>
-          </a:effectRef>
-          <a:fontRef idx="minor">
-            <a:schemeClr val="tx1"/>
-          </a:fontRef>
-        </p:style>
-      </p:cxnSp>
-      <p:sp>
-        <p:nvSpPr>
-          <p:cNvPr id="384" name="Rectangle 383">
-            <a:extLst>
-              <a:ext uri="{FF2B5EF4-FFF2-40B4-BE49-F238E27FC236}">
-                <a16:creationId xmlns:a16="http://schemas.microsoft.com/office/drawing/2014/main" id="{2407F690-BE1F-486F-9DAA-80045AE03060}"/>
+      <p:sp>
+        <p:nvSpPr>
+          <p:cNvPr id="130" name="Rectangle 129">
+            <a:extLst>
+              <a:ext uri="{FF2B5EF4-FFF2-40B4-BE49-F238E27FC236}">
+                <a16:creationId xmlns:a16="http://schemas.microsoft.com/office/drawing/2014/main" id="{FBF7D79B-D3C4-45CE-B9A0-F6CEB9C06F81}"/>
               </a:ext>
             </a:extLst>
           </p:cNvPr>
@@ -9191,8 +7562,8 @@
         </p:nvSpPr>
         <p:spPr>
           <a:xfrm>
-            <a:off x="28988581" y="6967838"/>
-            <a:ext cx="1341272" cy="474227"/>
+            <a:off x="11743651" y="8596478"/>
+            <a:ext cx="2475606" cy="894075"/>
           </a:xfrm>
           <a:prstGeom prst="rect">
             <a:avLst/>
@@ -9226,29 +7597,30 @@
             <a:pPr algn="ctr"/>
             <a:r>
               <a:rPr lang="en-US" sz="2800" dirty="0"/>
-              <a:t>d:Date</a:t>
+              <a:t>u:DisplaySalesCommand</a:t>
             </a:r>
           </a:p>
         </p:txBody>
       </p:sp>
       <p:cxnSp>
         <p:nvCxnSpPr>
-          <p:cNvPr id="388" name="Straight Connector 387">
-            <a:extLst>
-              <a:ext uri="{FF2B5EF4-FFF2-40B4-BE49-F238E27FC236}">
-                <a16:creationId xmlns:a16="http://schemas.microsoft.com/office/drawing/2014/main" id="{EC7A85FD-2559-42E9-85BB-00E595F0753D}"/>
+          <p:cNvPr id="135" name="Straight Connector 134">
+            <a:extLst>
+              <a:ext uri="{FF2B5EF4-FFF2-40B4-BE49-F238E27FC236}">
+                <a16:creationId xmlns:a16="http://schemas.microsoft.com/office/drawing/2014/main" id="{F11ECEC5-7933-45E4-A8AF-D3968984310B}"/>
               </a:ext>
             </a:extLst>
           </p:cNvPr>
           <p:cNvCxnSpPr>
             <a:cxnSpLocks/>
+            <a:stCxn id="130" idx="2"/>
           </p:cNvCxnSpPr>
           <p:nvPr/>
         </p:nvCxnSpPr>
         <p:spPr>
           <a:xfrm>
-            <a:off x="29593651" y="7931236"/>
-            <a:ext cx="0" cy="9876721"/>
+            <a:off x="12981455" y="9490553"/>
+            <a:ext cx="9331" cy="1481381"/>
           </a:xfrm>
           <a:prstGeom prst="line">
             <a:avLst/>
@@ -9274,10 +7646,10 @@
       </p:cxnSp>
       <p:sp>
         <p:nvSpPr>
-          <p:cNvPr id="389" name="Rectangle 388">
-            <a:extLst>
-              <a:ext uri="{FF2B5EF4-FFF2-40B4-BE49-F238E27FC236}">
-                <a16:creationId xmlns:a16="http://schemas.microsoft.com/office/drawing/2014/main" id="{427A9DA4-0CC7-463E-8231-B6397111E855}"/>
+          <p:cNvPr id="10" name="Rectangle 9">
+            <a:extLst>
+              <a:ext uri="{FF2B5EF4-FFF2-40B4-BE49-F238E27FC236}">
+                <a16:creationId xmlns:a16="http://schemas.microsoft.com/office/drawing/2014/main" id="{09B057A8-EFC5-4186-B035-5F8E19AA99A5}"/>
               </a:ext>
             </a:extLst>
           </p:cNvPr>
@@ -9286,12 +7658,15 @@
         </p:nvSpPr>
         <p:spPr>
           <a:xfrm>
-            <a:off x="29396161" y="7442065"/>
-            <a:ext cx="402338" cy="474226"/>
+            <a:off x="7413758" y="7029321"/>
+            <a:ext cx="4766813" cy="871891"/>
           </a:xfrm>
           <a:prstGeom prst="rect">
             <a:avLst/>
           </a:prstGeom>
+          <a:solidFill>
+            <a:srgbClr val="FF9999"/>
+          </a:solidFill>
         </p:spPr>
         <p:style>
           <a:lnRef idx="2">
@@ -9310,71 +7685,56 @@
           </a:fontRef>
         </p:style>
         <p:txBody>
-          <a:bodyPr rot="0" spcFirstLastPara="0" vertOverflow="overflow" horzOverflow="overflow" vert="horz" wrap="square" lIns="182881" tIns="91438" rIns="182881" bIns="91438" numCol="1" spcCol="0" rtlCol="0" fromWordArt="0" anchor="ctr" anchorCtr="0" forceAA="0" compatLnSpc="1">
-            <a:prstTxWarp prst="textNoShape">
-              <a:avLst/>
-            </a:prstTxWarp>
-            <a:noAutofit/>
+          <a:bodyPr rtlCol="0" anchor="ctr"/>
+          <a:lstStyle/>
+          <a:p>
+            <a:pPr algn="ctr"/>
+            <a:endParaRPr lang="en-SG"/>
+          </a:p>
+        </p:txBody>
+      </p:sp>
+      <p:sp>
+        <p:nvSpPr>
+          <p:cNvPr id="38" name="TextBox 37">
+            <a:extLst>
+              <a:ext uri="{FF2B5EF4-FFF2-40B4-BE49-F238E27FC236}">
+                <a16:creationId xmlns:a16="http://schemas.microsoft.com/office/drawing/2014/main" id="{14D846B6-C739-4EEA-BD78-E5F2F2C5EC0C}"/>
+              </a:ext>
+            </a:extLst>
+          </p:cNvPr>
+          <p:cNvSpPr txBox="1"/>
+          <p:nvPr/>
+        </p:nvSpPr>
+        <p:spPr>
+          <a:xfrm>
+            <a:off x="8506968" y="7029319"/>
+            <a:ext cx="2580390" cy="523220"/>
+          </a:xfrm>
+          <a:prstGeom prst="rect">
+            <a:avLst/>
+          </a:prstGeom>
+          <a:noFill/>
+        </p:spPr>
+        <p:txBody>
+          <a:bodyPr wrap="square" rtlCol="0">
+            <a:spAutoFit/>
           </a:bodyPr>
           <a:lstStyle/>
           <a:p>
-            <a:pPr algn="ctr"/>
-            <a:endParaRPr lang="en-US" sz="7644"/>
-          </a:p>
-        </p:txBody>
-      </p:sp>
-      <p:cxnSp>
-        <p:nvCxnSpPr>
-          <p:cNvPr id="390" name="Straight Arrow Connector 389">
-            <a:extLst>
-              <a:ext uri="{FF2B5EF4-FFF2-40B4-BE49-F238E27FC236}">
-                <a16:creationId xmlns:a16="http://schemas.microsoft.com/office/drawing/2014/main" id="{A5941B44-CF2A-4F22-BE93-EC94C06332E3}"/>
-              </a:ext>
-            </a:extLst>
-          </p:cNvPr>
-          <p:cNvCxnSpPr>
-            <a:cxnSpLocks/>
-          </p:cNvCxnSpPr>
-          <p:nvPr/>
-        </p:nvCxnSpPr>
-        <p:spPr>
-          <a:xfrm>
-            <a:off x="28666350" y="7924511"/>
-            <a:ext cx="729811" cy="0"/>
-          </a:xfrm>
-          <a:prstGeom prst="straightConnector1">
-            <a:avLst/>
-          </a:prstGeom>
-          <a:ln>
-            <a:solidFill>
-              <a:srgbClr val="0070C0"/>
-            </a:solidFill>
-            <a:prstDash val="sysDash"/>
-            <a:headEnd type="arrow"/>
-            <a:tailEnd type="none"/>
-          </a:ln>
-        </p:spPr>
-        <p:style>
-          <a:lnRef idx="3">
-            <a:schemeClr val="accent6"/>
-          </a:lnRef>
-          <a:fillRef idx="0">
-            <a:schemeClr val="accent6"/>
-          </a:fillRef>
-          <a:effectRef idx="2">
-            <a:schemeClr val="accent6"/>
-          </a:effectRef>
-          <a:fontRef idx="minor">
-            <a:schemeClr val="tx1"/>
-          </a:fontRef>
-        </p:style>
-      </p:cxnSp>
-      <p:sp>
-        <p:nvSpPr>
-          <p:cNvPr id="393" name="Multiplication Sign 392">
-            <a:extLst>
-              <a:ext uri="{FF2B5EF4-FFF2-40B4-BE49-F238E27FC236}">
-                <a16:creationId xmlns:a16="http://schemas.microsoft.com/office/drawing/2014/main" id="{0AB6D260-97CB-4C52-A289-DB5AC1D3B711}"/>
+            <a:r>
+              <a:rPr lang="en-US" sz="2800" dirty="0"/>
+              <a:t>Parse command</a:t>
+            </a:r>
+            <a:endParaRPr lang="en-SG" sz="2800" dirty="0"/>
+          </a:p>
+        </p:txBody>
+      </p:sp>
+      <p:sp>
+        <p:nvSpPr>
+          <p:cNvPr id="57" name="Rectangle 56">
+            <a:extLst>
+              <a:ext uri="{FF2B5EF4-FFF2-40B4-BE49-F238E27FC236}">
+                <a16:creationId xmlns:a16="http://schemas.microsoft.com/office/drawing/2014/main" id="{F7200C09-6EEB-4AA2-A2F4-502F7D3DFBD6}"/>
               </a:ext>
             </a:extLst>
           </p:cNvPr>
@@ -9383,26 +7743,27 @@
         </p:nvSpPr>
         <p:spPr>
           <a:xfrm>
-            <a:off x="29363829" y="17479940"/>
-            <a:ext cx="434670" cy="555129"/>
-          </a:xfrm>
-          <a:prstGeom prst="mathMultiply">
-            <a:avLst>
-              <a:gd name="adj1" fmla="val 5268"/>
-            </a:avLst>
-          </a:prstGeom>
+            <a:off x="7403144" y="7026427"/>
+            <a:ext cx="937341" cy="523220"/>
+          </a:xfrm>
+          <a:prstGeom prst="rect">
+            <a:avLst/>
+          </a:prstGeom>
+          <a:solidFill>
+            <a:schemeClr val="bg1"/>
+          </a:solidFill>
         </p:spPr>
         <p:style>
           <a:lnRef idx="2">
-            <a:schemeClr val="dk1">
+            <a:schemeClr val="accent1">
               <a:shade val="50000"/>
             </a:schemeClr>
           </a:lnRef>
           <a:fillRef idx="1">
-            <a:schemeClr val="dk1"/>
+            <a:schemeClr val="accent1"/>
           </a:fillRef>
           <a:effectRef idx="0">
-            <a:schemeClr val="dk1"/>
+            <a:schemeClr val="accent1"/>
           </a:effectRef>
           <a:fontRef idx="minor">
             <a:schemeClr val="lt1"/>
@@ -9413,236 +7774,19 @@
           <a:lstStyle/>
           <a:p>
             <a:pPr algn="ctr"/>
-            <a:endParaRPr lang="en-US"/>
-          </a:p>
-        </p:txBody>
-      </p:sp>
-      <p:sp>
-        <p:nvSpPr>
-          <p:cNvPr id="394" name="TextBox 393">
-            <a:extLst>
-              <a:ext uri="{FF2B5EF4-FFF2-40B4-BE49-F238E27FC236}">
-                <a16:creationId xmlns:a16="http://schemas.microsoft.com/office/drawing/2014/main" id="{F7CFAA46-1F82-4BA2-AD1C-B0A2567E4319}"/>
-              </a:ext>
-            </a:extLst>
-          </p:cNvPr>
-          <p:cNvSpPr txBox="1"/>
-          <p:nvPr/>
-        </p:nvSpPr>
-        <p:spPr>
-          <a:xfrm>
-            <a:off x="26689973" y="7622732"/>
-            <a:ext cx="332535" cy="523220"/>
-          </a:xfrm>
-          <a:prstGeom prst="rect">
-            <a:avLst/>
-          </a:prstGeom>
-          <a:noFill/>
-        </p:spPr>
-        <p:txBody>
-          <a:bodyPr wrap="square" rtlCol="0">
-            <a:spAutoFit/>
-          </a:bodyPr>
-          <a:lstStyle/>
-          <a:p>
-            <a:r>
-              <a:rPr lang="en-US" sz="2800" dirty="0">
+            <a:r>
+              <a:rPr lang="en-US" sz="2800" b="1" dirty="0">
                 <a:solidFill>
-                  <a:schemeClr val="accent1"/>
+                  <a:schemeClr val="tx1"/>
                 </a:solidFill>
               </a:rPr>
-              <a:t>d</a:t>
-            </a:r>
-          </a:p>
-        </p:txBody>
-      </p:sp>
-      <p:sp>
-        <p:nvSpPr>
-          <p:cNvPr id="395" name="TextBox 394">
-            <a:extLst>
-              <a:ext uri="{FF2B5EF4-FFF2-40B4-BE49-F238E27FC236}">
-                <a16:creationId xmlns:a16="http://schemas.microsoft.com/office/drawing/2014/main" id="{98F0BACB-2693-4B9A-9FB2-C9DB4DB12816}"/>
-              </a:ext>
-            </a:extLst>
-          </p:cNvPr>
-          <p:cNvSpPr txBox="1"/>
-          <p:nvPr/>
-        </p:nvSpPr>
-        <p:spPr>
-          <a:xfrm>
-            <a:off x="26014865" y="8270488"/>
-            <a:ext cx="3861189" cy="954107"/>
-          </a:xfrm>
-          <a:prstGeom prst="rect">
-            <a:avLst/>
-          </a:prstGeom>
-          <a:noFill/>
-        </p:spPr>
-        <p:txBody>
-          <a:bodyPr wrap="square" rtlCol="0">
-            <a:spAutoFit/>
-          </a:bodyPr>
-          <a:lstStyle/>
-          <a:p>
-            <a:r>
-              <a:rPr lang="en-US" sz="2800" dirty="0" err="1">
-                <a:solidFill>
-                  <a:schemeClr val="accent1"/>
-                </a:solidFill>
-              </a:rPr>
-              <a:t>DisplaySales</a:t>
-            </a:r>
-            <a:endParaRPr lang="en-US" sz="2800" dirty="0">
+              <a:t>ref</a:t>
+            </a:r>
+            <a:endParaRPr lang="en-SG" sz="2800" b="1" dirty="0">
               <a:solidFill>
-                <a:schemeClr val="accent1"/>
+                <a:schemeClr val="tx1"/>
               </a:solidFill>
             </a:endParaRPr>
-          </a:p>
-          <a:p>
-            <a:r>
-              <a:rPr lang="en-US" sz="2800" dirty="0">
-                <a:solidFill>
-                  <a:schemeClr val="accent1"/>
-                </a:solidFill>
-              </a:rPr>
-              <a:t>Command(d)</a:t>
-            </a:r>
-          </a:p>
-        </p:txBody>
-      </p:sp>
-      <p:cxnSp>
-        <p:nvCxnSpPr>
-          <p:cNvPr id="403" name="Straight Connector 402">
-            <a:extLst>
-              <a:ext uri="{FF2B5EF4-FFF2-40B4-BE49-F238E27FC236}">
-                <a16:creationId xmlns:a16="http://schemas.microsoft.com/office/drawing/2014/main" id="{429E3906-15C9-4128-82F0-538A7841A64D}"/>
-              </a:ext>
-            </a:extLst>
-          </p:cNvPr>
-          <p:cNvCxnSpPr>
-            <a:cxnSpLocks/>
-          </p:cNvCxnSpPr>
-          <p:nvPr/>
-        </p:nvCxnSpPr>
-        <p:spPr>
-          <a:xfrm>
-            <a:off x="40843311" y="12456779"/>
-            <a:ext cx="7310" cy="5568069"/>
-          </a:xfrm>
-          <a:prstGeom prst="line">
-            <a:avLst/>
-          </a:prstGeom>
-          <a:ln w="19050">
-            <a:solidFill>
-              <a:srgbClr val="7030A0"/>
-            </a:solidFill>
-            <a:prstDash val="sysDash"/>
-          </a:ln>
-        </p:spPr>
-        <p:style>
-          <a:lnRef idx="1">
-            <a:schemeClr val="accent1"/>
-          </a:lnRef>
-          <a:fillRef idx="0">
-            <a:schemeClr val="accent1"/>
-          </a:fillRef>
-          <a:effectRef idx="0">
-            <a:schemeClr val="accent1"/>
-          </a:effectRef>
-          <a:fontRef idx="minor">
-            <a:schemeClr val="tx1"/>
-          </a:fontRef>
-        </p:style>
-      </p:cxnSp>
-      <p:cxnSp>
-        <p:nvCxnSpPr>
-          <p:cNvPr id="405" name="Straight Connector 404">
-            <a:extLst>
-              <a:ext uri="{FF2B5EF4-FFF2-40B4-BE49-F238E27FC236}">
-                <a16:creationId xmlns:a16="http://schemas.microsoft.com/office/drawing/2014/main" id="{16EAFB80-8569-45B7-92C2-84B192E6F9BE}"/>
-              </a:ext>
-            </a:extLst>
-          </p:cNvPr>
-          <p:cNvCxnSpPr>
-            <a:cxnSpLocks/>
-          </p:cNvCxnSpPr>
-          <p:nvPr/>
-        </p:nvCxnSpPr>
-        <p:spPr>
-          <a:xfrm>
-            <a:off x="46575082" y="12177313"/>
-            <a:ext cx="36390" cy="5630644"/>
-          </a:xfrm>
-          <a:prstGeom prst="line">
-            <a:avLst/>
-          </a:prstGeom>
-          <a:ln w="19050">
-            <a:solidFill>
-              <a:srgbClr val="7030A0"/>
-            </a:solidFill>
-            <a:prstDash val="sysDash"/>
-          </a:ln>
-        </p:spPr>
-        <p:style>
-          <a:lnRef idx="1">
-            <a:schemeClr val="accent1"/>
-          </a:lnRef>
-          <a:fillRef idx="0">
-            <a:schemeClr val="accent1"/>
-          </a:fillRef>
-          <a:effectRef idx="0">
-            <a:schemeClr val="accent1"/>
-          </a:effectRef>
-          <a:fontRef idx="minor">
-            <a:schemeClr val="tx1"/>
-          </a:fontRef>
-        </p:style>
-      </p:cxnSp>
-      <p:sp>
-        <p:nvSpPr>
-          <p:cNvPr id="410" name="Multiplication Sign 409">
-            <a:extLst>
-              <a:ext uri="{FF2B5EF4-FFF2-40B4-BE49-F238E27FC236}">
-                <a16:creationId xmlns:a16="http://schemas.microsoft.com/office/drawing/2014/main" id="{5A17B278-3883-40EA-833C-E2457CEBBB99}"/>
-              </a:ext>
-            </a:extLst>
-          </p:cNvPr>
-          <p:cNvSpPr/>
-          <p:nvPr/>
-        </p:nvSpPr>
-        <p:spPr>
-          <a:xfrm>
-            <a:off x="46394137" y="17476647"/>
-            <a:ext cx="434670" cy="555129"/>
-          </a:xfrm>
-          <a:prstGeom prst="mathMultiply">
-            <a:avLst>
-              <a:gd name="adj1" fmla="val 5268"/>
-            </a:avLst>
-          </a:prstGeom>
-        </p:spPr>
-        <p:style>
-          <a:lnRef idx="2">
-            <a:schemeClr val="dk1">
-              <a:shade val="50000"/>
-            </a:schemeClr>
-          </a:lnRef>
-          <a:fillRef idx="1">
-            <a:schemeClr val="dk1"/>
-          </a:fillRef>
-          <a:effectRef idx="0">
-            <a:schemeClr val="dk1"/>
-          </a:effectRef>
-          <a:fontRef idx="minor">
-            <a:schemeClr val="lt1"/>
-          </a:fontRef>
-        </p:style>
-        <p:txBody>
-          <a:bodyPr rtlCol="0" anchor="ctr"/>
-          <a:lstStyle/>
-          <a:p>
-            <a:pPr algn="ctr"/>
-            <a:endParaRPr lang="en-US"/>
           </a:p>
         </p:txBody>
       </p:sp>
